--- a/Workcase №3 .pptx
+++ b/Workcase №3 .pptx
@@ -5,10 +5,10 @@
     <p:sldMasterId id="2147483674" r:id="rId1"/>
   </p:sldMasterIdLst>
   <p:notesMasterIdLst>
-    <p:notesMasterId r:id="rId22"/>
+    <p:notesMasterId r:id="rId30"/>
   </p:notesMasterIdLst>
   <p:handoutMasterIdLst>
-    <p:handoutMasterId r:id="rId23"/>
+    <p:handoutMasterId r:id="rId31"/>
   </p:handoutMasterIdLst>
   <p:sldIdLst>
     <p:sldId id="256" r:id="rId2"/>
@@ -31,31 +31,39 @@
     <p:sldId id="311" r:id="rId19"/>
     <p:sldId id="319" r:id="rId20"/>
     <p:sldId id="320" r:id="rId21"/>
+    <p:sldId id="324" r:id="rId22"/>
+    <p:sldId id="323" r:id="rId23"/>
+    <p:sldId id="329" r:id="rId24"/>
+    <p:sldId id="325" r:id="rId25"/>
+    <p:sldId id="326" r:id="rId26"/>
+    <p:sldId id="327" r:id="rId27"/>
+    <p:sldId id="328" r:id="rId28"/>
+    <p:sldId id="265" r:id="rId29"/>
   </p:sldIdLst>
   <p:sldSz cx="9144000" cy="5143500" type="screen16x9"/>
   <p:notesSz cx="6858000" cy="9144000"/>
   <p:embeddedFontLst>
     <p:embeddedFont>
       <p:font typeface="Bebas Neue" panose="020B0604020202020204" charset="0"/>
-      <p:regular r:id="rId24"/>
+      <p:regular r:id="rId32"/>
     </p:embeddedFont>
     <p:embeddedFont>
       <p:font typeface="Varela Round" panose="020B0604020202020204" charset="-79"/>
-      <p:regular r:id="rId25"/>
+      <p:regular r:id="rId33"/>
     </p:embeddedFont>
     <p:embeddedFont>
       <p:font typeface="Lato" panose="020B0604020202020204" charset="0"/>
-      <p:regular r:id="rId26"/>
-      <p:bold r:id="rId27"/>
-      <p:italic r:id="rId28"/>
-      <p:boldItalic r:id="rId29"/>
+      <p:regular r:id="rId34"/>
+      <p:bold r:id="rId35"/>
+      <p:italic r:id="rId36"/>
+      <p:boldItalic r:id="rId37"/>
     </p:embeddedFont>
     <p:embeddedFont>
       <p:font typeface="Google Sans" panose="020B0503030502040204" pitchFamily="34" charset="0"/>
-      <p:regular r:id="rId30"/>
-      <p:bold r:id="rId31"/>
-      <p:italic r:id="rId32"/>
-      <p:boldItalic r:id="rId33"/>
+      <p:regular r:id="rId38"/>
+      <p:bold r:id="rId39"/>
+      <p:italic r:id="rId40"/>
+      <p:boldItalic r:id="rId41"/>
     </p:embeddedFont>
   </p:embeddedFontLst>
   <p:defaultTextStyle>
@@ -2377,6 +2385,878 @@
 </p:notes>
 </file>
 
+<file path=ppt/notesSlides/notesSlide21.xml><?xml version="1.0" encoding="utf-8"?>
+<p:notes xmlns:a="http://schemas.openxmlformats.org/drawingml/2006/main" xmlns:r="http://schemas.openxmlformats.org/officeDocument/2006/relationships" xmlns:p="http://schemas.openxmlformats.org/presentationml/2006/main" showMasterSp="0" showMasterPhAnim="0">
+  <p:cSld>
+    <p:spTree>
+      <p:nvGrpSpPr>
+        <p:cNvPr id="1" name="Shape 503"/>
+        <p:cNvGrpSpPr/>
+        <p:nvPr/>
+      </p:nvGrpSpPr>
+      <p:grpSpPr>
+        <a:xfrm>
+          <a:off x="0" y="0"/>
+          <a:ext cx="0" cy="0"/>
+          <a:chOff x="0" y="0"/>
+          <a:chExt cx="0" cy="0"/>
+        </a:xfrm>
+      </p:grpSpPr>
+      <p:sp>
+        <p:nvSpPr>
+          <p:cNvPr id="504" name="Google Shape;504;gdd09e57de2_0_36:notes"/>
+          <p:cNvSpPr>
+            <a:spLocks noGrp="1" noRot="1" noChangeAspect="1"/>
+          </p:cNvSpPr>
+          <p:nvPr>
+            <p:ph type="sldImg" idx="2"/>
+          </p:nvPr>
+        </p:nvSpPr>
+        <p:spPr>
+          <a:xfrm>
+            <a:off x="381000" y="685800"/>
+            <a:ext cx="6096000" cy="3429000"/>
+          </a:xfrm>
+          <a:custGeom>
+            <a:avLst/>
+            <a:gdLst/>
+            <a:ahLst/>
+            <a:cxnLst/>
+            <a:rect l="l" t="t" r="r" b="b"/>
+            <a:pathLst>
+              <a:path w="120000" h="120000" extrusionOk="0">
+                <a:moveTo>
+                  <a:pt x="0" y="0"/>
+                </a:moveTo>
+                <a:lnTo>
+                  <a:pt x="120000" y="0"/>
+                </a:lnTo>
+                <a:lnTo>
+                  <a:pt x="120000" y="120000"/>
+                </a:lnTo>
+                <a:lnTo>
+                  <a:pt x="0" y="120000"/>
+                </a:lnTo>
+                <a:close/>
+              </a:path>
+            </a:pathLst>
+          </a:custGeom>
+        </p:spPr>
+      </p:sp>
+      <p:sp>
+        <p:nvSpPr>
+          <p:cNvPr id="505" name="Google Shape;505;gdd09e57de2_0_36:notes"/>
+          <p:cNvSpPr txBox="1">
+            <a:spLocks noGrp="1"/>
+          </p:cNvSpPr>
+          <p:nvPr>
+            <p:ph type="body" idx="1"/>
+          </p:nvPr>
+        </p:nvSpPr>
+        <p:spPr>
+          <a:xfrm>
+            <a:off x="685800" y="4343400"/>
+            <a:ext cx="5486400" cy="4114800"/>
+          </a:xfrm>
+          <a:prstGeom prst="rect">
+            <a:avLst/>
+          </a:prstGeom>
+        </p:spPr>
+        <p:txBody>
+          <a:bodyPr spcFirstLastPara="1" wrap="square" lIns="91425" tIns="91425" rIns="91425" bIns="91425" anchor="t" anchorCtr="0">
+            <a:noAutofit/>
+          </a:bodyPr>
+          <a:lstStyle/>
+          <a:p>
+            <a:pPr marL="0" lvl="0" indent="0" algn="l" rtl="0">
+              <a:spcBef>
+                <a:spcPts val="0"/>
+              </a:spcBef>
+              <a:spcAft>
+                <a:spcPts val="0"/>
+              </a:spcAft>
+              <a:buNone/>
+            </a:pPr>
+            <a:endParaRPr/>
+          </a:p>
+        </p:txBody>
+      </p:sp>
+    </p:spTree>
+    <p:extLst>
+      <p:ext uri="{BB962C8B-B14F-4D97-AF65-F5344CB8AC3E}">
+        <p14:creationId xmlns:p14="http://schemas.microsoft.com/office/powerpoint/2010/main" val="1064042728"/>
+      </p:ext>
+    </p:extLst>
+  </p:cSld>
+  <p:clrMapOvr>
+    <a:masterClrMapping/>
+  </p:clrMapOvr>
+</p:notes>
+</file>
+
+<file path=ppt/notesSlides/notesSlide22.xml><?xml version="1.0" encoding="utf-8"?>
+<p:notes xmlns:a="http://schemas.openxmlformats.org/drawingml/2006/main" xmlns:r="http://schemas.openxmlformats.org/officeDocument/2006/relationships" xmlns:p="http://schemas.openxmlformats.org/presentationml/2006/main" showMasterSp="0" showMasterPhAnim="0">
+  <p:cSld>
+    <p:spTree>
+      <p:nvGrpSpPr>
+        <p:cNvPr id="1" name="Shape 521"/>
+        <p:cNvGrpSpPr/>
+        <p:nvPr/>
+      </p:nvGrpSpPr>
+      <p:grpSpPr>
+        <a:xfrm>
+          <a:off x="0" y="0"/>
+          <a:ext cx="0" cy="0"/>
+          <a:chOff x="0" y="0"/>
+          <a:chExt cx="0" cy="0"/>
+        </a:xfrm>
+      </p:grpSpPr>
+      <p:sp>
+        <p:nvSpPr>
+          <p:cNvPr id="522" name="Google Shape;522;g99f2f57a71_0_115:notes"/>
+          <p:cNvSpPr>
+            <a:spLocks noGrp="1" noRot="1" noChangeAspect="1"/>
+          </p:cNvSpPr>
+          <p:nvPr>
+            <p:ph type="sldImg" idx="2"/>
+          </p:nvPr>
+        </p:nvSpPr>
+        <p:spPr>
+          <a:xfrm>
+            <a:off x="381000" y="685800"/>
+            <a:ext cx="6096000" cy="3429000"/>
+          </a:xfrm>
+          <a:custGeom>
+            <a:avLst/>
+            <a:gdLst/>
+            <a:ahLst/>
+            <a:cxnLst/>
+            <a:rect l="l" t="t" r="r" b="b"/>
+            <a:pathLst>
+              <a:path w="120000" h="120000" extrusionOk="0">
+                <a:moveTo>
+                  <a:pt x="0" y="0"/>
+                </a:moveTo>
+                <a:lnTo>
+                  <a:pt x="120000" y="0"/>
+                </a:lnTo>
+                <a:lnTo>
+                  <a:pt x="120000" y="120000"/>
+                </a:lnTo>
+                <a:lnTo>
+                  <a:pt x="0" y="120000"/>
+                </a:lnTo>
+                <a:close/>
+              </a:path>
+            </a:pathLst>
+          </a:custGeom>
+        </p:spPr>
+      </p:sp>
+      <p:sp>
+        <p:nvSpPr>
+          <p:cNvPr id="523" name="Google Shape;523;g99f2f57a71_0_115:notes"/>
+          <p:cNvSpPr txBox="1">
+            <a:spLocks noGrp="1"/>
+          </p:cNvSpPr>
+          <p:nvPr>
+            <p:ph type="body" idx="1"/>
+          </p:nvPr>
+        </p:nvSpPr>
+        <p:spPr>
+          <a:xfrm>
+            <a:off x="685800" y="4343400"/>
+            <a:ext cx="5486400" cy="4114800"/>
+          </a:xfrm>
+          <a:prstGeom prst="rect">
+            <a:avLst/>
+          </a:prstGeom>
+        </p:spPr>
+        <p:txBody>
+          <a:bodyPr spcFirstLastPara="1" wrap="square" lIns="91425" tIns="91425" rIns="91425" bIns="91425" anchor="t" anchorCtr="0">
+            <a:noAutofit/>
+          </a:bodyPr>
+          <a:lstStyle/>
+          <a:p>
+            <a:pPr marL="0" lvl="0" indent="0" algn="l" rtl="0">
+              <a:spcBef>
+                <a:spcPts val="0"/>
+              </a:spcBef>
+              <a:spcAft>
+                <a:spcPts val="0"/>
+              </a:spcAft>
+              <a:buNone/>
+            </a:pPr>
+            <a:endParaRPr/>
+          </a:p>
+        </p:txBody>
+      </p:sp>
+    </p:spTree>
+    <p:extLst>
+      <p:ext uri="{BB962C8B-B14F-4D97-AF65-F5344CB8AC3E}">
+        <p14:creationId xmlns:p14="http://schemas.microsoft.com/office/powerpoint/2010/main" val="2737538775"/>
+      </p:ext>
+    </p:extLst>
+  </p:cSld>
+  <p:clrMapOvr>
+    <a:masterClrMapping/>
+  </p:clrMapOvr>
+</p:notes>
+</file>
+
+<file path=ppt/notesSlides/notesSlide23.xml><?xml version="1.0" encoding="utf-8"?>
+<p:notes xmlns:a="http://schemas.openxmlformats.org/drawingml/2006/main" xmlns:r="http://schemas.openxmlformats.org/officeDocument/2006/relationships" xmlns:p="http://schemas.openxmlformats.org/presentationml/2006/main" showMasterSp="0" showMasterPhAnim="0">
+  <p:cSld>
+    <p:spTree>
+      <p:nvGrpSpPr>
+        <p:cNvPr id="1" name="Shape 521"/>
+        <p:cNvGrpSpPr/>
+        <p:nvPr/>
+      </p:nvGrpSpPr>
+      <p:grpSpPr>
+        <a:xfrm>
+          <a:off x="0" y="0"/>
+          <a:ext cx="0" cy="0"/>
+          <a:chOff x="0" y="0"/>
+          <a:chExt cx="0" cy="0"/>
+        </a:xfrm>
+      </p:grpSpPr>
+      <p:sp>
+        <p:nvSpPr>
+          <p:cNvPr id="522" name="Google Shape;522;g99f2f57a71_0_115:notes"/>
+          <p:cNvSpPr>
+            <a:spLocks noGrp="1" noRot="1" noChangeAspect="1"/>
+          </p:cNvSpPr>
+          <p:nvPr>
+            <p:ph type="sldImg" idx="2"/>
+          </p:nvPr>
+        </p:nvSpPr>
+        <p:spPr>
+          <a:xfrm>
+            <a:off x="381000" y="685800"/>
+            <a:ext cx="6096000" cy="3429000"/>
+          </a:xfrm>
+          <a:custGeom>
+            <a:avLst/>
+            <a:gdLst/>
+            <a:ahLst/>
+            <a:cxnLst/>
+            <a:rect l="l" t="t" r="r" b="b"/>
+            <a:pathLst>
+              <a:path w="120000" h="120000" extrusionOk="0">
+                <a:moveTo>
+                  <a:pt x="0" y="0"/>
+                </a:moveTo>
+                <a:lnTo>
+                  <a:pt x="120000" y="0"/>
+                </a:lnTo>
+                <a:lnTo>
+                  <a:pt x="120000" y="120000"/>
+                </a:lnTo>
+                <a:lnTo>
+                  <a:pt x="0" y="120000"/>
+                </a:lnTo>
+                <a:close/>
+              </a:path>
+            </a:pathLst>
+          </a:custGeom>
+        </p:spPr>
+      </p:sp>
+      <p:sp>
+        <p:nvSpPr>
+          <p:cNvPr id="523" name="Google Shape;523;g99f2f57a71_0_115:notes"/>
+          <p:cNvSpPr txBox="1">
+            <a:spLocks noGrp="1"/>
+          </p:cNvSpPr>
+          <p:nvPr>
+            <p:ph type="body" idx="1"/>
+          </p:nvPr>
+        </p:nvSpPr>
+        <p:spPr>
+          <a:xfrm>
+            <a:off x="685800" y="4343400"/>
+            <a:ext cx="5486400" cy="4114800"/>
+          </a:xfrm>
+          <a:prstGeom prst="rect">
+            <a:avLst/>
+          </a:prstGeom>
+        </p:spPr>
+        <p:txBody>
+          <a:bodyPr spcFirstLastPara="1" wrap="square" lIns="91425" tIns="91425" rIns="91425" bIns="91425" anchor="t" anchorCtr="0">
+            <a:noAutofit/>
+          </a:bodyPr>
+          <a:lstStyle/>
+          <a:p>
+            <a:pPr marL="0" lvl="0" indent="0" algn="l" rtl="0">
+              <a:spcBef>
+                <a:spcPts val="0"/>
+              </a:spcBef>
+              <a:spcAft>
+                <a:spcPts val="0"/>
+              </a:spcAft>
+              <a:buNone/>
+            </a:pPr>
+            <a:endParaRPr/>
+          </a:p>
+        </p:txBody>
+      </p:sp>
+    </p:spTree>
+    <p:extLst>
+      <p:ext uri="{BB962C8B-B14F-4D97-AF65-F5344CB8AC3E}">
+        <p14:creationId xmlns:p14="http://schemas.microsoft.com/office/powerpoint/2010/main" val="1735670785"/>
+      </p:ext>
+    </p:extLst>
+  </p:cSld>
+  <p:clrMapOvr>
+    <a:masterClrMapping/>
+  </p:clrMapOvr>
+</p:notes>
+</file>
+
+<file path=ppt/notesSlides/notesSlide24.xml><?xml version="1.0" encoding="utf-8"?>
+<p:notes xmlns:a="http://schemas.openxmlformats.org/drawingml/2006/main" xmlns:r="http://schemas.openxmlformats.org/officeDocument/2006/relationships" xmlns:p="http://schemas.openxmlformats.org/presentationml/2006/main" showMasterSp="0" showMasterPhAnim="0">
+  <p:cSld>
+    <p:spTree>
+      <p:nvGrpSpPr>
+        <p:cNvPr id="1" name="Shape 521"/>
+        <p:cNvGrpSpPr/>
+        <p:nvPr/>
+      </p:nvGrpSpPr>
+      <p:grpSpPr>
+        <a:xfrm>
+          <a:off x="0" y="0"/>
+          <a:ext cx="0" cy="0"/>
+          <a:chOff x="0" y="0"/>
+          <a:chExt cx="0" cy="0"/>
+        </a:xfrm>
+      </p:grpSpPr>
+      <p:sp>
+        <p:nvSpPr>
+          <p:cNvPr id="522" name="Google Shape;522;g99f2f57a71_0_115:notes"/>
+          <p:cNvSpPr>
+            <a:spLocks noGrp="1" noRot="1" noChangeAspect="1"/>
+          </p:cNvSpPr>
+          <p:nvPr>
+            <p:ph type="sldImg" idx="2"/>
+          </p:nvPr>
+        </p:nvSpPr>
+        <p:spPr>
+          <a:xfrm>
+            <a:off x="381000" y="685800"/>
+            <a:ext cx="6096000" cy="3429000"/>
+          </a:xfrm>
+          <a:custGeom>
+            <a:avLst/>
+            <a:gdLst/>
+            <a:ahLst/>
+            <a:cxnLst/>
+            <a:rect l="l" t="t" r="r" b="b"/>
+            <a:pathLst>
+              <a:path w="120000" h="120000" extrusionOk="0">
+                <a:moveTo>
+                  <a:pt x="0" y="0"/>
+                </a:moveTo>
+                <a:lnTo>
+                  <a:pt x="120000" y="0"/>
+                </a:lnTo>
+                <a:lnTo>
+                  <a:pt x="120000" y="120000"/>
+                </a:lnTo>
+                <a:lnTo>
+                  <a:pt x="0" y="120000"/>
+                </a:lnTo>
+                <a:close/>
+              </a:path>
+            </a:pathLst>
+          </a:custGeom>
+        </p:spPr>
+      </p:sp>
+      <p:sp>
+        <p:nvSpPr>
+          <p:cNvPr id="523" name="Google Shape;523;g99f2f57a71_0_115:notes"/>
+          <p:cNvSpPr txBox="1">
+            <a:spLocks noGrp="1"/>
+          </p:cNvSpPr>
+          <p:nvPr>
+            <p:ph type="body" idx="1"/>
+          </p:nvPr>
+        </p:nvSpPr>
+        <p:spPr>
+          <a:xfrm>
+            <a:off x="685800" y="4343400"/>
+            <a:ext cx="5486400" cy="4114800"/>
+          </a:xfrm>
+          <a:prstGeom prst="rect">
+            <a:avLst/>
+          </a:prstGeom>
+        </p:spPr>
+        <p:txBody>
+          <a:bodyPr spcFirstLastPara="1" wrap="square" lIns="91425" tIns="91425" rIns="91425" bIns="91425" anchor="t" anchorCtr="0">
+            <a:noAutofit/>
+          </a:bodyPr>
+          <a:lstStyle/>
+          <a:p>
+            <a:pPr marL="0" lvl="0" indent="0" algn="l" rtl="0">
+              <a:spcBef>
+                <a:spcPts val="0"/>
+              </a:spcBef>
+              <a:spcAft>
+                <a:spcPts val="0"/>
+              </a:spcAft>
+              <a:buNone/>
+            </a:pPr>
+            <a:endParaRPr/>
+          </a:p>
+        </p:txBody>
+      </p:sp>
+    </p:spTree>
+    <p:extLst>
+      <p:ext uri="{BB962C8B-B14F-4D97-AF65-F5344CB8AC3E}">
+        <p14:creationId xmlns:p14="http://schemas.microsoft.com/office/powerpoint/2010/main" val="2717687052"/>
+      </p:ext>
+    </p:extLst>
+  </p:cSld>
+  <p:clrMapOvr>
+    <a:masterClrMapping/>
+  </p:clrMapOvr>
+</p:notes>
+</file>
+
+<file path=ppt/notesSlides/notesSlide25.xml><?xml version="1.0" encoding="utf-8"?>
+<p:notes xmlns:a="http://schemas.openxmlformats.org/drawingml/2006/main" xmlns:r="http://schemas.openxmlformats.org/officeDocument/2006/relationships" xmlns:p="http://schemas.openxmlformats.org/presentationml/2006/main" showMasterSp="0" showMasterPhAnim="0">
+  <p:cSld>
+    <p:spTree>
+      <p:nvGrpSpPr>
+        <p:cNvPr id="1" name="Shape 521"/>
+        <p:cNvGrpSpPr/>
+        <p:nvPr/>
+      </p:nvGrpSpPr>
+      <p:grpSpPr>
+        <a:xfrm>
+          <a:off x="0" y="0"/>
+          <a:ext cx="0" cy="0"/>
+          <a:chOff x="0" y="0"/>
+          <a:chExt cx="0" cy="0"/>
+        </a:xfrm>
+      </p:grpSpPr>
+      <p:sp>
+        <p:nvSpPr>
+          <p:cNvPr id="522" name="Google Shape;522;g99f2f57a71_0_115:notes"/>
+          <p:cNvSpPr>
+            <a:spLocks noGrp="1" noRot="1" noChangeAspect="1"/>
+          </p:cNvSpPr>
+          <p:nvPr>
+            <p:ph type="sldImg" idx="2"/>
+          </p:nvPr>
+        </p:nvSpPr>
+        <p:spPr>
+          <a:xfrm>
+            <a:off x="381000" y="685800"/>
+            <a:ext cx="6096000" cy="3429000"/>
+          </a:xfrm>
+          <a:custGeom>
+            <a:avLst/>
+            <a:gdLst/>
+            <a:ahLst/>
+            <a:cxnLst/>
+            <a:rect l="l" t="t" r="r" b="b"/>
+            <a:pathLst>
+              <a:path w="120000" h="120000" extrusionOk="0">
+                <a:moveTo>
+                  <a:pt x="0" y="0"/>
+                </a:moveTo>
+                <a:lnTo>
+                  <a:pt x="120000" y="0"/>
+                </a:lnTo>
+                <a:lnTo>
+                  <a:pt x="120000" y="120000"/>
+                </a:lnTo>
+                <a:lnTo>
+                  <a:pt x="0" y="120000"/>
+                </a:lnTo>
+                <a:close/>
+              </a:path>
+            </a:pathLst>
+          </a:custGeom>
+        </p:spPr>
+      </p:sp>
+      <p:sp>
+        <p:nvSpPr>
+          <p:cNvPr id="523" name="Google Shape;523;g99f2f57a71_0_115:notes"/>
+          <p:cNvSpPr txBox="1">
+            <a:spLocks noGrp="1"/>
+          </p:cNvSpPr>
+          <p:nvPr>
+            <p:ph type="body" idx="1"/>
+          </p:nvPr>
+        </p:nvSpPr>
+        <p:spPr>
+          <a:xfrm>
+            <a:off x="685800" y="4343400"/>
+            <a:ext cx="5486400" cy="4114800"/>
+          </a:xfrm>
+          <a:prstGeom prst="rect">
+            <a:avLst/>
+          </a:prstGeom>
+        </p:spPr>
+        <p:txBody>
+          <a:bodyPr spcFirstLastPara="1" wrap="square" lIns="91425" tIns="91425" rIns="91425" bIns="91425" anchor="t" anchorCtr="0">
+            <a:noAutofit/>
+          </a:bodyPr>
+          <a:lstStyle/>
+          <a:p>
+            <a:pPr marL="0" lvl="0" indent="0" algn="l" rtl="0">
+              <a:spcBef>
+                <a:spcPts val="0"/>
+              </a:spcBef>
+              <a:spcAft>
+                <a:spcPts val="0"/>
+              </a:spcAft>
+              <a:buNone/>
+            </a:pPr>
+            <a:endParaRPr/>
+          </a:p>
+        </p:txBody>
+      </p:sp>
+    </p:spTree>
+    <p:extLst>
+      <p:ext uri="{BB962C8B-B14F-4D97-AF65-F5344CB8AC3E}">
+        <p14:creationId xmlns:p14="http://schemas.microsoft.com/office/powerpoint/2010/main" val="471276874"/>
+      </p:ext>
+    </p:extLst>
+  </p:cSld>
+  <p:clrMapOvr>
+    <a:masterClrMapping/>
+  </p:clrMapOvr>
+</p:notes>
+</file>
+
+<file path=ppt/notesSlides/notesSlide26.xml><?xml version="1.0" encoding="utf-8"?>
+<p:notes xmlns:a="http://schemas.openxmlformats.org/drawingml/2006/main" xmlns:r="http://schemas.openxmlformats.org/officeDocument/2006/relationships" xmlns:p="http://schemas.openxmlformats.org/presentationml/2006/main" showMasterSp="0" showMasterPhAnim="0">
+  <p:cSld>
+    <p:spTree>
+      <p:nvGrpSpPr>
+        <p:cNvPr id="1" name="Shape 521"/>
+        <p:cNvGrpSpPr/>
+        <p:nvPr/>
+      </p:nvGrpSpPr>
+      <p:grpSpPr>
+        <a:xfrm>
+          <a:off x="0" y="0"/>
+          <a:ext cx="0" cy="0"/>
+          <a:chOff x="0" y="0"/>
+          <a:chExt cx="0" cy="0"/>
+        </a:xfrm>
+      </p:grpSpPr>
+      <p:sp>
+        <p:nvSpPr>
+          <p:cNvPr id="522" name="Google Shape;522;g99f2f57a71_0_115:notes"/>
+          <p:cNvSpPr>
+            <a:spLocks noGrp="1" noRot="1" noChangeAspect="1"/>
+          </p:cNvSpPr>
+          <p:nvPr>
+            <p:ph type="sldImg" idx="2"/>
+          </p:nvPr>
+        </p:nvSpPr>
+        <p:spPr>
+          <a:xfrm>
+            <a:off x="381000" y="685800"/>
+            <a:ext cx="6096000" cy="3429000"/>
+          </a:xfrm>
+          <a:custGeom>
+            <a:avLst/>
+            <a:gdLst/>
+            <a:ahLst/>
+            <a:cxnLst/>
+            <a:rect l="l" t="t" r="r" b="b"/>
+            <a:pathLst>
+              <a:path w="120000" h="120000" extrusionOk="0">
+                <a:moveTo>
+                  <a:pt x="0" y="0"/>
+                </a:moveTo>
+                <a:lnTo>
+                  <a:pt x="120000" y="0"/>
+                </a:lnTo>
+                <a:lnTo>
+                  <a:pt x="120000" y="120000"/>
+                </a:lnTo>
+                <a:lnTo>
+                  <a:pt x="0" y="120000"/>
+                </a:lnTo>
+                <a:close/>
+              </a:path>
+            </a:pathLst>
+          </a:custGeom>
+        </p:spPr>
+      </p:sp>
+      <p:sp>
+        <p:nvSpPr>
+          <p:cNvPr id="523" name="Google Shape;523;g99f2f57a71_0_115:notes"/>
+          <p:cNvSpPr txBox="1">
+            <a:spLocks noGrp="1"/>
+          </p:cNvSpPr>
+          <p:nvPr>
+            <p:ph type="body" idx="1"/>
+          </p:nvPr>
+        </p:nvSpPr>
+        <p:spPr>
+          <a:xfrm>
+            <a:off x="685800" y="4343400"/>
+            <a:ext cx="5486400" cy="4114800"/>
+          </a:xfrm>
+          <a:prstGeom prst="rect">
+            <a:avLst/>
+          </a:prstGeom>
+        </p:spPr>
+        <p:txBody>
+          <a:bodyPr spcFirstLastPara="1" wrap="square" lIns="91425" tIns="91425" rIns="91425" bIns="91425" anchor="t" anchorCtr="0">
+            <a:noAutofit/>
+          </a:bodyPr>
+          <a:lstStyle/>
+          <a:p>
+            <a:pPr marL="0" lvl="0" indent="0" algn="l" rtl="0">
+              <a:spcBef>
+                <a:spcPts val="0"/>
+              </a:spcBef>
+              <a:spcAft>
+                <a:spcPts val="0"/>
+              </a:spcAft>
+              <a:buNone/>
+            </a:pPr>
+            <a:endParaRPr/>
+          </a:p>
+        </p:txBody>
+      </p:sp>
+    </p:spTree>
+    <p:extLst>
+      <p:ext uri="{BB962C8B-B14F-4D97-AF65-F5344CB8AC3E}">
+        <p14:creationId xmlns:p14="http://schemas.microsoft.com/office/powerpoint/2010/main" val="3555518952"/>
+      </p:ext>
+    </p:extLst>
+  </p:cSld>
+  <p:clrMapOvr>
+    <a:masterClrMapping/>
+  </p:clrMapOvr>
+</p:notes>
+</file>
+
+<file path=ppt/notesSlides/notesSlide27.xml><?xml version="1.0" encoding="utf-8"?>
+<p:notes xmlns:a="http://schemas.openxmlformats.org/drawingml/2006/main" xmlns:r="http://schemas.openxmlformats.org/officeDocument/2006/relationships" xmlns:p="http://schemas.openxmlformats.org/presentationml/2006/main" showMasterSp="0" showMasterPhAnim="0">
+  <p:cSld>
+    <p:spTree>
+      <p:nvGrpSpPr>
+        <p:cNvPr id="1" name="Shape 521"/>
+        <p:cNvGrpSpPr/>
+        <p:nvPr/>
+      </p:nvGrpSpPr>
+      <p:grpSpPr>
+        <a:xfrm>
+          <a:off x="0" y="0"/>
+          <a:ext cx="0" cy="0"/>
+          <a:chOff x="0" y="0"/>
+          <a:chExt cx="0" cy="0"/>
+        </a:xfrm>
+      </p:grpSpPr>
+      <p:sp>
+        <p:nvSpPr>
+          <p:cNvPr id="522" name="Google Shape;522;g99f2f57a71_0_115:notes"/>
+          <p:cNvSpPr>
+            <a:spLocks noGrp="1" noRot="1" noChangeAspect="1"/>
+          </p:cNvSpPr>
+          <p:nvPr>
+            <p:ph type="sldImg" idx="2"/>
+          </p:nvPr>
+        </p:nvSpPr>
+        <p:spPr>
+          <a:xfrm>
+            <a:off x="381000" y="685800"/>
+            <a:ext cx="6096000" cy="3429000"/>
+          </a:xfrm>
+          <a:custGeom>
+            <a:avLst/>
+            <a:gdLst/>
+            <a:ahLst/>
+            <a:cxnLst/>
+            <a:rect l="l" t="t" r="r" b="b"/>
+            <a:pathLst>
+              <a:path w="120000" h="120000" extrusionOk="0">
+                <a:moveTo>
+                  <a:pt x="0" y="0"/>
+                </a:moveTo>
+                <a:lnTo>
+                  <a:pt x="120000" y="0"/>
+                </a:lnTo>
+                <a:lnTo>
+                  <a:pt x="120000" y="120000"/>
+                </a:lnTo>
+                <a:lnTo>
+                  <a:pt x="0" y="120000"/>
+                </a:lnTo>
+                <a:close/>
+              </a:path>
+            </a:pathLst>
+          </a:custGeom>
+        </p:spPr>
+      </p:sp>
+      <p:sp>
+        <p:nvSpPr>
+          <p:cNvPr id="523" name="Google Shape;523;g99f2f57a71_0_115:notes"/>
+          <p:cNvSpPr txBox="1">
+            <a:spLocks noGrp="1"/>
+          </p:cNvSpPr>
+          <p:nvPr>
+            <p:ph type="body" idx="1"/>
+          </p:nvPr>
+        </p:nvSpPr>
+        <p:spPr>
+          <a:xfrm>
+            <a:off x="685800" y="4343400"/>
+            <a:ext cx="5486400" cy="4114800"/>
+          </a:xfrm>
+          <a:prstGeom prst="rect">
+            <a:avLst/>
+          </a:prstGeom>
+        </p:spPr>
+        <p:txBody>
+          <a:bodyPr spcFirstLastPara="1" wrap="square" lIns="91425" tIns="91425" rIns="91425" bIns="91425" anchor="t" anchorCtr="0">
+            <a:noAutofit/>
+          </a:bodyPr>
+          <a:lstStyle/>
+          <a:p>
+            <a:pPr marL="0" lvl="0" indent="0" algn="l" rtl="0">
+              <a:spcBef>
+                <a:spcPts val="0"/>
+              </a:spcBef>
+              <a:spcAft>
+                <a:spcPts val="0"/>
+              </a:spcAft>
+              <a:buNone/>
+            </a:pPr>
+            <a:endParaRPr/>
+          </a:p>
+        </p:txBody>
+      </p:sp>
+    </p:spTree>
+    <p:extLst>
+      <p:ext uri="{BB962C8B-B14F-4D97-AF65-F5344CB8AC3E}">
+        <p14:creationId xmlns:p14="http://schemas.microsoft.com/office/powerpoint/2010/main" val="2988157402"/>
+      </p:ext>
+    </p:extLst>
+  </p:cSld>
+  <p:clrMapOvr>
+    <a:masterClrMapping/>
+  </p:clrMapOvr>
+</p:notes>
+</file>
+
+<file path=ppt/notesSlides/notesSlide28.xml><?xml version="1.0" encoding="utf-8"?>
+<p:notes xmlns:a="http://schemas.openxmlformats.org/drawingml/2006/main" xmlns:r="http://schemas.openxmlformats.org/officeDocument/2006/relationships" xmlns:p="http://schemas.openxmlformats.org/presentationml/2006/main" showMasterSp="0" showMasterPhAnim="0">
+  <p:cSld>
+    <p:spTree>
+      <p:nvGrpSpPr>
+        <p:cNvPr id="1" name="Shape 530"/>
+        <p:cNvGrpSpPr/>
+        <p:nvPr/>
+      </p:nvGrpSpPr>
+      <p:grpSpPr>
+        <a:xfrm>
+          <a:off x="0" y="0"/>
+          <a:ext cx="0" cy="0"/>
+          <a:chOff x="0" y="0"/>
+          <a:chExt cx="0" cy="0"/>
+        </a:xfrm>
+      </p:grpSpPr>
+      <p:sp>
+        <p:nvSpPr>
+          <p:cNvPr id="531" name="Google Shape;531;gdd09e57de2_3_1247:notes"/>
+          <p:cNvSpPr>
+            <a:spLocks noGrp="1" noRot="1" noChangeAspect="1"/>
+          </p:cNvSpPr>
+          <p:nvPr>
+            <p:ph type="sldImg" idx="2"/>
+          </p:nvPr>
+        </p:nvSpPr>
+        <p:spPr>
+          <a:xfrm>
+            <a:off x="381000" y="685800"/>
+            <a:ext cx="6096000" cy="3429000"/>
+          </a:xfrm>
+          <a:custGeom>
+            <a:avLst/>
+            <a:gdLst/>
+            <a:ahLst/>
+            <a:cxnLst/>
+            <a:rect l="l" t="t" r="r" b="b"/>
+            <a:pathLst>
+              <a:path w="120000" h="120000" extrusionOk="0">
+                <a:moveTo>
+                  <a:pt x="0" y="0"/>
+                </a:moveTo>
+                <a:lnTo>
+                  <a:pt x="120000" y="0"/>
+                </a:lnTo>
+                <a:lnTo>
+                  <a:pt x="120000" y="120000"/>
+                </a:lnTo>
+                <a:lnTo>
+                  <a:pt x="0" y="120000"/>
+                </a:lnTo>
+                <a:close/>
+              </a:path>
+            </a:pathLst>
+          </a:custGeom>
+        </p:spPr>
+      </p:sp>
+      <p:sp>
+        <p:nvSpPr>
+          <p:cNvPr id="532" name="Google Shape;532;gdd09e57de2_3_1247:notes"/>
+          <p:cNvSpPr txBox="1">
+            <a:spLocks noGrp="1"/>
+          </p:cNvSpPr>
+          <p:nvPr>
+            <p:ph type="body" idx="1"/>
+          </p:nvPr>
+        </p:nvSpPr>
+        <p:spPr>
+          <a:xfrm>
+            <a:off x="685800" y="4343400"/>
+            <a:ext cx="5486400" cy="4114800"/>
+          </a:xfrm>
+          <a:prstGeom prst="rect">
+            <a:avLst/>
+          </a:prstGeom>
+        </p:spPr>
+        <p:txBody>
+          <a:bodyPr spcFirstLastPara="1" wrap="square" lIns="91425" tIns="91425" rIns="91425" bIns="91425" anchor="t" anchorCtr="0">
+            <a:noAutofit/>
+          </a:bodyPr>
+          <a:lstStyle/>
+          <a:p>
+            <a:pPr marL="0" lvl="0" indent="0" algn="l" rtl="0">
+              <a:spcBef>
+                <a:spcPts val="0"/>
+              </a:spcBef>
+              <a:spcAft>
+                <a:spcPts val="0"/>
+              </a:spcAft>
+              <a:buNone/>
+            </a:pPr>
+            <a:endParaRPr/>
+          </a:p>
+        </p:txBody>
+      </p:sp>
+    </p:spTree>
+    <p:extLst>
+      <p:ext uri="{BB962C8B-B14F-4D97-AF65-F5344CB8AC3E}">
+        <p14:creationId xmlns:p14="http://schemas.microsoft.com/office/powerpoint/2010/main" val="3300997193"/>
+      </p:ext>
+    </p:extLst>
+  </p:cSld>
+  <p:clrMapOvr>
+    <a:masterClrMapping/>
+  </p:clrMapOvr>
+</p:notes>
+</file>
+
 <file path=ppt/notesSlides/notesSlide3.xml><?xml version="1.0" encoding="utf-8"?>
 <p:notes xmlns:a="http://schemas.openxmlformats.org/drawingml/2006/main" xmlns:r="http://schemas.openxmlformats.org/officeDocument/2006/relationships" xmlns:p="http://schemas.openxmlformats.org/presentationml/2006/main" showMasterSp="0" showMasterPhAnim="0">
   <p:cSld>
@@ -5228,6 +6108,160 @@
 </file>
 
 <file path=ppt/slideLayouts/slideLayout3.xml><?xml version="1.0" encoding="utf-8"?>
+<p:sldLayout xmlns:a="http://schemas.openxmlformats.org/drawingml/2006/main" xmlns:r="http://schemas.openxmlformats.org/officeDocument/2006/relationships" xmlns:p="http://schemas.openxmlformats.org/presentationml/2006/main" matchingName="Caption">
+  <p:cSld name="CAPTION_ONLY">
+    <p:spTree>
+      <p:nvGrpSpPr>
+        <p:cNvPr id="1" name="Shape 132"/>
+        <p:cNvGrpSpPr/>
+        <p:nvPr/>
+      </p:nvGrpSpPr>
+      <p:grpSpPr>
+        <a:xfrm>
+          <a:off x="0" y="0"/>
+          <a:ext cx="0" cy="0"/>
+          <a:chOff x="0" y="0"/>
+          <a:chExt cx="0" cy="0"/>
+        </a:xfrm>
+      </p:grpSpPr>
+      <p:sp>
+        <p:nvSpPr>
+          <p:cNvPr id="133" name="Google Shape;133;p10"/>
+          <p:cNvSpPr txBox="1">
+            <a:spLocks noGrp="1"/>
+          </p:cNvSpPr>
+          <p:nvPr>
+            <p:ph type="title"/>
+          </p:nvPr>
+        </p:nvSpPr>
+        <p:spPr>
+          <a:xfrm>
+            <a:off x="817050" y="1196798"/>
+            <a:ext cx="3633900" cy="1117800"/>
+          </a:xfrm>
+          <a:prstGeom prst="rect">
+            <a:avLst/>
+          </a:prstGeom>
+        </p:spPr>
+        <p:txBody>
+          <a:bodyPr spcFirstLastPara="1" wrap="square" lIns="91425" tIns="91425" rIns="91425" bIns="91425" anchor="t" anchorCtr="0">
+            <a:noAutofit/>
+          </a:bodyPr>
+          <a:lstStyle>
+            <a:lvl1pPr lvl="0" algn="ctr" rtl="0">
+              <a:spcBef>
+                <a:spcPts val="0"/>
+              </a:spcBef>
+              <a:spcAft>
+                <a:spcPts val="0"/>
+              </a:spcAft>
+              <a:buSzPts val="3000"/>
+              <a:buNone/>
+              <a:defRPr/>
+            </a:lvl1pPr>
+            <a:lvl2pPr lvl="1" algn="ctr" rtl="0">
+              <a:spcBef>
+                <a:spcPts val="0"/>
+              </a:spcBef>
+              <a:spcAft>
+                <a:spcPts val="0"/>
+              </a:spcAft>
+              <a:buSzPts val="3000"/>
+              <a:buNone/>
+              <a:defRPr/>
+            </a:lvl2pPr>
+            <a:lvl3pPr lvl="2" algn="ctr" rtl="0">
+              <a:spcBef>
+                <a:spcPts val="0"/>
+              </a:spcBef>
+              <a:spcAft>
+                <a:spcPts val="0"/>
+              </a:spcAft>
+              <a:buSzPts val="3000"/>
+              <a:buNone/>
+              <a:defRPr/>
+            </a:lvl3pPr>
+            <a:lvl4pPr lvl="3" algn="ctr" rtl="0">
+              <a:spcBef>
+                <a:spcPts val="0"/>
+              </a:spcBef>
+              <a:spcAft>
+                <a:spcPts val="0"/>
+              </a:spcAft>
+              <a:buSzPts val="3000"/>
+              <a:buNone/>
+              <a:defRPr/>
+            </a:lvl4pPr>
+            <a:lvl5pPr lvl="4" algn="ctr" rtl="0">
+              <a:spcBef>
+                <a:spcPts val="0"/>
+              </a:spcBef>
+              <a:spcAft>
+                <a:spcPts val="0"/>
+              </a:spcAft>
+              <a:buSzPts val="3000"/>
+              <a:buNone/>
+              <a:defRPr/>
+            </a:lvl5pPr>
+            <a:lvl6pPr lvl="5" algn="ctr" rtl="0">
+              <a:spcBef>
+                <a:spcPts val="0"/>
+              </a:spcBef>
+              <a:spcAft>
+                <a:spcPts val="0"/>
+              </a:spcAft>
+              <a:buSzPts val="3000"/>
+              <a:buNone/>
+              <a:defRPr/>
+            </a:lvl6pPr>
+            <a:lvl7pPr lvl="6" algn="ctr" rtl="0">
+              <a:spcBef>
+                <a:spcPts val="0"/>
+              </a:spcBef>
+              <a:spcAft>
+                <a:spcPts val="0"/>
+              </a:spcAft>
+              <a:buSzPts val="3000"/>
+              <a:buNone/>
+              <a:defRPr/>
+            </a:lvl7pPr>
+            <a:lvl8pPr lvl="7" algn="ctr" rtl="0">
+              <a:spcBef>
+                <a:spcPts val="0"/>
+              </a:spcBef>
+              <a:spcAft>
+                <a:spcPts val="0"/>
+              </a:spcAft>
+              <a:buSzPts val="3000"/>
+              <a:buNone/>
+              <a:defRPr/>
+            </a:lvl8pPr>
+            <a:lvl9pPr lvl="8" algn="ctr" rtl="0">
+              <a:spcBef>
+                <a:spcPts val="0"/>
+              </a:spcBef>
+              <a:spcAft>
+                <a:spcPts val="0"/>
+              </a:spcAft>
+              <a:buSzPts val="3000"/>
+              <a:buNone/>
+              <a:defRPr/>
+            </a:lvl9pPr>
+          </a:lstStyle>
+          <a:p>
+            <a:endParaRPr/>
+          </a:p>
+        </p:txBody>
+      </p:sp>
+    </p:spTree>
+  </p:cSld>
+  <p:clrMapOvr>
+    <a:masterClrMapping/>
+  </p:clrMapOvr>
+</p:sldLayout>
+</file>
+
+<file path=ppt/slideLayouts/slideLayout4.xml><?xml version="1.0" encoding="utf-8"?>
 <p:sldLayout xmlns:a="http://schemas.openxmlformats.org/drawingml/2006/main" xmlns:r="http://schemas.openxmlformats.org/officeDocument/2006/relationships" xmlns:p="http://schemas.openxmlformats.org/presentationml/2006/main" matchingName="Blank" type="blank">
   <p:cSld name="BLANK">
     <p:bg>
@@ -5260,7 +6294,7 @@
 </p:sldLayout>
 </file>
 
-<file path=ppt/slideLayouts/slideLayout4.xml><?xml version="1.0" encoding="utf-8"?>
+<file path=ppt/slideLayouts/slideLayout5.xml><?xml version="1.0" encoding="utf-8"?>
 <p:sldLayout xmlns:a="http://schemas.openxmlformats.org/drawingml/2006/main" xmlns:r="http://schemas.openxmlformats.org/officeDocument/2006/relationships" xmlns:p="http://schemas.openxmlformats.org/presentationml/2006/main" matchingName="Title and text">
   <p:cSld name="CUSTOM_1">
     <p:spTree>
@@ -6324,7 +7358,7 @@
 </p:sldLayout>
 </file>
 
-<file path=ppt/slideLayouts/slideLayout5.xml><?xml version="1.0" encoding="utf-8"?>
+<file path=ppt/slideLayouts/slideLayout6.xml><?xml version="1.0" encoding="utf-8"?>
 <p:sldLayout xmlns:a="http://schemas.openxmlformats.org/drawingml/2006/main" xmlns:r="http://schemas.openxmlformats.org/officeDocument/2006/relationships" xmlns:p="http://schemas.openxmlformats.org/presentationml/2006/main" matchingName="Quote">
   <p:cSld name="BLANK_1_1">
     <p:spTree>
@@ -7035,7 +8069,7 @@
 </p:sldLayout>
 </file>
 
-<file path=ppt/slideLayouts/slideLayout6.xml><?xml version="1.0" encoding="utf-8"?>
+<file path=ppt/slideLayouts/slideLayout7.xml><?xml version="1.0" encoding="utf-8"?>
 <p:sldLayout xmlns:a="http://schemas.openxmlformats.org/drawingml/2006/main" xmlns:r="http://schemas.openxmlformats.org/officeDocument/2006/relationships" xmlns:p="http://schemas.openxmlformats.org/presentationml/2006/main" matchingName="Title and text 1">
   <p:cSld name="CUSTOM">
     <p:spTree>
@@ -7607,7 +8641,7 @@
 </p:sldLayout>
 </file>
 
-<file path=ppt/slideLayouts/slideLayout7.xml><?xml version="1.0" encoding="utf-8"?>
+<file path=ppt/slideLayouts/slideLayout8.xml><?xml version="1.0" encoding="utf-8"?>
 <p:sldLayout xmlns:a="http://schemas.openxmlformats.org/drawingml/2006/main" xmlns:r="http://schemas.openxmlformats.org/officeDocument/2006/relationships" xmlns:p="http://schemas.openxmlformats.org/presentationml/2006/main" matchingName="Background">
   <p:cSld name="TITLE_ONLY_1_2">
     <p:spTree>
@@ -7894,7 +8928,7 @@
 </p:sldLayout>
 </file>
 
-<file path=ppt/slideLayouts/slideLayout8.xml><?xml version="1.0" encoding="utf-8"?>
+<file path=ppt/slideLayouts/slideLayout9.xml><?xml version="1.0" encoding="utf-8"?>
 <p:sldLayout xmlns:a="http://schemas.openxmlformats.org/drawingml/2006/main" xmlns:r="http://schemas.openxmlformats.org/officeDocument/2006/relationships" xmlns:p="http://schemas.openxmlformats.org/presentationml/2006/main" matchingName="Background 1">
   <p:cSld name="TITLE_1">
     <p:bg>
@@ -9221,12 +10255,13 @@
   <p:sldLayoutIdLst>
     <p:sldLayoutId id="2147483648" r:id="rId1"/>
     <p:sldLayoutId id="2147483649" r:id="rId2"/>
-    <p:sldLayoutId id="2147483658" r:id="rId3"/>
-    <p:sldLayoutId id="2147483660" r:id="rId4"/>
-    <p:sldLayoutId id="2147483661" r:id="rId5"/>
-    <p:sldLayoutId id="2147483662" r:id="rId6"/>
-    <p:sldLayoutId id="2147483671" r:id="rId7"/>
-    <p:sldLayoutId id="2147483672" r:id="rId8"/>
+    <p:sldLayoutId id="2147483656" r:id="rId3"/>
+    <p:sldLayoutId id="2147483658" r:id="rId4"/>
+    <p:sldLayoutId id="2147483660" r:id="rId5"/>
+    <p:sldLayoutId id="2147483661" r:id="rId6"/>
+    <p:sldLayoutId id="2147483662" r:id="rId7"/>
+    <p:sldLayoutId id="2147483671" r:id="rId8"/>
+    <p:sldLayoutId id="2147483672" r:id="rId9"/>
   </p:sldLayoutIdLst>
   <p:hf hdr="0" ftr="0" dt="0"/>
   <p:txStyles>
@@ -19065,6 +20100,8280 @@
         <p14:creationId xmlns:p14="http://schemas.microsoft.com/office/powerpoint/2010/main" val="2381282640"/>
       </p:ext>
     </p:extLst>
+  </p:cSld>
+  <p:clrMapOvr>
+    <a:masterClrMapping/>
+  </p:clrMapOvr>
+  <p:timing>
+    <p:tnLst>
+      <p:par>
+        <p:cTn id="1" dur="indefinite" restart="never" nodeType="tmRoot"/>
+      </p:par>
+    </p:tnLst>
+  </p:timing>
+</p:sld>
+</file>
+
+<file path=ppt/slides/slide21.xml><?xml version="1.0" encoding="utf-8"?>
+<p:sld xmlns:a="http://schemas.openxmlformats.org/drawingml/2006/main" xmlns:r="http://schemas.openxmlformats.org/officeDocument/2006/relationships" xmlns:p="http://schemas.openxmlformats.org/presentationml/2006/main">
+  <p:cSld>
+    <p:spTree>
+      <p:nvGrpSpPr>
+        <p:cNvPr id="1" name="Shape 506"/>
+        <p:cNvGrpSpPr/>
+        <p:nvPr/>
+      </p:nvGrpSpPr>
+      <p:grpSpPr>
+        <a:xfrm>
+          <a:off x="0" y="0"/>
+          <a:ext cx="0" cy="0"/>
+          <a:chOff x="0" y="0"/>
+          <a:chExt cx="0" cy="0"/>
+        </a:xfrm>
+      </p:grpSpPr>
+      <p:grpSp>
+        <p:nvGrpSpPr>
+          <p:cNvPr id="508" name="Google Shape;508;p35"/>
+          <p:cNvGrpSpPr/>
+          <p:nvPr/>
+        </p:nvGrpSpPr>
+        <p:grpSpPr>
+          <a:xfrm>
+            <a:off x="462238" y="1118895"/>
+            <a:ext cx="1547936" cy="1172018"/>
+            <a:chOff x="1556995" y="948473"/>
+            <a:chExt cx="1797000" cy="1360597"/>
+          </a:xfrm>
+        </p:grpSpPr>
+        <p:sp>
+          <p:nvSpPr>
+            <p:cNvPr id="509" name="Google Shape;509;p35"/>
+            <p:cNvSpPr/>
+            <p:nvPr/>
+          </p:nvSpPr>
+          <p:spPr>
+            <a:xfrm>
+              <a:off x="1556995" y="948473"/>
+              <a:ext cx="851400" cy="996300"/>
+            </a:xfrm>
+            <a:prstGeom prst="roundRect">
+              <a:avLst>
+                <a:gd name="adj" fmla="val 6278"/>
+              </a:avLst>
+            </a:prstGeom>
+            <a:solidFill>
+              <a:srgbClr val="F6F2E3"/>
+            </a:solidFill>
+            <a:ln w="28575" cap="flat" cmpd="sng">
+              <a:solidFill>
+                <a:schemeClr val="dk1"/>
+              </a:solidFill>
+              <a:prstDash val="solid"/>
+              <a:round/>
+              <a:headEnd type="none" w="sm" len="sm"/>
+              <a:tailEnd type="none" w="sm" len="sm"/>
+            </a:ln>
+          </p:spPr>
+          <p:txBody>
+            <a:bodyPr spcFirstLastPara="1" wrap="square" lIns="91425" tIns="91425" rIns="91425" bIns="91425" anchor="ctr" anchorCtr="0">
+              <a:noAutofit/>
+            </a:bodyPr>
+            <a:lstStyle/>
+            <a:p>
+              <a:pPr marL="0" lvl="0" indent="0" algn="l" rtl="0">
+                <a:spcBef>
+                  <a:spcPts val="0"/>
+                </a:spcBef>
+                <a:spcAft>
+                  <a:spcPts val="0"/>
+                </a:spcAft>
+                <a:buNone/>
+              </a:pPr>
+              <a:endParaRPr/>
+            </a:p>
+          </p:txBody>
+        </p:sp>
+        <p:sp>
+          <p:nvSpPr>
+            <p:cNvPr id="510" name="Google Shape;510;p35"/>
+            <p:cNvSpPr/>
+            <p:nvPr/>
+          </p:nvSpPr>
+          <p:spPr>
+            <a:xfrm>
+              <a:off x="1556995" y="1147170"/>
+              <a:ext cx="1797000" cy="1161900"/>
+            </a:xfrm>
+            <a:prstGeom prst="roundRect">
+              <a:avLst>
+                <a:gd name="adj" fmla="val 5762"/>
+              </a:avLst>
+            </a:prstGeom>
+            <a:solidFill>
+              <a:srgbClr val="F6F2E3"/>
+            </a:solidFill>
+            <a:ln w="28575" cap="flat" cmpd="sng">
+              <a:solidFill>
+                <a:schemeClr val="dk1"/>
+              </a:solidFill>
+              <a:prstDash val="solid"/>
+              <a:round/>
+              <a:headEnd type="none" w="sm" len="sm"/>
+              <a:tailEnd type="none" w="sm" len="sm"/>
+            </a:ln>
+            <a:effectLst>
+              <a:outerShdw dist="57150" dir="2940000" algn="bl" rotWithShape="0">
+                <a:schemeClr val="dk1"/>
+              </a:outerShdw>
+            </a:effectLst>
+          </p:spPr>
+          <p:txBody>
+            <a:bodyPr spcFirstLastPara="1" wrap="square" lIns="91425" tIns="91425" rIns="91425" bIns="91425" anchor="ctr" anchorCtr="0">
+              <a:noAutofit/>
+            </a:bodyPr>
+            <a:lstStyle/>
+            <a:p>
+              <a:pPr marL="0" lvl="0" indent="0" algn="l" rtl="0">
+                <a:spcBef>
+                  <a:spcPts val="0"/>
+                </a:spcBef>
+                <a:spcAft>
+                  <a:spcPts val="0"/>
+                </a:spcAft>
+                <a:buNone/>
+              </a:pPr>
+              <a:endParaRPr/>
+            </a:p>
+          </p:txBody>
+        </p:sp>
+      </p:grpSp>
+      <p:sp>
+        <p:nvSpPr>
+          <p:cNvPr id="511" name="Google Shape;511;p35"/>
+          <p:cNvSpPr txBox="1">
+            <a:spLocks noGrp="1"/>
+          </p:cNvSpPr>
+          <p:nvPr>
+            <p:ph type="title" idx="2"/>
+          </p:nvPr>
+        </p:nvSpPr>
+        <p:spPr>
+          <a:xfrm>
+            <a:off x="403125" y="1384975"/>
+            <a:ext cx="1666200" cy="841800"/>
+          </a:xfrm>
+          <a:prstGeom prst="rect">
+            <a:avLst/>
+          </a:prstGeom>
+        </p:spPr>
+        <p:txBody>
+          <a:bodyPr spcFirstLastPara="1" wrap="square" lIns="91425" tIns="91425" rIns="91425" bIns="91425" anchor="ctr" anchorCtr="0">
+            <a:noAutofit/>
+          </a:bodyPr>
+          <a:lstStyle/>
+          <a:p>
+            <a:pPr marL="0" lvl="0" indent="0" algn="ctr" rtl="0">
+              <a:spcBef>
+                <a:spcPts val="0"/>
+              </a:spcBef>
+              <a:spcAft>
+                <a:spcPts val="0"/>
+              </a:spcAft>
+              <a:buNone/>
+            </a:pPr>
+            <a:r>
+              <a:rPr lang="en" dirty="0" smtClean="0"/>
+              <a:t>04</a:t>
+            </a:r>
+            <a:endParaRPr dirty="0"/>
+          </a:p>
+        </p:txBody>
+      </p:sp>
+      <p:sp>
+        <p:nvSpPr>
+          <p:cNvPr id="512" name="Google Shape;512;p35"/>
+          <p:cNvSpPr/>
+          <p:nvPr/>
+        </p:nvSpPr>
+        <p:spPr>
+          <a:xfrm>
+            <a:off x="921224" y="2777319"/>
+            <a:ext cx="3290568" cy="1107059"/>
+          </a:xfrm>
+          <a:prstGeom prst="roundRect">
+            <a:avLst>
+              <a:gd name="adj" fmla="val 6740"/>
+            </a:avLst>
+          </a:prstGeom>
+          <a:solidFill>
+            <a:schemeClr val="lt2"/>
+          </a:solidFill>
+          <a:ln w="28575" cap="flat" cmpd="sng">
+            <a:solidFill>
+              <a:schemeClr val="dk1"/>
+            </a:solidFill>
+            <a:prstDash val="solid"/>
+            <a:round/>
+            <a:headEnd type="none" w="sm" len="sm"/>
+            <a:tailEnd type="none" w="sm" len="sm"/>
+          </a:ln>
+          <a:effectLst>
+            <a:outerShdw dist="85725" dir="3960000" algn="bl" rotWithShape="0">
+              <a:schemeClr val="dk1"/>
+            </a:outerShdw>
+          </a:effectLst>
+        </p:spPr>
+        <p:txBody>
+          <a:bodyPr spcFirstLastPara="1" wrap="square" lIns="91425" tIns="91425" rIns="91425" bIns="91425" anchor="ctr" anchorCtr="0">
+            <a:noAutofit/>
+          </a:bodyPr>
+          <a:lstStyle/>
+          <a:p>
+            <a:pPr marL="0" lvl="0" indent="0" algn="l" rtl="0">
+              <a:spcBef>
+                <a:spcPts val="0"/>
+              </a:spcBef>
+              <a:spcAft>
+                <a:spcPts val="0"/>
+              </a:spcAft>
+              <a:buNone/>
+            </a:pPr>
+            <a:endParaRPr/>
+          </a:p>
+        </p:txBody>
+      </p:sp>
+      <p:sp>
+        <p:nvSpPr>
+          <p:cNvPr id="513" name="Google Shape;513;p35"/>
+          <p:cNvSpPr txBox="1">
+            <a:spLocks noGrp="1"/>
+          </p:cNvSpPr>
+          <p:nvPr>
+            <p:ph type="title"/>
+          </p:nvPr>
+        </p:nvSpPr>
+        <p:spPr>
+          <a:xfrm>
+            <a:off x="968990" y="2743982"/>
+            <a:ext cx="3242801" cy="1118333"/>
+          </a:xfrm>
+          <a:prstGeom prst="rect">
+            <a:avLst/>
+          </a:prstGeom>
+        </p:spPr>
+        <p:txBody>
+          <a:bodyPr spcFirstLastPara="1" wrap="square" lIns="91425" tIns="91425" rIns="91425" bIns="91425" anchor="ctr" anchorCtr="0">
+            <a:noAutofit/>
+          </a:bodyPr>
+          <a:lstStyle/>
+          <a:p>
+            <a:pPr lvl="0"/>
+            <a:r>
+              <a:rPr lang="en-GB" sz="2400" dirty="0" smtClean="0"/>
+              <a:t>‘</a:t>
+            </a:r>
+            <a:r>
+              <a:rPr lang="en-GB" sz="2400" dirty="0"/>
+              <a:t>Sharing audio-file</a:t>
+            </a:r>
+            <a:r>
+              <a:rPr lang="en-GB" sz="2400" dirty="0" smtClean="0"/>
+              <a:t>'</a:t>
+            </a:r>
+            <a:endParaRPr sz="2400" dirty="0"/>
+          </a:p>
+        </p:txBody>
+      </p:sp>
+      <p:grpSp>
+        <p:nvGrpSpPr>
+          <p:cNvPr id="4" name="Google Shape;910;p51">
+            <a:extLst>
+              <a:ext uri="{FF2B5EF4-FFF2-40B4-BE49-F238E27FC236}">
+                <a16:creationId xmlns:a16="http://schemas.microsoft.com/office/drawing/2014/main" xmlns="" id="{716827B3-8CC6-ED97-86B7-0B7FE644C91F}"/>
+              </a:ext>
+            </a:extLst>
+          </p:cNvPr>
+          <p:cNvGrpSpPr/>
+          <p:nvPr/>
+        </p:nvGrpSpPr>
+        <p:grpSpPr>
+          <a:xfrm>
+            <a:off x="4720500" y="1552341"/>
+            <a:ext cx="3571200" cy="2728425"/>
+            <a:chOff x="4572596" y="1126750"/>
+            <a:chExt cx="3571200" cy="2728425"/>
+          </a:xfrm>
+        </p:grpSpPr>
+        <p:sp>
+          <p:nvSpPr>
+            <p:cNvPr id="5" name="Google Shape;911;p51">
+              <a:extLst>
+                <a:ext uri="{FF2B5EF4-FFF2-40B4-BE49-F238E27FC236}">
+                  <a16:creationId xmlns:a16="http://schemas.microsoft.com/office/drawing/2014/main" xmlns="" id="{748F3A2F-D66D-EAA0-6995-B11E13FC571D}"/>
+                </a:ext>
+              </a:extLst>
+            </p:cNvPr>
+            <p:cNvSpPr/>
+            <p:nvPr/>
+          </p:nvSpPr>
+          <p:spPr>
+            <a:xfrm>
+              <a:off x="6003423" y="3077425"/>
+              <a:ext cx="709500" cy="761100"/>
+            </a:xfrm>
+            <a:prstGeom prst="trapezoid">
+              <a:avLst>
+                <a:gd name="adj" fmla="val 76133"/>
+              </a:avLst>
+            </a:prstGeom>
+            <a:solidFill>
+              <a:schemeClr val="lt2"/>
+            </a:solidFill>
+            <a:ln w="28575" cap="flat" cmpd="sng">
+              <a:solidFill>
+                <a:schemeClr val="dk1"/>
+              </a:solidFill>
+              <a:prstDash val="solid"/>
+              <a:round/>
+              <a:headEnd type="none" w="sm" len="sm"/>
+              <a:tailEnd type="none" w="sm" len="sm"/>
+            </a:ln>
+          </p:spPr>
+          <p:txBody>
+            <a:bodyPr spcFirstLastPara="1" wrap="square" lIns="91425" tIns="91425" rIns="91425" bIns="91425" anchor="ctr" anchorCtr="0">
+              <a:noAutofit/>
+            </a:bodyPr>
+            <a:lstStyle/>
+            <a:p>
+              <a:pPr marL="0" lvl="0" indent="0" algn="l" rtl="0">
+                <a:spcBef>
+                  <a:spcPts val="0"/>
+                </a:spcBef>
+                <a:spcAft>
+                  <a:spcPts val="0"/>
+                </a:spcAft>
+                <a:buNone/>
+              </a:pPr>
+              <a:endParaRPr/>
+            </a:p>
+          </p:txBody>
+        </p:sp>
+        <p:sp>
+          <p:nvSpPr>
+            <p:cNvPr id="6" name="Google Shape;912;p51">
+              <a:extLst>
+                <a:ext uri="{FF2B5EF4-FFF2-40B4-BE49-F238E27FC236}">
+                  <a16:creationId xmlns:a16="http://schemas.microsoft.com/office/drawing/2014/main" xmlns="" id="{C3CA675B-B3DF-9E51-A961-84B977631E59}"/>
+                </a:ext>
+              </a:extLst>
+            </p:cNvPr>
+            <p:cNvSpPr/>
+            <p:nvPr/>
+          </p:nvSpPr>
+          <p:spPr>
+            <a:xfrm>
+              <a:off x="4572596" y="1126750"/>
+              <a:ext cx="3571200" cy="2262600"/>
+            </a:xfrm>
+            <a:prstGeom prst="roundRect">
+              <a:avLst>
+                <a:gd name="adj" fmla="val 3323"/>
+              </a:avLst>
+            </a:prstGeom>
+            <a:solidFill>
+              <a:schemeClr val="lt2"/>
+            </a:solidFill>
+            <a:ln w="28575" cap="flat" cmpd="sng">
+              <a:solidFill>
+                <a:schemeClr val="dk1"/>
+              </a:solidFill>
+              <a:prstDash val="solid"/>
+              <a:round/>
+              <a:headEnd type="none" w="sm" len="sm"/>
+              <a:tailEnd type="none" w="sm" len="sm"/>
+            </a:ln>
+          </p:spPr>
+          <p:txBody>
+            <a:bodyPr spcFirstLastPara="1" wrap="square" lIns="91425" tIns="91425" rIns="91425" bIns="91425" anchor="ctr" anchorCtr="0">
+              <a:noAutofit/>
+            </a:bodyPr>
+            <a:lstStyle/>
+            <a:p>
+              <a:pPr marL="0" lvl="0" indent="0" algn="l" rtl="0">
+                <a:spcBef>
+                  <a:spcPts val="0"/>
+                </a:spcBef>
+                <a:spcAft>
+                  <a:spcPts val="0"/>
+                </a:spcAft>
+                <a:buNone/>
+              </a:pPr>
+              <a:endParaRPr/>
+            </a:p>
+          </p:txBody>
+        </p:sp>
+        <p:sp>
+          <p:nvSpPr>
+            <p:cNvPr id="7" name="Google Shape;913;p51">
+              <a:extLst>
+                <a:ext uri="{FF2B5EF4-FFF2-40B4-BE49-F238E27FC236}">
+                  <a16:creationId xmlns:a16="http://schemas.microsoft.com/office/drawing/2014/main" xmlns="" id="{5039354F-24FD-C067-E3E5-F2B068B856E2}"/>
+                </a:ext>
+              </a:extLst>
+            </p:cNvPr>
+            <p:cNvSpPr/>
+            <p:nvPr/>
+          </p:nvSpPr>
+          <p:spPr>
+            <a:xfrm>
+              <a:off x="5713500" y="3761275"/>
+              <a:ext cx="1289400" cy="93900"/>
+            </a:xfrm>
+            <a:prstGeom prst="roundRect">
+              <a:avLst>
+                <a:gd name="adj" fmla="val 50000"/>
+              </a:avLst>
+            </a:prstGeom>
+            <a:solidFill>
+              <a:schemeClr val="lt2"/>
+            </a:solidFill>
+            <a:ln w="28575" cap="flat" cmpd="sng">
+              <a:solidFill>
+                <a:schemeClr val="dk1"/>
+              </a:solidFill>
+              <a:prstDash val="solid"/>
+              <a:round/>
+              <a:headEnd type="none" w="sm" len="sm"/>
+              <a:tailEnd type="none" w="sm" len="sm"/>
+            </a:ln>
+          </p:spPr>
+          <p:txBody>
+            <a:bodyPr spcFirstLastPara="1" wrap="square" lIns="91425" tIns="91425" rIns="91425" bIns="91425" anchor="ctr" anchorCtr="0">
+              <a:noAutofit/>
+            </a:bodyPr>
+            <a:lstStyle/>
+            <a:p>
+              <a:pPr marL="0" lvl="0" indent="0" algn="l" rtl="0">
+                <a:spcBef>
+                  <a:spcPts val="0"/>
+                </a:spcBef>
+                <a:spcAft>
+                  <a:spcPts val="0"/>
+                </a:spcAft>
+                <a:buNone/>
+              </a:pPr>
+              <a:endParaRPr/>
+            </a:p>
+          </p:txBody>
+        </p:sp>
+      </p:grpSp>
+      <p:pic>
+        <p:nvPicPr>
+          <p:cNvPr id="8" name="Google Shape;914;p51">
+            <a:extLst>
+              <a:ext uri="{FF2B5EF4-FFF2-40B4-BE49-F238E27FC236}">
+                <a16:creationId xmlns:a16="http://schemas.microsoft.com/office/drawing/2014/main" xmlns="" id="{49C6F6C4-8B9B-E6EA-DD82-BB58B0FA94B2}"/>
+              </a:ext>
+            </a:extLst>
+          </p:cNvPr>
+          <p:cNvPicPr preferRelativeResize="0"/>
+          <p:nvPr/>
+        </p:nvPicPr>
+        <p:blipFill rotWithShape="1">
+          <a:blip r:embed="rId3"/>
+          <a:srcRect t="14638" b="14638"/>
+          <a:stretch/>
+        </p:blipFill>
+        <p:spPr>
+          <a:xfrm>
+            <a:off x="4870200" y="1770641"/>
+            <a:ext cx="3259050" cy="1825800"/>
+          </a:xfrm>
+          <a:prstGeom prst="roundRect">
+            <a:avLst>
+              <a:gd name="adj" fmla="val 3451"/>
+            </a:avLst>
+          </a:prstGeom>
+          <a:noFill/>
+          <a:ln w="28575" cap="flat" cmpd="sng">
+            <a:solidFill>
+              <a:srgbClr val="000000"/>
+            </a:solidFill>
+            <a:prstDash val="solid"/>
+            <a:round/>
+            <a:headEnd type="none" w="sm" len="sm"/>
+            <a:tailEnd type="none" w="sm" len="sm"/>
+          </a:ln>
+        </p:spPr>
+      </p:pic>
+      <p:sp>
+        <p:nvSpPr>
+          <p:cNvPr id="10" name="Google Shape;458;p32">
+            <a:extLst>
+              <a:ext uri="{FF2B5EF4-FFF2-40B4-BE49-F238E27FC236}">
+                <a16:creationId xmlns:a16="http://schemas.microsoft.com/office/drawing/2014/main" xmlns="" id="{DBF00557-9F69-81F0-BD4B-F5B5F33B8523}"/>
+              </a:ext>
+            </a:extLst>
+          </p:cNvPr>
+          <p:cNvSpPr txBox="1">
+            <a:spLocks/>
+          </p:cNvSpPr>
+          <p:nvPr/>
+        </p:nvSpPr>
+        <p:spPr>
+          <a:xfrm>
+            <a:off x="3813213" y="386062"/>
+            <a:ext cx="4177500" cy="520378"/>
+          </a:xfrm>
+          <a:prstGeom prst="rect">
+            <a:avLst/>
+          </a:prstGeom>
+          <a:noFill/>
+          <a:ln>
+            <a:noFill/>
+          </a:ln>
+        </p:spPr>
+        <p:txBody>
+          <a:bodyPr spcFirstLastPara="1" wrap="square" lIns="91425" tIns="91425" rIns="91425" bIns="91425" anchor="ctr" anchorCtr="0">
+            <a:noAutofit/>
+          </a:bodyPr>
+          <a:lstStyle>
+            <a:defPPr marR="0" lvl="0" algn="l" rtl="0">
+              <a:lnSpc>
+                <a:spcPct val="100000"/>
+              </a:lnSpc>
+              <a:spcBef>
+                <a:spcPts val="0"/>
+              </a:spcBef>
+              <a:spcAft>
+                <a:spcPts val="0"/>
+              </a:spcAft>
+            </a:defPPr>
+            <a:lvl1pPr marL="457200" marR="0" lvl="0" indent="-317500" algn="ctr" rtl="0">
+              <a:lnSpc>
+                <a:spcPct val="100000"/>
+              </a:lnSpc>
+              <a:spcBef>
+                <a:spcPts val="0"/>
+              </a:spcBef>
+              <a:spcAft>
+                <a:spcPts val="0"/>
+              </a:spcAft>
+              <a:buClr>
+                <a:schemeClr val="dk2"/>
+              </a:buClr>
+              <a:buSzPts val="1400"/>
+              <a:buFont typeface="Lato"/>
+              <a:buNone/>
+              <a:defRPr sz="1400" b="0" i="0" u="none" strike="noStrike" cap="none">
+                <a:solidFill>
+                  <a:schemeClr val="dk2"/>
+                </a:solidFill>
+                <a:latin typeface="Lato"/>
+                <a:ea typeface="Lato"/>
+                <a:cs typeface="Lato"/>
+                <a:sym typeface="Lato"/>
+              </a:defRPr>
+            </a:lvl1pPr>
+            <a:lvl2pPr marL="914400" marR="0" lvl="1" indent="-317500" algn="ctr" rtl="0">
+              <a:lnSpc>
+                <a:spcPct val="100000"/>
+              </a:lnSpc>
+              <a:spcBef>
+                <a:spcPts val="1600"/>
+              </a:spcBef>
+              <a:spcAft>
+                <a:spcPts val="0"/>
+              </a:spcAft>
+              <a:buClr>
+                <a:schemeClr val="dk2"/>
+              </a:buClr>
+              <a:buSzPts val="1400"/>
+              <a:buFont typeface="Lato"/>
+              <a:buNone/>
+              <a:defRPr sz="1400" b="0" i="0" u="none" strike="noStrike" cap="none">
+                <a:solidFill>
+                  <a:schemeClr val="dk2"/>
+                </a:solidFill>
+                <a:latin typeface="Lato"/>
+                <a:ea typeface="Lato"/>
+                <a:cs typeface="Lato"/>
+                <a:sym typeface="Lato"/>
+              </a:defRPr>
+            </a:lvl2pPr>
+            <a:lvl3pPr marL="1371600" marR="0" lvl="2" indent="-317500" algn="ctr" rtl="0">
+              <a:lnSpc>
+                <a:spcPct val="100000"/>
+              </a:lnSpc>
+              <a:spcBef>
+                <a:spcPts val="1600"/>
+              </a:spcBef>
+              <a:spcAft>
+                <a:spcPts val="0"/>
+              </a:spcAft>
+              <a:buClr>
+                <a:schemeClr val="dk2"/>
+              </a:buClr>
+              <a:buSzPts val="1400"/>
+              <a:buFont typeface="Lato"/>
+              <a:buNone/>
+              <a:defRPr sz="1400" b="0" i="0" u="none" strike="noStrike" cap="none">
+                <a:solidFill>
+                  <a:schemeClr val="dk2"/>
+                </a:solidFill>
+                <a:latin typeface="Lato"/>
+                <a:ea typeface="Lato"/>
+                <a:cs typeface="Lato"/>
+                <a:sym typeface="Lato"/>
+              </a:defRPr>
+            </a:lvl3pPr>
+            <a:lvl4pPr marL="1828800" marR="0" lvl="3" indent="-317500" algn="ctr" rtl="0">
+              <a:lnSpc>
+                <a:spcPct val="100000"/>
+              </a:lnSpc>
+              <a:spcBef>
+                <a:spcPts val="1600"/>
+              </a:spcBef>
+              <a:spcAft>
+                <a:spcPts val="0"/>
+              </a:spcAft>
+              <a:buClr>
+                <a:schemeClr val="dk2"/>
+              </a:buClr>
+              <a:buSzPts val="1400"/>
+              <a:buFont typeface="Lato"/>
+              <a:buNone/>
+              <a:defRPr sz="1400" b="0" i="0" u="none" strike="noStrike" cap="none">
+                <a:solidFill>
+                  <a:schemeClr val="dk2"/>
+                </a:solidFill>
+                <a:latin typeface="Lato"/>
+                <a:ea typeface="Lato"/>
+                <a:cs typeface="Lato"/>
+                <a:sym typeface="Lato"/>
+              </a:defRPr>
+            </a:lvl4pPr>
+            <a:lvl5pPr marL="2286000" marR="0" lvl="4" indent="-317500" algn="ctr" rtl="0">
+              <a:lnSpc>
+                <a:spcPct val="100000"/>
+              </a:lnSpc>
+              <a:spcBef>
+                <a:spcPts val="1600"/>
+              </a:spcBef>
+              <a:spcAft>
+                <a:spcPts val="0"/>
+              </a:spcAft>
+              <a:buClr>
+                <a:schemeClr val="dk2"/>
+              </a:buClr>
+              <a:buSzPts val="1400"/>
+              <a:buFont typeface="Lato"/>
+              <a:buNone/>
+              <a:defRPr sz="1400" b="0" i="0" u="none" strike="noStrike" cap="none">
+                <a:solidFill>
+                  <a:schemeClr val="dk2"/>
+                </a:solidFill>
+                <a:latin typeface="Lato"/>
+                <a:ea typeface="Lato"/>
+                <a:cs typeface="Lato"/>
+                <a:sym typeface="Lato"/>
+              </a:defRPr>
+            </a:lvl5pPr>
+            <a:lvl6pPr marL="2743200" marR="0" lvl="5" indent="-317500" algn="ctr" rtl="0">
+              <a:lnSpc>
+                <a:spcPct val="100000"/>
+              </a:lnSpc>
+              <a:spcBef>
+                <a:spcPts val="1600"/>
+              </a:spcBef>
+              <a:spcAft>
+                <a:spcPts val="0"/>
+              </a:spcAft>
+              <a:buClr>
+                <a:schemeClr val="dk2"/>
+              </a:buClr>
+              <a:buSzPts val="1400"/>
+              <a:buFont typeface="Lato"/>
+              <a:buNone/>
+              <a:defRPr sz="1400" b="0" i="0" u="none" strike="noStrike" cap="none">
+                <a:solidFill>
+                  <a:schemeClr val="dk2"/>
+                </a:solidFill>
+                <a:latin typeface="Lato"/>
+                <a:ea typeface="Lato"/>
+                <a:cs typeface="Lato"/>
+                <a:sym typeface="Lato"/>
+              </a:defRPr>
+            </a:lvl6pPr>
+            <a:lvl7pPr marL="3200400" marR="0" lvl="6" indent="-317500" algn="ctr" rtl="0">
+              <a:lnSpc>
+                <a:spcPct val="100000"/>
+              </a:lnSpc>
+              <a:spcBef>
+                <a:spcPts val="1600"/>
+              </a:spcBef>
+              <a:spcAft>
+                <a:spcPts val="0"/>
+              </a:spcAft>
+              <a:buClr>
+                <a:schemeClr val="dk2"/>
+              </a:buClr>
+              <a:buSzPts val="1400"/>
+              <a:buFont typeface="Lato"/>
+              <a:buNone/>
+              <a:defRPr sz="1400" b="0" i="0" u="none" strike="noStrike" cap="none">
+                <a:solidFill>
+                  <a:schemeClr val="dk2"/>
+                </a:solidFill>
+                <a:latin typeface="Lato"/>
+                <a:ea typeface="Lato"/>
+                <a:cs typeface="Lato"/>
+                <a:sym typeface="Lato"/>
+              </a:defRPr>
+            </a:lvl7pPr>
+            <a:lvl8pPr marL="3657600" marR="0" lvl="7" indent="-317500" algn="ctr" rtl="0">
+              <a:lnSpc>
+                <a:spcPct val="100000"/>
+              </a:lnSpc>
+              <a:spcBef>
+                <a:spcPts val="1600"/>
+              </a:spcBef>
+              <a:spcAft>
+                <a:spcPts val="0"/>
+              </a:spcAft>
+              <a:buClr>
+                <a:schemeClr val="dk2"/>
+              </a:buClr>
+              <a:buSzPts val="1400"/>
+              <a:buFont typeface="Lato"/>
+              <a:buNone/>
+              <a:defRPr sz="1400" b="0" i="0" u="none" strike="noStrike" cap="none">
+                <a:solidFill>
+                  <a:schemeClr val="dk2"/>
+                </a:solidFill>
+                <a:latin typeface="Lato"/>
+                <a:ea typeface="Lato"/>
+                <a:cs typeface="Lato"/>
+                <a:sym typeface="Lato"/>
+              </a:defRPr>
+            </a:lvl8pPr>
+            <a:lvl9pPr marL="4114800" marR="0" lvl="8" indent="-317500" algn="ctr" rtl="0">
+              <a:lnSpc>
+                <a:spcPct val="100000"/>
+              </a:lnSpc>
+              <a:spcBef>
+                <a:spcPts val="1600"/>
+              </a:spcBef>
+              <a:spcAft>
+                <a:spcPts val="1600"/>
+              </a:spcAft>
+              <a:buClr>
+                <a:schemeClr val="dk2"/>
+              </a:buClr>
+              <a:buSzPts val="1400"/>
+              <a:buFont typeface="Lato"/>
+              <a:buNone/>
+              <a:defRPr sz="1400" b="0" i="0" u="none" strike="noStrike" cap="none">
+                <a:solidFill>
+                  <a:schemeClr val="dk2"/>
+                </a:solidFill>
+                <a:latin typeface="Lato"/>
+                <a:ea typeface="Lato"/>
+                <a:cs typeface="Lato"/>
+                <a:sym typeface="Lato"/>
+              </a:defRPr>
+            </a:lvl9pPr>
+          </a:lstStyle>
+          <a:p>
+            <a:pPr marL="0" indent="0"/>
+            <a:r>
+              <a:rPr lang="uk-UA" dirty="0"/>
+              <a:t>Виконав</a:t>
+            </a:r>
+            <a:r>
+              <a:rPr lang="en-US" dirty="0"/>
+              <a:t> </a:t>
+            </a:r>
+            <a:r>
+              <a:rPr lang="uk-UA" dirty="0"/>
+              <a:t>студент</a:t>
+            </a:r>
+            <a:r>
+              <a:rPr lang="en-US" dirty="0"/>
+              <a:t>:</a:t>
+            </a:r>
+            <a:r>
+              <a:rPr lang="uk-UA" dirty="0"/>
+              <a:t> </a:t>
+            </a:r>
+            <a:r>
+              <a:rPr lang="uk-UA" dirty="0" err="1"/>
+              <a:t>Дзизиль</a:t>
+            </a:r>
+            <a:r>
+              <a:rPr lang="uk-UA" dirty="0"/>
+              <a:t> Д.Є.</a:t>
+            </a:r>
+            <a:endParaRPr lang="en-US" dirty="0"/>
+          </a:p>
+        </p:txBody>
+      </p:sp>
+    </p:spTree>
+    <p:extLst>
+      <p:ext uri="{BB962C8B-B14F-4D97-AF65-F5344CB8AC3E}">
+        <p14:creationId xmlns:p14="http://schemas.microsoft.com/office/powerpoint/2010/main" val="3065297374"/>
+      </p:ext>
+    </p:extLst>
+  </p:cSld>
+  <p:clrMapOvr>
+    <a:masterClrMapping/>
+  </p:clrMapOvr>
+  <p:timing>
+    <p:tnLst>
+      <p:par>
+        <p:cTn id="1" dur="indefinite" restart="never" nodeType="tmRoot"/>
+      </p:par>
+    </p:tnLst>
+  </p:timing>
+</p:sld>
+</file>
+
+<file path=ppt/slides/slide22.xml><?xml version="1.0" encoding="utf-8"?>
+<p:sld xmlns:a="http://schemas.openxmlformats.org/drawingml/2006/main" xmlns:r="http://schemas.openxmlformats.org/officeDocument/2006/relationships" xmlns:p="http://schemas.openxmlformats.org/presentationml/2006/main">
+  <p:cSld>
+    <p:spTree>
+      <p:nvGrpSpPr>
+        <p:cNvPr id="1" name="Shape 524"/>
+        <p:cNvGrpSpPr/>
+        <p:nvPr/>
+      </p:nvGrpSpPr>
+      <p:grpSpPr>
+        <a:xfrm>
+          <a:off x="0" y="0"/>
+          <a:ext cx="0" cy="0"/>
+          <a:chOff x="0" y="0"/>
+          <a:chExt cx="0" cy="0"/>
+        </a:xfrm>
+      </p:grpSpPr>
+      <p:grpSp>
+        <p:nvGrpSpPr>
+          <p:cNvPr id="525" name="Google Shape;525;p37"/>
+          <p:cNvGrpSpPr/>
+          <p:nvPr/>
+        </p:nvGrpSpPr>
+        <p:grpSpPr>
+          <a:xfrm>
+            <a:off x="1639087" y="1122745"/>
+            <a:ext cx="5678918" cy="3608039"/>
+            <a:chOff x="2333960" y="2049193"/>
+            <a:chExt cx="1137900" cy="861417"/>
+          </a:xfrm>
+        </p:grpSpPr>
+        <p:sp>
+          <p:nvSpPr>
+            <p:cNvPr id="526" name="Google Shape;526;p37"/>
+            <p:cNvSpPr/>
+            <p:nvPr/>
+          </p:nvSpPr>
+          <p:spPr>
+            <a:xfrm>
+              <a:off x="2333960" y="2049193"/>
+              <a:ext cx="539100" cy="630900"/>
+            </a:xfrm>
+            <a:prstGeom prst="roundRect">
+              <a:avLst>
+                <a:gd name="adj" fmla="val 6278"/>
+              </a:avLst>
+            </a:prstGeom>
+            <a:solidFill>
+              <a:schemeClr val="lt2"/>
+            </a:solidFill>
+            <a:ln w="28575" cap="flat" cmpd="sng">
+              <a:solidFill>
+                <a:schemeClr val="dk1"/>
+              </a:solidFill>
+              <a:prstDash val="solid"/>
+              <a:round/>
+              <a:headEnd type="none" w="sm" len="sm"/>
+              <a:tailEnd type="none" w="sm" len="sm"/>
+            </a:ln>
+            <a:effectLst>
+              <a:outerShdw dist="38100" dir="2040000" algn="bl" rotWithShape="0">
+                <a:schemeClr val="dk1"/>
+              </a:outerShdw>
+            </a:effectLst>
+          </p:spPr>
+          <p:txBody>
+            <a:bodyPr spcFirstLastPara="1" wrap="square" lIns="91425" tIns="91425" rIns="91425" bIns="91425" anchor="ctr" anchorCtr="0">
+              <a:noAutofit/>
+            </a:bodyPr>
+            <a:lstStyle/>
+            <a:p>
+              <a:pPr marL="0" lvl="0" indent="0" algn="l" rtl="0">
+                <a:spcBef>
+                  <a:spcPts val="0"/>
+                </a:spcBef>
+                <a:spcAft>
+                  <a:spcPts val="0"/>
+                </a:spcAft>
+                <a:buNone/>
+              </a:pPr>
+              <a:endParaRPr/>
+            </a:p>
+          </p:txBody>
+        </p:sp>
+        <p:sp>
+          <p:nvSpPr>
+            <p:cNvPr id="527" name="Google Shape;527;p37"/>
+            <p:cNvSpPr/>
+            <p:nvPr/>
+          </p:nvSpPr>
+          <p:spPr>
+            <a:xfrm>
+              <a:off x="2333960" y="2175010"/>
+              <a:ext cx="1137900" cy="735600"/>
+            </a:xfrm>
+            <a:prstGeom prst="roundRect">
+              <a:avLst>
+                <a:gd name="adj" fmla="val 5762"/>
+              </a:avLst>
+            </a:prstGeom>
+            <a:solidFill>
+              <a:schemeClr val="lt2"/>
+            </a:solidFill>
+            <a:ln w="28575" cap="flat" cmpd="sng">
+              <a:solidFill>
+                <a:schemeClr val="dk1"/>
+              </a:solidFill>
+              <a:prstDash val="solid"/>
+              <a:round/>
+              <a:headEnd type="none" w="sm" len="sm"/>
+              <a:tailEnd type="none" w="sm" len="sm"/>
+            </a:ln>
+            <a:effectLst>
+              <a:outerShdw dist="95250" dir="2040000" algn="bl" rotWithShape="0">
+                <a:schemeClr val="dk1"/>
+              </a:outerShdw>
+            </a:effectLst>
+          </p:spPr>
+          <p:txBody>
+            <a:bodyPr spcFirstLastPara="1" wrap="square" lIns="91425" tIns="91425" rIns="91425" bIns="91425" anchor="ctr" anchorCtr="0">
+              <a:noAutofit/>
+            </a:bodyPr>
+            <a:lstStyle/>
+            <a:p>
+              <a:pPr marL="0" lvl="0" indent="0" algn="l" rtl="0">
+                <a:spcBef>
+                  <a:spcPts val="0"/>
+                </a:spcBef>
+                <a:spcAft>
+                  <a:spcPts val="0"/>
+                </a:spcAft>
+                <a:buNone/>
+              </a:pPr>
+              <a:endParaRPr/>
+            </a:p>
+          </p:txBody>
+        </p:sp>
+      </p:grpSp>
+      <p:sp>
+        <p:nvSpPr>
+          <p:cNvPr id="528" name="Google Shape;528;p37"/>
+          <p:cNvSpPr txBox="1">
+            <a:spLocks noGrp="1"/>
+          </p:cNvSpPr>
+          <p:nvPr>
+            <p:ph type="title"/>
+          </p:nvPr>
+        </p:nvSpPr>
+        <p:spPr>
+          <a:xfrm>
+            <a:off x="1549021" y="1173707"/>
+            <a:ext cx="2864617" cy="503068"/>
+          </a:xfrm>
+          <a:prstGeom prst="rect">
+            <a:avLst/>
+          </a:prstGeom>
+        </p:spPr>
+        <p:txBody>
+          <a:bodyPr spcFirstLastPara="1" wrap="square" lIns="91425" tIns="91425" rIns="91425" bIns="91425" anchor="ctr" anchorCtr="0">
+            <a:noAutofit/>
+          </a:bodyPr>
+          <a:lstStyle/>
+          <a:p>
+            <a:pPr lvl="0"/>
+            <a:r>
+              <a:rPr lang="en-GB" dirty="0"/>
+              <a:t>Sharing audio-file</a:t>
+            </a:r>
+            <a:endParaRPr lang="en-GB" dirty="0"/>
+          </a:p>
+        </p:txBody>
+      </p:sp>
+      <p:sp>
+        <p:nvSpPr>
+          <p:cNvPr id="2" name="Google Shape;511;p35">
+            <a:extLst>
+              <a:ext uri="{FF2B5EF4-FFF2-40B4-BE49-F238E27FC236}">
+                <a16:creationId xmlns:a16="http://schemas.microsoft.com/office/drawing/2014/main" xmlns="" id="{324CC8F1-3796-605E-CF83-341E97B9417E}"/>
+              </a:ext>
+            </a:extLst>
+          </p:cNvPr>
+          <p:cNvSpPr txBox="1">
+            <a:spLocks/>
+          </p:cNvSpPr>
+          <p:nvPr/>
+        </p:nvSpPr>
+        <p:spPr>
+          <a:xfrm>
+            <a:off x="7411453" y="396231"/>
+            <a:ext cx="1529753" cy="860137"/>
+          </a:xfrm>
+          <a:prstGeom prst="rect">
+            <a:avLst/>
+          </a:prstGeom>
+        </p:spPr>
+        <p:txBody>
+          <a:bodyPr spcFirstLastPara="1" wrap="square" lIns="91425" tIns="91425" rIns="91425" bIns="91425" anchor="ctr" anchorCtr="0">
+            <a:noAutofit/>
+          </a:bodyPr>
+          <a:lstStyle>
+            <a:defPPr marR="0" lvl="0" algn="l" rtl="0">
+              <a:lnSpc>
+                <a:spcPct val="100000"/>
+              </a:lnSpc>
+              <a:spcBef>
+                <a:spcPts val="0"/>
+              </a:spcBef>
+              <a:spcAft>
+                <a:spcPts val="0"/>
+              </a:spcAft>
+            </a:defPPr>
+            <a:lvl1pPr marR="0" lvl="0" algn="l" rtl="0">
+              <a:lnSpc>
+                <a:spcPct val="100000"/>
+              </a:lnSpc>
+              <a:spcBef>
+                <a:spcPts val="0"/>
+              </a:spcBef>
+              <a:spcAft>
+                <a:spcPts val="0"/>
+              </a:spcAft>
+              <a:buClr>
+                <a:srgbClr val="000000"/>
+              </a:buClr>
+              <a:buFont typeface="Arial"/>
+              <a:defRPr sz="1400" b="0" i="0" u="none" strike="noStrike" cap="none">
+                <a:solidFill>
+                  <a:srgbClr val="000000"/>
+                </a:solidFill>
+                <a:latin typeface="Arial"/>
+                <a:ea typeface="Arial"/>
+                <a:cs typeface="Arial"/>
+                <a:sym typeface="Arial"/>
+              </a:defRPr>
+            </a:lvl1pPr>
+            <a:lvl2pPr marR="0" lvl="1" algn="l" rtl="0">
+              <a:lnSpc>
+                <a:spcPct val="100000"/>
+              </a:lnSpc>
+              <a:spcBef>
+                <a:spcPts val="0"/>
+              </a:spcBef>
+              <a:spcAft>
+                <a:spcPts val="0"/>
+              </a:spcAft>
+              <a:buClr>
+                <a:srgbClr val="000000"/>
+              </a:buClr>
+              <a:buFont typeface="Arial"/>
+              <a:defRPr sz="1400" b="0" i="0" u="none" strike="noStrike" cap="none">
+                <a:solidFill>
+                  <a:srgbClr val="000000"/>
+                </a:solidFill>
+                <a:latin typeface="Arial"/>
+                <a:ea typeface="Arial"/>
+                <a:cs typeface="Arial"/>
+                <a:sym typeface="Arial"/>
+              </a:defRPr>
+            </a:lvl2pPr>
+            <a:lvl3pPr marR="0" lvl="2" algn="l" rtl="0">
+              <a:lnSpc>
+                <a:spcPct val="100000"/>
+              </a:lnSpc>
+              <a:spcBef>
+                <a:spcPts val="0"/>
+              </a:spcBef>
+              <a:spcAft>
+                <a:spcPts val="0"/>
+              </a:spcAft>
+              <a:buClr>
+                <a:srgbClr val="000000"/>
+              </a:buClr>
+              <a:buFont typeface="Arial"/>
+              <a:defRPr sz="1400" b="0" i="0" u="none" strike="noStrike" cap="none">
+                <a:solidFill>
+                  <a:srgbClr val="000000"/>
+                </a:solidFill>
+                <a:latin typeface="Arial"/>
+                <a:ea typeface="Arial"/>
+                <a:cs typeface="Arial"/>
+                <a:sym typeface="Arial"/>
+              </a:defRPr>
+            </a:lvl3pPr>
+            <a:lvl4pPr marR="0" lvl="3" algn="l" rtl="0">
+              <a:lnSpc>
+                <a:spcPct val="100000"/>
+              </a:lnSpc>
+              <a:spcBef>
+                <a:spcPts val="0"/>
+              </a:spcBef>
+              <a:spcAft>
+                <a:spcPts val="0"/>
+              </a:spcAft>
+              <a:buClr>
+                <a:srgbClr val="000000"/>
+              </a:buClr>
+              <a:buFont typeface="Arial"/>
+              <a:defRPr sz="1400" b="0" i="0" u="none" strike="noStrike" cap="none">
+                <a:solidFill>
+                  <a:srgbClr val="000000"/>
+                </a:solidFill>
+                <a:latin typeface="Arial"/>
+                <a:ea typeface="Arial"/>
+                <a:cs typeface="Arial"/>
+                <a:sym typeface="Arial"/>
+              </a:defRPr>
+            </a:lvl4pPr>
+            <a:lvl5pPr marR="0" lvl="4" algn="l" rtl="0">
+              <a:lnSpc>
+                <a:spcPct val="100000"/>
+              </a:lnSpc>
+              <a:spcBef>
+                <a:spcPts val="0"/>
+              </a:spcBef>
+              <a:spcAft>
+                <a:spcPts val="0"/>
+              </a:spcAft>
+              <a:buClr>
+                <a:srgbClr val="000000"/>
+              </a:buClr>
+              <a:buFont typeface="Arial"/>
+              <a:defRPr sz="1400" b="0" i="0" u="none" strike="noStrike" cap="none">
+                <a:solidFill>
+                  <a:srgbClr val="000000"/>
+                </a:solidFill>
+                <a:latin typeface="Arial"/>
+                <a:ea typeface="Arial"/>
+                <a:cs typeface="Arial"/>
+                <a:sym typeface="Arial"/>
+              </a:defRPr>
+            </a:lvl5pPr>
+            <a:lvl6pPr marR="0" lvl="5" algn="l" rtl="0">
+              <a:lnSpc>
+                <a:spcPct val="100000"/>
+              </a:lnSpc>
+              <a:spcBef>
+                <a:spcPts val="0"/>
+              </a:spcBef>
+              <a:spcAft>
+                <a:spcPts val="0"/>
+              </a:spcAft>
+              <a:buClr>
+                <a:srgbClr val="000000"/>
+              </a:buClr>
+              <a:buFont typeface="Arial"/>
+              <a:defRPr sz="1400" b="0" i="0" u="none" strike="noStrike" cap="none">
+                <a:solidFill>
+                  <a:srgbClr val="000000"/>
+                </a:solidFill>
+                <a:latin typeface="Arial"/>
+                <a:ea typeface="Arial"/>
+                <a:cs typeface="Arial"/>
+                <a:sym typeface="Arial"/>
+              </a:defRPr>
+            </a:lvl6pPr>
+            <a:lvl7pPr marR="0" lvl="6" algn="l" rtl="0">
+              <a:lnSpc>
+                <a:spcPct val="100000"/>
+              </a:lnSpc>
+              <a:spcBef>
+                <a:spcPts val="0"/>
+              </a:spcBef>
+              <a:spcAft>
+                <a:spcPts val="0"/>
+              </a:spcAft>
+              <a:buClr>
+                <a:srgbClr val="000000"/>
+              </a:buClr>
+              <a:buFont typeface="Arial"/>
+              <a:defRPr sz="1400" b="0" i="0" u="none" strike="noStrike" cap="none">
+                <a:solidFill>
+                  <a:srgbClr val="000000"/>
+                </a:solidFill>
+                <a:latin typeface="Arial"/>
+                <a:ea typeface="Arial"/>
+                <a:cs typeface="Arial"/>
+                <a:sym typeface="Arial"/>
+              </a:defRPr>
+            </a:lvl7pPr>
+            <a:lvl8pPr marR="0" lvl="7" algn="l" rtl="0">
+              <a:lnSpc>
+                <a:spcPct val="100000"/>
+              </a:lnSpc>
+              <a:spcBef>
+                <a:spcPts val="0"/>
+              </a:spcBef>
+              <a:spcAft>
+                <a:spcPts val="0"/>
+              </a:spcAft>
+              <a:buClr>
+                <a:srgbClr val="000000"/>
+              </a:buClr>
+              <a:buFont typeface="Arial"/>
+              <a:defRPr sz="1400" b="0" i="0" u="none" strike="noStrike" cap="none">
+                <a:solidFill>
+                  <a:srgbClr val="000000"/>
+                </a:solidFill>
+                <a:latin typeface="Arial"/>
+                <a:ea typeface="Arial"/>
+                <a:cs typeface="Arial"/>
+                <a:sym typeface="Arial"/>
+              </a:defRPr>
+            </a:lvl8pPr>
+            <a:lvl9pPr marR="0" lvl="8" algn="l" rtl="0">
+              <a:lnSpc>
+                <a:spcPct val="100000"/>
+              </a:lnSpc>
+              <a:spcBef>
+                <a:spcPts val="0"/>
+              </a:spcBef>
+              <a:spcAft>
+                <a:spcPts val="0"/>
+              </a:spcAft>
+              <a:buClr>
+                <a:srgbClr val="000000"/>
+              </a:buClr>
+              <a:buFont typeface="Arial"/>
+              <a:defRPr sz="1400" b="0" i="0" u="none" strike="noStrike" cap="none">
+                <a:solidFill>
+                  <a:srgbClr val="000000"/>
+                </a:solidFill>
+                <a:latin typeface="Arial"/>
+                <a:ea typeface="Arial"/>
+                <a:cs typeface="Arial"/>
+                <a:sym typeface="Arial"/>
+              </a:defRPr>
+            </a:lvl9pPr>
+          </a:lstStyle>
+          <a:p>
+            <a:pPr algn="ctr">
+              <a:buClr>
+                <a:schemeClr val="dk1"/>
+              </a:buClr>
+              <a:buSzPts val="6000"/>
+            </a:pPr>
+            <a:r>
+              <a:rPr lang="en" sz="6000" b="1" dirty="0" smtClean="0">
+                <a:solidFill>
+                  <a:schemeClr val="dk1"/>
+                </a:solidFill>
+                <a:latin typeface="Varela Round"/>
+                <a:cs typeface="Varela Round"/>
+                <a:sym typeface="Varela Round"/>
+              </a:rPr>
+              <a:t>04</a:t>
+            </a:r>
+            <a:endParaRPr lang="en" sz="6000" b="1" dirty="0">
+              <a:solidFill>
+                <a:schemeClr val="dk1"/>
+              </a:solidFill>
+              <a:latin typeface="Varela Round"/>
+              <a:cs typeface="Varela Round"/>
+              <a:sym typeface="Varela Round"/>
+            </a:endParaRPr>
+          </a:p>
+        </p:txBody>
+      </p:sp>
+      <p:sp>
+        <p:nvSpPr>
+          <p:cNvPr id="3" name="Google Shape;458;p32">
+            <a:extLst>
+              <a:ext uri="{FF2B5EF4-FFF2-40B4-BE49-F238E27FC236}">
+                <a16:creationId xmlns:a16="http://schemas.microsoft.com/office/drawing/2014/main" xmlns="" id="{B281EA46-C90C-3633-637E-6EF93385B033}"/>
+              </a:ext>
+            </a:extLst>
+          </p:cNvPr>
+          <p:cNvSpPr txBox="1">
+            <a:spLocks/>
+          </p:cNvSpPr>
+          <p:nvPr/>
+        </p:nvSpPr>
+        <p:spPr>
+          <a:xfrm>
+            <a:off x="3813213" y="386062"/>
+            <a:ext cx="4177500" cy="520378"/>
+          </a:xfrm>
+          <a:prstGeom prst="rect">
+            <a:avLst/>
+          </a:prstGeom>
+          <a:noFill/>
+          <a:ln>
+            <a:noFill/>
+          </a:ln>
+        </p:spPr>
+        <p:txBody>
+          <a:bodyPr spcFirstLastPara="1" wrap="square" lIns="91425" tIns="91425" rIns="91425" bIns="91425" anchor="ctr" anchorCtr="0">
+            <a:noAutofit/>
+          </a:bodyPr>
+          <a:lstStyle>
+            <a:defPPr marR="0" lvl="0" algn="l" rtl="0">
+              <a:lnSpc>
+                <a:spcPct val="100000"/>
+              </a:lnSpc>
+              <a:spcBef>
+                <a:spcPts val="0"/>
+              </a:spcBef>
+              <a:spcAft>
+                <a:spcPts val="0"/>
+              </a:spcAft>
+            </a:defPPr>
+            <a:lvl1pPr marL="457200" marR="0" lvl="0" indent="-317500" algn="ctr" rtl="0">
+              <a:lnSpc>
+                <a:spcPct val="100000"/>
+              </a:lnSpc>
+              <a:spcBef>
+                <a:spcPts val="0"/>
+              </a:spcBef>
+              <a:spcAft>
+                <a:spcPts val="0"/>
+              </a:spcAft>
+              <a:buClr>
+                <a:schemeClr val="dk2"/>
+              </a:buClr>
+              <a:buSzPts val="1400"/>
+              <a:buFont typeface="Lato"/>
+              <a:buNone/>
+              <a:defRPr sz="1400" b="0" i="0" u="none" strike="noStrike" cap="none">
+                <a:solidFill>
+                  <a:schemeClr val="dk2"/>
+                </a:solidFill>
+                <a:latin typeface="Lato"/>
+                <a:ea typeface="Lato"/>
+                <a:cs typeface="Lato"/>
+                <a:sym typeface="Lato"/>
+              </a:defRPr>
+            </a:lvl1pPr>
+            <a:lvl2pPr marL="914400" marR="0" lvl="1" indent="-317500" algn="ctr" rtl="0">
+              <a:lnSpc>
+                <a:spcPct val="100000"/>
+              </a:lnSpc>
+              <a:spcBef>
+                <a:spcPts val="1600"/>
+              </a:spcBef>
+              <a:spcAft>
+                <a:spcPts val="0"/>
+              </a:spcAft>
+              <a:buClr>
+                <a:schemeClr val="dk2"/>
+              </a:buClr>
+              <a:buSzPts val="1400"/>
+              <a:buFont typeface="Lato"/>
+              <a:buNone/>
+              <a:defRPr sz="1400" b="0" i="0" u="none" strike="noStrike" cap="none">
+                <a:solidFill>
+                  <a:schemeClr val="dk2"/>
+                </a:solidFill>
+                <a:latin typeface="Lato"/>
+                <a:ea typeface="Lato"/>
+                <a:cs typeface="Lato"/>
+                <a:sym typeface="Lato"/>
+              </a:defRPr>
+            </a:lvl2pPr>
+            <a:lvl3pPr marL="1371600" marR="0" lvl="2" indent="-317500" algn="ctr" rtl="0">
+              <a:lnSpc>
+                <a:spcPct val="100000"/>
+              </a:lnSpc>
+              <a:spcBef>
+                <a:spcPts val="1600"/>
+              </a:spcBef>
+              <a:spcAft>
+                <a:spcPts val="0"/>
+              </a:spcAft>
+              <a:buClr>
+                <a:schemeClr val="dk2"/>
+              </a:buClr>
+              <a:buSzPts val="1400"/>
+              <a:buFont typeface="Lato"/>
+              <a:buNone/>
+              <a:defRPr sz="1400" b="0" i="0" u="none" strike="noStrike" cap="none">
+                <a:solidFill>
+                  <a:schemeClr val="dk2"/>
+                </a:solidFill>
+                <a:latin typeface="Lato"/>
+                <a:ea typeface="Lato"/>
+                <a:cs typeface="Lato"/>
+                <a:sym typeface="Lato"/>
+              </a:defRPr>
+            </a:lvl3pPr>
+            <a:lvl4pPr marL="1828800" marR="0" lvl="3" indent="-317500" algn="ctr" rtl="0">
+              <a:lnSpc>
+                <a:spcPct val="100000"/>
+              </a:lnSpc>
+              <a:spcBef>
+                <a:spcPts val="1600"/>
+              </a:spcBef>
+              <a:spcAft>
+                <a:spcPts val="0"/>
+              </a:spcAft>
+              <a:buClr>
+                <a:schemeClr val="dk2"/>
+              </a:buClr>
+              <a:buSzPts val="1400"/>
+              <a:buFont typeface="Lato"/>
+              <a:buNone/>
+              <a:defRPr sz="1400" b="0" i="0" u="none" strike="noStrike" cap="none">
+                <a:solidFill>
+                  <a:schemeClr val="dk2"/>
+                </a:solidFill>
+                <a:latin typeface="Lato"/>
+                <a:ea typeface="Lato"/>
+                <a:cs typeface="Lato"/>
+                <a:sym typeface="Lato"/>
+              </a:defRPr>
+            </a:lvl4pPr>
+            <a:lvl5pPr marL="2286000" marR="0" lvl="4" indent="-317500" algn="ctr" rtl="0">
+              <a:lnSpc>
+                <a:spcPct val="100000"/>
+              </a:lnSpc>
+              <a:spcBef>
+                <a:spcPts val="1600"/>
+              </a:spcBef>
+              <a:spcAft>
+                <a:spcPts val="0"/>
+              </a:spcAft>
+              <a:buClr>
+                <a:schemeClr val="dk2"/>
+              </a:buClr>
+              <a:buSzPts val="1400"/>
+              <a:buFont typeface="Lato"/>
+              <a:buNone/>
+              <a:defRPr sz="1400" b="0" i="0" u="none" strike="noStrike" cap="none">
+                <a:solidFill>
+                  <a:schemeClr val="dk2"/>
+                </a:solidFill>
+                <a:latin typeface="Lato"/>
+                <a:ea typeface="Lato"/>
+                <a:cs typeface="Lato"/>
+                <a:sym typeface="Lato"/>
+              </a:defRPr>
+            </a:lvl5pPr>
+            <a:lvl6pPr marL="2743200" marR="0" lvl="5" indent="-317500" algn="ctr" rtl="0">
+              <a:lnSpc>
+                <a:spcPct val="100000"/>
+              </a:lnSpc>
+              <a:spcBef>
+                <a:spcPts val="1600"/>
+              </a:spcBef>
+              <a:spcAft>
+                <a:spcPts val="0"/>
+              </a:spcAft>
+              <a:buClr>
+                <a:schemeClr val="dk2"/>
+              </a:buClr>
+              <a:buSzPts val="1400"/>
+              <a:buFont typeface="Lato"/>
+              <a:buNone/>
+              <a:defRPr sz="1400" b="0" i="0" u="none" strike="noStrike" cap="none">
+                <a:solidFill>
+                  <a:schemeClr val="dk2"/>
+                </a:solidFill>
+                <a:latin typeface="Lato"/>
+                <a:ea typeface="Lato"/>
+                <a:cs typeface="Lato"/>
+                <a:sym typeface="Lato"/>
+              </a:defRPr>
+            </a:lvl6pPr>
+            <a:lvl7pPr marL="3200400" marR="0" lvl="6" indent="-317500" algn="ctr" rtl="0">
+              <a:lnSpc>
+                <a:spcPct val="100000"/>
+              </a:lnSpc>
+              <a:spcBef>
+                <a:spcPts val="1600"/>
+              </a:spcBef>
+              <a:spcAft>
+                <a:spcPts val="0"/>
+              </a:spcAft>
+              <a:buClr>
+                <a:schemeClr val="dk2"/>
+              </a:buClr>
+              <a:buSzPts val="1400"/>
+              <a:buFont typeface="Lato"/>
+              <a:buNone/>
+              <a:defRPr sz="1400" b="0" i="0" u="none" strike="noStrike" cap="none">
+                <a:solidFill>
+                  <a:schemeClr val="dk2"/>
+                </a:solidFill>
+                <a:latin typeface="Lato"/>
+                <a:ea typeface="Lato"/>
+                <a:cs typeface="Lato"/>
+                <a:sym typeface="Lato"/>
+              </a:defRPr>
+            </a:lvl7pPr>
+            <a:lvl8pPr marL="3657600" marR="0" lvl="7" indent="-317500" algn="ctr" rtl="0">
+              <a:lnSpc>
+                <a:spcPct val="100000"/>
+              </a:lnSpc>
+              <a:spcBef>
+                <a:spcPts val="1600"/>
+              </a:spcBef>
+              <a:spcAft>
+                <a:spcPts val="0"/>
+              </a:spcAft>
+              <a:buClr>
+                <a:schemeClr val="dk2"/>
+              </a:buClr>
+              <a:buSzPts val="1400"/>
+              <a:buFont typeface="Lato"/>
+              <a:buNone/>
+              <a:defRPr sz="1400" b="0" i="0" u="none" strike="noStrike" cap="none">
+                <a:solidFill>
+                  <a:schemeClr val="dk2"/>
+                </a:solidFill>
+                <a:latin typeface="Lato"/>
+                <a:ea typeface="Lato"/>
+                <a:cs typeface="Lato"/>
+                <a:sym typeface="Lato"/>
+              </a:defRPr>
+            </a:lvl8pPr>
+            <a:lvl9pPr marL="4114800" marR="0" lvl="8" indent="-317500" algn="ctr" rtl="0">
+              <a:lnSpc>
+                <a:spcPct val="100000"/>
+              </a:lnSpc>
+              <a:spcBef>
+                <a:spcPts val="1600"/>
+              </a:spcBef>
+              <a:spcAft>
+                <a:spcPts val="1600"/>
+              </a:spcAft>
+              <a:buClr>
+                <a:schemeClr val="dk2"/>
+              </a:buClr>
+              <a:buSzPts val="1400"/>
+              <a:buFont typeface="Lato"/>
+              <a:buNone/>
+              <a:defRPr sz="1400" b="0" i="0" u="none" strike="noStrike" cap="none">
+                <a:solidFill>
+                  <a:schemeClr val="dk2"/>
+                </a:solidFill>
+                <a:latin typeface="Lato"/>
+                <a:ea typeface="Lato"/>
+                <a:cs typeface="Lato"/>
+                <a:sym typeface="Lato"/>
+              </a:defRPr>
+            </a:lvl9pPr>
+          </a:lstStyle>
+          <a:p>
+            <a:pPr marL="0" indent="0"/>
+            <a:r>
+              <a:rPr lang="uk-UA" dirty="0"/>
+              <a:t>Виконав</a:t>
+            </a:r>
+            <a:r>
+              <a:rPr lang="en-US" dirty="0"/>
+              <a:t> </a:t>
+            </a:r>
+            <a:r>
+              <a:rPr lang="uk-UA" dirty="0"/>
+              <a:t>студент</a:t>
+            </a:r>
+            <a:r>
+              <a:rPr lang="en-US" dirty="0"/>
+              <a:t>:</a:t>
+            </a:r>
+            <a:r>
+              <a:rPr lang="uk-UA" dirty="0"/>
+              <a:t> </a:t>
+            </a:r>
+            <a:r>
+              <a:rPr lang="uk-UA" dirty="0" err="1"/>
+              <a:t>Дзизиль</a:t>
+            </a:r>
+            <a:r>
+              <a:rPr lang="uk-UA" dirty="0"/>
+              <a:t> Д.Є.</a:t>
+            </a:r>
+            <a:endParaRPr lang="en-US" dirty="0"/>
+          </a:p>
+        </p:txBody>
+      </p:sp>
+      <p:sp>
+        <p:nvSpPr>
+          <p:cNvPr id="6" name="TextBox 5"/>
+          <p:cNvSpPr txBox="1"/>
+          <p:nvPr/>
+        </p:nvSpPr>
+        <p:spPr>
+          <a:xfrm>
+            <a:off x="1690502" y="1778242"/>
+            <a:ext cx="5477509" cy="2893100"/>
+          </a:xfrm>
+          <a:prstGeom prst="rect">
+            <a:avLst/>
+          </a:prstGeom>
+          <a:noFill/>
+        </p:spPr>
+        <p:txBody>
+          <a:bodyPr wrap="square" rtlCol="0">
+            <a:spAutoFit/>
+          </a:bodyPr>
+          <a:lstStyle/>
+          <a:p>
+            <a:r>
+              <a:rPr lang="en-US" dirty="0">
+                <a:solidFill>
+                  <a:schemeClr val="dk1"/>
+                </a:solidFill>
+                <a:latin typeface="Varela Round"/>
+                <a:ea typeface="Varela Round"/>
+                <a:cs typeface="Varela Round"/>
+                <a:sym typeface="Varela Round"/>
+              </a:rPr>
+              <a:t>To exchange information between your main operating system </a:t>
+            </a:r>
+            <a:r>
+              <a:rPr lang="en-US" dirty="0" smtClean="0">
+                <a:solidFill>
+                  <a:schemeClr val="dk1"/>
+                </a:solidFill>
+                <a:latin typeface="Varela Round"/>
+                <a:ea typeface="Varela Round"/>
+                <a:cs typeface="Varela Round"/>
+                <a:sym typeface="Varela Round"/>
+              </a:rPr>
+              <a:t>and </a:t>
+            </a:r>
+            <a:r>
+              <a:rPr lang="en-US" dirty="0">
+                <a:solidFill>
+                  <a:schemeClr val="dk1"/>
+                </a:solidFill>
+                <a:latin typeface="Varela Round"/>
+                <a:ea typeface="Varela Round"/>
+                <a:cs typeface="Varela Round"/>
+                <a:sym typeface="Varela Round"/>
+              </a:rPr>
+              <a:t>Linux virtual operating systems, you can use different methods, such as shared folders (Shared Folders) in virtual programs, SSH, Samba, or FTP. One of the easiest ways is to use SSH to connect between </a:t>
+            </a:r>
+            <a:r>
+              <a:rPr lang="en-US" dirty="0" smtClean="0">
+                <a:solidFill>
+                  <a:schemeClr val="dk1"/>
+                </a:solidFill>
+                <a:latin typeface="Varela Round"/>
+                <a:ea typeface="Varela Round"/>
+                <a:cs typeface="Varela Round"/>
+                <a:sym typeface="Varela Round"/>
+              </a:rPr>
+              <a:t>OSes</a:t>
+            </a:r>
+            <a:r>
+              <a:rPr lang="uk-UA" dirty="0" smtClean="0">
+                <a:solidFill>
+                  <a:schemeClr val="dk1"/>
+                </a:solidFill>
+                <a:latin typeface="Varela Round"/>
+                <a:ea typeface="Varela Round"/>
+                <a:cs typeface="Varela Round"/>
+                <a:sym typeface="Varela Round"/>
+              </a:rPr>
+              <a:t>.</a:t>
+            </a:r>
+          </a:p>
+          <a:p>
+            <a:r>
+              <a:rPr lang="en-US" dirty="0">
+                <a:solidFill>
+                  <a:schemeClr val="dk1"/>
+                </a:solidFill>
+                <a:latin typeface="Varela Round"/>
+                <a:ea typeface="Varela Round"/>
+                <a:cs typeface="Varela Round"/>
+                <a:sym typeface="Varela Round"/>
+              </a:rPr>
+              <a:t>Configure SSH on the Linux virtual machine</a:t>
+            </a:r>
+            <a:r>
+              <a:rPr lang="en-US" dirty="0" smtClean="0">
+                <a:solidFill>
+                  <a:schemeClr val="dk1"/>
+                </a:solidFill>
+                <a:latin typeface="Varela Round"/>
+                <a:ea typeface="Varela Round"/>
+                <a:cs typeface="Varela Round"/>
+                <a:sym typeface="Varela Round"/>
+              </a:rPr>
+              <a:t>:</a:t>
+            </a:r>
+            <a:endParaRPr lang="en-US" dirty="0">
+              <a:solidFill>
+                <a:schemeClr val="dk1"/>
+              </a:solidFill>
+              <a:latin typeface="Varela Round"/>
+              <a:ea typeface="Varela Round"/>
+              <a:cs typeface="Varela Round"/>
+              <a:sym typeface="Varela Round"/>
+            </a:endParaRPr>
+          </a:p>
+          <a:p>
+            <a:pPr marL="342900" indent="-342900">
+              <a:buAutoNum type="alphaLcPeriod"/>
+            </a:pPr>
+            <a:r>
+              <a:rPr lang="en-US" dirty="0" smtClean="0">
+                <a:solidFill>
+                  <a:schemeClr val="dk1"/>
+                </a:solidFill>
+                <a:latin typeface="Varela Round"/>
+                <a:ea typeface="Varela Round"/>
+                <a:cs typeface="Varela Round"/>
+                <a:sym typeface="Varela Round"/>
+              </a:rPr>
+              <a:t>Install </a:t>
+            </a:r>
+            <a:r>
+              <a:rPr lang="en-US" dirty="0">
+                <a:solidFill>
+                  <a:schemeClr val="dk1"/>
+                </a:solidFill>
+                <a:latin typeface="Varela Round"/>
+                <a:ea typeface="Varela Round"/>
+                <a:cs typeface="Varela Round"/>
+                <a:sym typeface="Varela Round"/>
+              </a:rPr>
+              <a:t>an SSH server on your Linux virtual machine if not already done. You can do this using your Linux distribution's package manager. For example, for Ubuntu it looks like this</a:t>
+            </a:r>
+            <a:r>
+              <a:rPr lang="en-US" dirty="0" smtClean="0">
+                <a:solidFill>
+                  <a:schemeClr val="dk1"/>
+                </a:solidFill>
+                <a:latin typeface="Varela Round"/>
+                <a:ea typeface="Varela Round"/>
+                <a:cs typeface="Varela Round"/>
+                <a:sym typeface="Varela Round"/>
+              </a:rPr>
+              <a:t>:</a:t>
+            </a:r>
+            <a:r>
+              <a:rPr lang="uk-UA" dirty="0">
+                <a:solidFill>
+                  <a:schemeClr val="dk1"/>
+                </a:solidFill>
+                <a:latin typeface="Varela Round"/>
+                <a:ea typeface="Varela Round"/>
+                <a:cs typeface="Varela Round"/>
+                <a:sym typeface="Varela Round"/>
+              </a:rPr>
+              <a:t> </a:t>
+            </a:r>
+            <a:r>
+              <a:rPr lang="en-GB" dirty="0" err="1">
+                <a:solidFill>
+                  <a:schemeClr val="dk1"/>
+                </a:solidFill>
+                <a:latin typeface="Varela Round"/>
+                <a:ea typeface="Varela Round"/>
+                <a:cs typeface="Varela Round"/>
+                <a:sym typeface="Varela Round"/>
+              </a:rPr>
+              <a:t>sudo</a:t>
+            </a:r>
+            <a:r>
+              <a:rPr lang="en-GB" dirty="0">
+                <a:solidFill>
+                  <a:schemeClr val="dk1"/>
+                </a:solidFill>
+                <a:latin typeface="Varela Round"/>
+                <a:ea typeface="Varela Round"/>
+                <a:cs typeface="Varela Round"/>
+                <a:sym typeface="Varela Round"/>
+              </a:rPr>
+              <a:t> apt-get install </a:t>
+            </a:r>
+            <a:r>
+              <a:rPr lang="en-GB" dirty="0" err="1">
+                <a:solidFill>
+                  <a:schemeClr val="dk1"/>
+                </a:solidFill>
+                <a:latin typeface="Varela Round"/>
+                <a:ea typeface="Varela Round"/>
+                <a:cs typeface="Varela Round"/>
+                <a:sym typeface="Varela Round"/>
+              </a:rPr>
+              <a:t>openssh</a:t>
+            </a:r>
+            <a:r>
+              <a:rPr lang="en-GB" dirty="0">
+                <a:solidFill>
+                  <a:schemeClr val="dk1"/>
+                </a:solidFill>
+                <a:latin typeface="Varela Round"/>
+                <a:ea typeface="Varela Round"/>
+                <a:cs typeface="Varela Round"/>
+                <a:sym typeface="Varela Round"/>
+              </a:rPr>
+              <a:t>-server</a:t>
+            </a:r>
+          </a:p>
+          <a:p>
+            <a:pPr marL="342900" indent="-342900">
+              <a:buAutoNum type="alphaLcPeriod"/>
+            </a:pPr>
+            <a:r>
+              <a:rPr lang="en-US" dirty="0">
+                <a:solidFill>
+                  <a:schemeClr val="dk1"/>
+                </a:solidFill>
+                <a:latin typeface="Varela Round"/>
+                <a:ea typeface="Varela Round"/>
+                <a:cs typeface="Varela Round"/>
+                <a:sym typeface="Varela Round"/>
+              </a:rPr>
+              <a:t>After installing SSH, verify that the SSH service is running on your virtual machine</a:t>
+            </a:r>
+            <a:r>
+              <a:rPr lang="en-US" dirty="0" smtClean="0">
+                <a:solidFill>
+                  <a:schemeClr val="dk1"/>
+                </a:solidFill>
+                <a:latin typeface="Varela Round"/>
+                <a:ea typeface="Varela Round"/>
+                <a:cs typeface="Varela Round"/>
+                <a:sym typeface="Varela Round"/>
+              </a:rPr>
+              <a:t>:</a:t>
+            </a:r>
+            <a:r>
+              <a:rPr lang="uk-UA" dirty="0" smtClean="0">
+                <a:solidFill>
+                  <a:schemeClr val="dk1"/>
+                </a:solidFill>
+                <a:latin typeface="Varela Round"/>
+                <a:ea typeface="Varela Round"/>
+                <a:cs typeface="Varela Round"/>
+                <a:sym typeface="Varela Round"/>
+              </a:rPr>
+              <a:t> </a:t>
+            </a:r>
+            <a:r>
+              <a:rPr lang="en-US" dirty="0" err="1" smtClean="0">
+                <a:solidFill>
+                  <a:schemeClr val="dk1"/>
+                </a:solidFill>
+                <a:latin typeface="Varela Round"/>
+                <a:ea typeface="Varela Round"/>
+                <a:cs typeface="Varela Round"/>
+                <a:sym typeface="Varela Round"/>
+              </a:rPr>
+              <a:t>sudo</a:t>
+            </a:r>
+            <a:r>
+              <a:rPr lang="en-US" dirty="0" smtClean="0">
+                <a:solidFill>
+                  <a:schemeClr val="dk1"/>
+                </a:solidFill>
+                <a:latin typeface="Varela Round"/>
+                <a:ea typeface="Varela Round"/>
+                <a:cs typeface="Varela Round"/>
+                <a:sym typeface="Varela Round"/>
+              </a:rPr>
+              <a:t> </a:t>
+            </a:r>
+            <a:r>
+              <a:rPr lang="en-US" dirty="0" err="1">
+                <a:solidFill>
+                  <a:schemeClr val="dk1"/>
+                </a:solidFill>
+                <a:latin typeface="Varela Round"/>
+                <a:ea typeface="Varela Round"/>
+                <a:cs typeface="Varela Round"/>
+                <a:sym typeface="Varela Round"/>
+              </a:rPr>
+              <a:t>systemctl</a:t>
+            </a:r>
+            <a:r>
+              <a:rPr lang="en-US" dirty="0">
+                <a:solidFill>
+                  <a:schemeClr val="dk1"/>
+                </a:solidFill>
+                <a:latin typeface="Varela Round"/>
+                <a:ea typeface="Varela Round"/>
+                <a:cs typeface="Varela Round"/>
+                <a:sym typeface="Varela Round"/>
+              </a:rPr>
+              <a:t> status </a:t>
+            </a:r>
+            <a:r>
+              <a:rPr lang="en-US" dirty="0" err="1">
+                <a:solidFill>
+                  <a:schemeClr val="dk1"/>
+                </a:solidFill>
+                <a:latin typeface="Varela Round"/>
+                <a:ea typeface="Varela Round"/>
+                <a:cs typeface="Varela Round"/>
+                <a:sym typeface="Varela Round"/>
+              </a:rPr>
+              <a:t>ssh</a:t>
+            </a:r>
+            <a:endParaRPr lang="en-US" dirty="0">
+              <a:solidFill>
+                <a:schemeClr val="dk1"/>
+              </a:solidFill>
+              <a:latin typeface="Varela Round"/>
+              <a:ea typeface="Varela Round"/>
+              <a:cs typeface="Varela Round"/>
+              <a:sym typeface="Varela Round"/>
+            </a:endParaRPr>
+          </a:p>
+          <a:p>
+            <a:pPr marL="342900" indent="-342900">
+              <a:buAutoNum type="alphaLcPeriod"/>
+            </a:pPr>
+            <a:endParaRPr lang="uk-UA" dirty="0" smtClean="0">
+              <a:solidFill>
+                <a:schemeClr val="dk1"/>
+              </a:solidFill>
+              <a:latin typeface="Varela Round"/>
+              <a:ea typeface="Varela Round"/>
+              <a:cs typeface="Varela Round"/>
+              <a:sym typeface="Varela Round"/>
+            </a:endParaRPr>
+          </a:p>
+        </p:txBody>
+      </p:sp>
+    </p:spTree>
+    <p:extLst>
+      <p:ext uri="{BB962C8B-B14F-4D97-AF65-F5344CB8AC3E}">
+        <p14:creationId xmlns:p14="http://schemas.microsoft.com/office/powerpoint/2010/main" val="1104984890"/>
+      </p:ext>
+    </p:extLst>
+  </p:cSld>
+  <p:clrMapOvr>
+    <a:masterClrMapping/>
+  </p:clrMapOvr>
+  <p:timing>
+    <p:tnLst>
+      <p:par>
+        <p:cTn id="1" dur="indefinite" restart="never" nodeType="tmRoot"/>
+      </p:par>
+    </p:tnLst>
+  </p:timing>
+</p:sld>
+</file>
+
+<file path=ppt/slides/slide23.xml><?xml version="1.0" encoding="utf-8"?>
+<p:sld xmlns:a="http://schemas.openxmlformats.org/drawingml/2006/main" xmlns:r="http://schemas.openxmlformats.org/officeDocument/2006/relationships" xmlns:p="http://schemas.openxmlformats.org/presentationml/2006/main">
+  <p:cSld>
+    <p:spTree>
+      <p:nvGrpSpPr>
+        <p:cNvPr id="1" name="Shape 524"/>
+        <p:cNvGrpSpPr/>
+        <p:nvPr/>
+      </p:nvGrpSpPr>
+      <p:grpSpPr>
+        <a:xfrm>
+          <a:off x="0" y="0"/>
+          <a:ext cx="0" cy="0"/>
+          <a:chOff x="0" y="0"/>
+          <a:chExt cx="0" cy="0"/>
+        </a:xfrm>
+      </p:grpSpPr>
+      <p:grpSp>
+        <p:nvGrpSpPr>
+          <p:cNvPr id="525" name="Google Shape;525;p37"/>
+          <p:cNvGrpSpPr/>
+          <p:nvPr/>
+        </p:nvGrpSpPr>
+        <p:grpSpPr>
+          <a:xfrm>
+            <a:off x="1639087" y="1122745"/>
+            <a:ext cx="5678918" cy="3608039"/>
+            <a:chOff x="2333960" y="2049193"/>
+            <a:chExt cx="1137900" cy="861417"/>
+          </a:xfrm>
+        </p:grpSpPr>
+        <p:sp>
+          <p:nvSpPr>
+            <p:cNvPr id="526" name="Google Shape;526;p37"/>
+            <p:cNvSpPr/>
+            <p:nvPr/>
+          </p:nvSpPr>
+          <p:spPr>
+            <a:xfrm>
+              <a:off x="2333960" y="2049193"/>
+              <a:ext cx="539100" cy="630900"/>
+            </a:xfrm>
+            <a:prstGeom prst="roundRect">
+              <a:avLst>
+                <a:gd name="adj" fmla="val 6278"/>
+              </a:avLst>
+            </a:prstGeom>
+            <a:solidFill>
+              <a:schemeClr val="lt2"/>
+            </a:solidFill>
+            <a:ln w="28575" cap="flat" cmpd="sng">
+              <a:solidFill>
+                <a:schemeClr val="dk1"/>
+              </a:solidFill>
+              <a:prstDash val="solid"/>
+              <a:round/>
+              <a:headEnd type="none" w="sm" len="sm"/>
+              <a:tailEnd type="none" w="sm" len="sm"/>
+            </a:ln>
+            <a:effectLst>
+              <a:outerShdw dist="38100" dir="2040000" algn="bl" rotWithShape="0">
+                <a:schemeClr val="dk1"/>
+              </a:outerShdw>
+            </a:effectLst>
+          </p:spPr>
+          <p:txBody>
+            <a:bodyPr spcFirstLastPara="1" wrap="square" lIns="91425" tIns="91425" rIns="91425" bIns="91425" anchor="ctr" anchorCtr="0">
+              <a:noAutofit/>
+            </a:bodyPr>
+            <a:lstStyle/>
+            <a:p>
+              <a:pPr marL="0" lvl="0" indent="0" algn="l" rtl="0">
+                <a:spcBef>
+                  <a:spcPts val="0"/>
+                </a:spcBef>
+                <a:spcAft>
+                  <a:spcPts val="0"/>
+                </a:spcAft>
+                <a:buNone/>
+              </a:pPr>
+              <a:endParaRPr/>
+            </a:p>
+          </p:txBody>
+        </p:sp>
+        <p:sp>
+          <p:nvSpPr>
+            <p:cNvPr id="527" name="Google Shape;527;p37"/>
+            <p:cNvSpPr/>
+            <p:nvPr/>
+          </p:nvSpPr>
+          <p:spPr>
+            <a:xfrm>
+              <a:off x="2333960" y="2175010"/>
+              <a:ext cx="1137900" cy="735600"/>
+            </a:xfrm>
+            <a:prstGeom prst="roundRect">
+              <a:avLst>
+                <a:gd name="adj" fmla="val 5762"/>
+              </a:avLst>
+            </a:prstGeom>
+            <a:solidFill>
+              <a:schemeClr val="lt2"/>
+            </a:solidFill>
+            <a:ln w="28575" cap="flat" cmpd="sng">
+              <a:solidFill>
+                <a:schemeClr val="dk1"/>
+              </a:solidFill>
+              <a:prstDash val="solid"/>
+              <a:round/>
+              <a:headEnd type="none" w="sm" len="sm"/>
+              <a:tailEnd type="none" w="sm" len="sm"/>
+            </a:ln>
+            <a:effectLst>
+              <a:outerShdw dist="95250" dir="2040000" algn="bl" rotWithShape="0">
+                <a:schemeClr val="dk1"/>
+              </a:outerShdw>
+            </a:effectLst>
+          </p:spPr>
+          <p:txBody>
+            <a:bodyPr spcFirstLastPara="1" wrap="square" lIns="91425" tIns="91425" rIns="91425" bIns="91425" anchor="ctr" anchorCtr="0">
+              <a:noAutofit/>
+            </a:bodyPr>
+            <a:lstStyle/>
+            <a:p>
+              <a:pPr marL="0" lvl="0" indent="0" algn="l" rtl="0">
+                <a:spcBef>
+                  <a:spcPts val="0"/>
+                </a:spcBef>
+                <a:spcAft>
+                  <a:spcPts val="0"/>
+                </a:spcAft>
+                <a:buNone/>
+              </a:pPr>
+              <a:endParaRPr/>
+            </a:p>
+          </p:txBody>
+        </p:sp>
+      </p:grpSp>
+      <p:sp>
+        <p:nvSpPr>
+          <p:cNvPr id="528" name="Google Shape;528;p37"/>
+          <p:cNvSpPr txBox="1">
+            <a:spLocks noGrp="1"/>
+          </p:cNvSpPr>
+          <p:nvPr>
+            <p:ph type="title"/>
+          </p:nvPr>
+        </p:nvSpPr>
+        <p:spPr>
+          <a:xfrm>
+            <a:off x="1549021" y="1173707"/>
+            <a:ext cx="2864617" cy="503068"/>
+          </a:xfrm>
+          <a:prstGeom prst="rect">
+            <a:avLst/>
+          </a:prstGeom>
+        </p:spPr>
+        <p:txBody>
+          <a:bodyPr spcFirstLastPara="1" wrap="square" lIns="91425" tIns="91425" rIns="91425" bIns="91425" anchor="ctr" anchorCtr="0">
+            <a:noAutofit/>
+          </a:bodyPr>
+          <a:lstStyle/>
+          <a:p>
+            <a:pPr lvl="0"/>
+            <a:r>
+              <a:rPr lang="en-GB" dirty="0"/>
+              <a:t>Sharing audio-file</a:t>
+            </a:r>
+            <a:endParaRPr lang="en-GB" dirty="0"/>
+          </a:p>
+        </p:txBody>
+      </p:sp>
+      <p:sp>
+        <p:nvSpPr>
+          <p:cNvPr id="2" name="Google Shape;511;p35">
+            <a:extLst>
+              <a:ext uri="{FF2B5EF4-FFF2-40B4-BE49-F238E27FC236}">
+                <a16:creationId xmlns:a16="http://schemas.microsoft.com/office/drawing/2014/main" xmlns="" id="{324CC8F1-3796-605E-CF83-341E97B9417E}"/>
+              </a:ext>
+            </a:extLst>
+          </p:cNvPr>
+          <p:cNvSpPr txBox="1">
+            <a:spLocks/>
+          </p:cNvSpPr>
+          <p:nvPr/>
+        </p:nvSpPr>
+        <p:spPr>
+          <a:xfrm>
+            <a:off x="7411453" y="396231"/>
+            <a:ext cx="1529753" cy="860137"/>
+          </a:xfrm>
+          <a:prstGeom prst="rect">
+            <a:avLst/>
+          </a:prstGeom>
+        </p:spPr>
+        <p:txBody>
+          <a:bodyPr spcFirstLastPara="1" wrap="square" lIns="91425" tIns="91425" rIns="91425" bIns="91425" anchor="ctr" anchorCtr="0">
+            <a:noAutofit/>
+          </a:bodyPr>
+          <a:lstStyle>
+            <a:defPPr marR="0" lvl="0" algn="l" rtl="0">
+              <a:lnSpc>
+                <a:spcPct val="100000"/>
+              </a:lnSpc>
+              <a:spcBef>
+                <a:spcPts val="0"/>
+              </a:spcBef>
+              <a:spcAft>
+                <a:spcPts val="0"/>
+              </a:spcAft>
+            </a:defPPr>
+            <a:lvl1pPr marR="0" lvl="0" algn="l" rtl="0">
+              <a:lnSpc>
+                <a:spcPct val="100000"/>
+              </a:lnSpc>
+              <a:spcBef>
+                <a:spcPts val="0"/>
+              </a:spcBef>
+              <a:spcAft>
+                <a:spcPts val="0"/>
+              </a:spcAft>
+              <a:buClr>
+                <a:srgbClr val="000000"/>
+              </a:buClr>
+              <a:buFont typeface="Arial"/>
+              <a:defRPr sz="1400" b="0" i="0" u="none" strike="noStrike" cap="none">
+                <a:solidFill>
+                  <a:srgbClr val="000000"/>
+                </a:solidFill>
+                <a:latin typeface="Arial"/>
+                <a:ea typeface="Arial"/>
+                <a:cs typeface="Arial"/>
+                <a:sym typeface="Arial"/>
+              </a:defRPr>
+            </a:lvl1pPr>
+            <a:lvl2pPr marR="0" lvl="1" algn="l" rtl="0">
+              <a:lnSpc>
+                <a:spcPct val="100000"/>
+              </a:lnSpc>
+              <a:spcBef>
+                <a:spcPts val="0"/>
+              </a:spcBef>
+              <a:spcAft>
+                <a:spcPts val="0"/>
+              </a:spcAft>
+              <a:buClr>
+                <a:srgbClr val="000000"/>
+              </a:buClr>
+              <a:buFont typeface="Arial"/>
+              <a:defRPr sz="1400" b="0" i="0" u="none" strike="noStrike" cap="none">
+                <a:solidFill>
+                  <a:srgbClr val="000000"/>
+                </a:solidFill>
+                <a:latin typeface="Arial"/>
+                <a:ea typeface="Arial"/>
+                <a:cs typeface="Arial"/>
+                <a:sym typeface="Arial"/>
+              </a:defRPr>
+            </a:lvl2pPr>
+            <a:lvl3pPr marR="0" lvl="2" algn="l" rtl="0">
+              <a:lnSpc>
+                <a:spcPct val="100000"/>
+              </a:lnSpc>
+              <a:spcBef>
+                <a:spcPts val="0"/>
+              </a:spcBef>
+              <a:spcAft>
+                <a:spcPts val="0"/>
+              </a:spcAft>
+              <a:buClr>
+                <a:srgbClr val="000000"/>
+              </a:buClr>
+              <a:buFont typeface="Arial"/>
+              <a:defRPr sz="1400" b="0" i="0" u="none" strike="noStrike" cap="none">
+                <a:solidFill>
+                  <a:srgbClr val="000000"/>
+                </a:solidFill>
+                <a:latin typeface="Arial"/>
+                <a:ea typeface="Arial"/>
+                <a:cs typeface="Arial"/>
+                <a:sym typeface="Arial"/>
+              </a:defRPr>
+            </a:lvl3pPr>
+            <a:lvl4pPr marR="0" lvl="3" algn="l" rtl="0">
+              <a:lnSpc>
+                <a:spcPct val="100000"/>
+              </a:lnSpc>
+              <a:spcBef>
+                <a:spcPts val="0"/>
+              </a:spcBef>
+              <a:spcAft>
+                <a:spcPts val="0"/>
+              </a:spcAft>
+              <a:buClr>
+                <a:srgbClr val="000000"/>
+              </a:buClr>
+              <a:buFont typeface="Arial"/>
+              <a:defRPr sz="1400" b="0" i="0" u="none" strike="noStrike" cap="none">
+                <a:solidFill>
+                  <a:srgbClr val="000000"/>
+                </a:solidFill>
+                <a:latin typeface="Arial"/>
+                <a:ea typeface="Arial"/>
+                <a:cs typeface="Arial"/>
+                <a:sym typeface="Arial"/>
+              </a:defRPr>
+            </a:lvl4pPr>
+            <a:lvl5pPr marR="0" lvl="4" algn="l" rtl="0">
+              <a:lnSpc>
+                <a:spcPct val="100000"/>
+              </a:lnSpc>
+              <a:spcBef>
+                <a:spcPts val="0"/>
+              </a:spcBef>
+              <a:spcAft>
+                <a:spcPts val="0"/>
+              </a:spcAft>
+              <a:buClr>
+                <a:srgbClr val="000000"/>
+              </a:buClr>
+              <a:buFont typeface="Arial"/>
+              <a:defRPr sz="1400" b="0" i="0" u="none" strike="noStrike" cap="none">
+                <a:solidFill>
+                  <a:srgbClr val="000000"/>
+                </a:solidFill>
+                <a:latin typeface="Arial"/>
+                <a:ea typeface="Arial"/>
+                <a:cs typeface="Arial"/>
+                <a:sym typeface="Arial"/>
+              </a:defRPr>
+            </a:lvl5pPr>
+            <a:lvl6pPr marR="0" lvl="5" algn="l" rtl="0">
+              <a:lnSpc>
+                <a:spcPct val="100000"/>
+              </a:lnSpc>
+              <a:spcBef>
+                <a:spcPts val="0"/>
+              </a:spcBef>
+              <a:spcAft>
+                <a:spcPts val="0"/>
+              </a:spcAft>
+              <a:buClr>
+                <a:srgbClr val="000000"/>
+              </a:buClr>
+              <a:buFont typeface="Arial"/>
+              <a:defRPr sz="1400" b="0" i="0" u="none" strike="noStrike" cap="none">
+                <a:solidFill>
+                  <a:srgbClr val="000000"/>
+                </a:solidFill>
+                <a:latin typeface="Arial"/>
+                <a:ea typeface="Arial"/>
+                <a:cs typeface="Arial"/>
+                <a:sym typeface="Arial"/>
+              </a:defRPr>
+            </a:lvl6pPr>
+            <a:lvl7pPr marR="0" lvl="6" algn="l" rtl="0">
+              <a:lnSpc>
+                <a:spcPct val="100000"/>
+              </a:lnSpc>
+              <a:spcBef>
+                <a:spcPts val="0"/>
+              </a:spcBef>
+              <a:spcAft>
+                <a:spcPts val="0"/>
+              </a:spcAft>
+              <a:buClr>
+                <a:srgbClr val="000000"/>
+              </a:buClr>
+              <a:buFont typeface="Arial"/>
+              <a:defRPr sz="1400" b="0" i="0" u="none" strike="noStrike" cap="none">
+                <a:solidFill>
+                  <a:srgbClr val="000000"/>
+                </a:solidFill>
+                <a:latin typeface="Arial"/>
+                <a:ea typeface="Arial"/>
+                <a:cs typeface="Arial"/>
+                <a:sym typeface="Arial"/>
+              </a:defRPr>
+            </a:lvl7pPr>
+            <a:lvl8pPr marR="0" lvl="7" algn="l" rtl="0">
+              <a:lnSpc>
+                <a:spcPct val="100000"/>
+              </a:lnSpc>
+              <a:spcBef>
+                <a:spcPts val="0"/>
+              </a:spcBef>
+              <a:spcAft>
+                <a:spcPts val="0"/>
+              </a:spcAft>
+              <a:buClr>
+                <a:srgbClr val="000000"/>
+              </a:buClr>
+              <a:buFont typeface="Arial"/>
+              <a:defRPr sz="1400" b="0" i="0" u="none" strike="noStrike" cap="none">
+                <a:solidFill>
+                  <a:srgbClr val="000000"/>
+                </a:solidFill>
+                <a:latin typeface="Arial"/>
+                <a:ea typeface="Arial"/>
+                <a:cs typeface="Arial"/>
+                <a:sym typeface="Arial"/>
+              </a:defRPr>
+            </a:lvl8pPr>
+            <a:lvl9pPr marR="0" lvl="8" algn="l" rtl="0">
+              <a:lnSpc>
+                <a:spcPct val="100000"/>
+              </a:lnSpc>
+              <a:spcBef>
+                <a:spcPts val="0"/>
+              </a:spcBef>
+              <a:spcAft>
+                <a:spcPts val="0"/>
+              </a:spcAft>
+              <a:buClr>
+                <a:srgbClr val="000000"/>
+              </a:buClr>
+              <a:buFont typeface="Arial"/>
+              <a:defRPr sz="1400" b="0" i="0" u="none" strike="noStrike" cap="none">
+                <a:solidFill>
+                  <a:srgbClr val="000000"/>
+                </a:solidFill>
+                <a:latin typeface="Arial"/>
+                <a:ea typeface="Arial"/>
+                <a:cs typeface="Arial"/>
+                <a:sym typeface="Arial"/>
+              </a:defRPr>
+            </a:lvl9pPr>
+          </a:lstStyle>
+          <a:p>
+            <a:pPr algn="ctr">
+              <a:buClr>
+                <a:schemeClr val="dk1"/>
+              </a:buClr>
+              <a:buSzPts val="6000"/>
+            </a:pPr>
+            <a:r>
+              <a:rPr lang="en" sz="6000" b="1" dirty="0" smtClean="0">
+                <a:solidFill>
+                  <a:schemeClr val="dk1"/>
+                </a:solidFill>
+                <a:latin typeface="Varela Round"/>
+                <a:cs typeface="Varela Round"/>
+                <a:sym typeface="Varela Round"/>
+              </a:rPr>
+              <a:t>04</a:t>
+            </a:r>
+            <a:endParaRPr lang="en" sz="6000" b="1" dirty="0">
+              <a:solidFill>
+                <a:schemeClr val="dk1"/>
+              </a:solidFill>
+              <a:latin typeface="Varela Round"/>
+              <a:cs typeface="Varela Round"/>
+              <a:sym typeface="Varela Round"/>
+            </a:endParaRPr>
+          </a:p>
+        </p:txBody>
+      </p:sp>
+      <p:sp>
+        <p:nvSpPr>
+          <p:cNvPr id="3" name="Google Shape;458;p32">
+            <a:extLst>
+              <a:ext uri="{FF2B5EF4-FFF2-40B4-BE49-F238E27FC236}">
+                <a16:creationId xmlns:a16="http://schemas.microsoft.com/office/drawing/2014/main" xmlns="" id="{B281EA46-C90C-3633-637E-6EF93385B033}"/>
+              </a:ext>
+            </a:extLst>
+          </p:cNvPr>
+          <p:cNvSpPr txBox="1">
+            <a:spLocks/>
+          </p:cNvSpPr>
+          <p:nvPr/>
+        </p:nvSpPr>
+        <p:spPr>
+          <a:xfrm>
+            <a:off x="3813213" y="386062"/>
+            <a:ext cx="4177500" cy="520378"/>
+          </a:xfrm>
+          <a:prstGeom prst="rect">
+            <a:avLst/>
+          </a:prstGeom>
+          <a:noFill/>
+          <a:ln>
+            <a:noFill/>
+          </a:ln>
+        </p:spPr>
+        <p:txBody>
+          <a:bodyPr spcFirstLastPara="1" wrap="square" lIns="91425" tIns="91425" rIns="91425" bIns="91425" anchor="ctr" anchorCtr="0">
+            <a:noAutofit/>
+          </a:bodyPr>
+          <a:lstStyle>
+            <a:defPPr marR="0" lvl="0" algn="l" rtl="0">
+              <a:lnSpc>
+                <a:spcPct val="100000"/>
+              </a:lnSpc>
+              <a:spcBef>
+                <a:spcPts val="0"/>
+              </a:spcBef>
+              <a:spcAft>
+                <a:spcPts val="0"/>
+              </a:spcAft>
+            </a:defPPr>
+            <a:lvl1pPr marL="457200" marR="0" lvl="0" indent="-317500" algn="ctr" rtl="0">
+              <a:lnSpc>
+                <a:spcPct val="100000"/>
+              </a:lnSpc>
+              <a:spcBef>
+                <a:spcPts val="0"/>
+              </a:spcBef>
+              <a:spcAft>
+                <a:spcPts val="0"/>
+              </a:spcAft>
+              <a:buClr>
+                <a:schemeClr val="dk2"/>
+              </a:buClr>
+              <a:buSzPts val="1400"/>
+              <a:buFont typeface="Lato"/>
+              <a:buNone/>
+              <a:defRPr sz="1400" b="0" i="0" u="none" strike="noStrike" cap="none">
+                <a:solidFill>
+                  <a:schemeClr val="dk2"/>
+                </a:solidFill>
+                <a:latin typeface="Lato"/>
+                <a:ea typeface="Lato"/>
+                <a:cs typeface="Lato"/>
+                <a:sym typeface="Lato"/>
+              </a:defRPr>
+            </a:lvl1pPr>
+            <a:lvl2pPr marL="914400" marR="0" lvl="1" indent="-317500" algn="ctr" rtl="0">
+              <a:lnSpc>
+                <a:spcPct val="100000"/>
+              </a:lnSpc>
+              <a:spcBef>
+                <a:spcPts val="1600"/>
+              </a:spcBef>
+              <a:spcAft>
+                <a:spcPts val="0"/>
+              </a:spcAft>
+              <a:buClr>
+                <a:schemeClr val="dk2"/>
+              </a:buClr>
+              <a:buSzPts val="1400"/>
+              <a:buFont typeface="Lato"/>
+              <a:buNone/>
+              <a:defRPr sz="1400" b="0" i="0" u="none" strike="noStrike" cap="none">
+                <a:solidFill>
+                  <a:schemeClr val="dk2"/>
+                </a:solidFill>
+                <a:latin typeface="Lato"/>
+                <a:ea typeface="Lato"/>
+                <a:cs typeface="Lato"/>
+                <a:sym typeface="Lato"/>
+              </a:defRPr>
+            </a:lvl2pPr>
+            <a:lvl3pPr marL="1371600" marR="0" lvl="2" indent="-317500" algn="ctr" rtl="0">
+              <a:lnSpc>
+                <a:spcPct val="100000"/>
+              </a:lnSpc>
+              <a:spcBef>
+                <a:spcPts val="1600"/>
+              </a:spcBef>
+              <a:spcAft>
+                <a:spcPts val="0"/>
+              </a:spcAft>
+              <a:buClr>
+                <a:schemeClr val="dk2"/>
+              </a:buClr>
+              <a:buSzPts val="1400"/>
+              <a:buFont typeface="Lato"/>
+              <a:buNone/>
+              <a:defRPr sz="1400" b="0" i="0" u="none" strike="noStrike" cap="none">
+                <a:solidFill>
+                  <a:schemeClr val="dk2"/>
+                </a:solidFill>
+                <a:latin typeface="Lato"/>
+                <a:ea typeface="Lato"/>
+                <a:cs typeface="Lato"/>
+                <a:sym typeface="Lato"/>
+              </a:defRPr>
+            </a:lvl3pPr>
+            <a:lvl4pPr marL="1828800" marR="0" lvl="3" indent="-317500" algn="ctr" rtl="0">
+              <a:lnSpc>
+                <a:spcPct val="100000"/>
+              </a:lnSpc>
+              <a:spcBef>
+                <a:spcPts val="1600"/>
+              </a:spcBef>
+              <a:spcAft>
+                <a:spcPts val="0"/>
+              </a:spcAft>
+              <a:buClr>
+                <a:schemeClr val="dk2"/>
+              </a:buClr>
+              <a:buSzPts val="1400"/>
+              <a:buFont typeface="Lato"/>
+              <a:buNone/>
+              <a:defRPr sz="1400" b="0" i="0" u="none" strike="noStrike" cap="none">
+                <a:solidFill>
+                  <a:schemeClr val="dk2"/>
+                </a:solidFill>
+                <a:latin typeface="Lato"/>
+                <a:ea typeface="Lato"/>
+                <a:cs typeface="Lato"/>
+                <a:sym typeface="Lato"/>
+              </a:defRPr>
+            </a:lvl4pPr>
+            <a:lvl5pPr marL="2286000" marR="0" lvl="4" indent="-317500" algn="ctr" rtl="0">
+              <a:lnSpc>
+                <a:spcPct val="100000"/>
+              </a:lnSpc>
+              <a:spcBef>
+                <a:spcPts val="1600"/>
+              </a:spcBef>
+              <a:spcAft>
+                <a:spcPts val="0"/>
+              </a:spcAft>
+              <a:buClr>
+                <a:schemeClr val="dk2"/>
+              </a:buClr>
+              <a:buSzPts val="1400"/>
+              <a:buFont typeface="Lato"/>
+              <a:buNone/>
+              <a:defRPr sz="1400" b="0" i="0" u="none" strike="noStrike" cap="none">
+                <a:solidFill>
+                  <a:schemeClr val="dk2"/>
+                </a:solidFill>
+                <a:latin typeface="Lato"/>
+                <a:ea typeface="Lato"/>
+                <a:cs typeface="Lato"/>
+                <a:sym typeface="Lato"/>
+              </a:defRPr>
+            </a:lvl5pPr>
+            <a:lvl6pPr marL="2743200" marR="0" lvl="5" indent="-317500" algn="ctr" rtl="0">
+              <a:lnSpc>
+                <a:spcPct val="100000"/>
+              </a:lnSpc>
+              <a:spcBef>
+                <a:spcPts val="1600"/>
+              </a:spcBef>
+              <a:spcAft>
+                <a:spcPts val="0"/>
+              </a:spcAft>
+              <a:buClr>
+                <a:schemeClr val="dk2"/>
+              </a:buClr>
+              <a:buSzPts val="1400"/>
+              <a:buFont typeface="Lato"/>
+              <a:buNone/>
+              <a:defRPr sz="1400" b="0" i="0" u="none" strike="noStrike" cap="none">
+                <a:solidFill>
+                  <a:schemeClr val="dk2"/>
+                </a:solidFill>
+                <a:latin typeface="Lato"/>
+                <a:ea typeface="Lato"/>
+                <a:cs typeface="Lato"/>
+                <a:sym typeface="Lato"/>
+              </a:defRPr>
+            </a:lvl6pPr>
+            <a:lvl7pPr marL="3200400" marR="0" lvl="6" indent="-317500" algn="ctr" rtl="0">
+              <a:lnSpc>
+                <a:spcPct val="100000"/>
+              </a:lnSpc>
+              <a:spcBef>
+                <a:spcPts val="1600"/>
+              </a:spcBef>
+              <a:spcAft>
+                <a:spcPts val="0"/>
+              </a:spcAft>
+              <a:buClr>
+                <a:schemeClr val="dk2"/>
+              </a:buClr>
+              <a:buSzPts val="1400"/>
+              <a:buFont typeface="Lato"/>
+              <a:buNone/>
+              <a:defRPr sz="1400" b="0" i="0" u="none" strike="noStrike" cap="none">
+                <a:solidFill>
+                  <a:schemeClr val="dk2"/>
+                </a:solidFill>
+                <a:latin typeface="Lato"/>
+                <a:ea typeface="Lato"/>
+                <a:cs typeface="Lato"/>
+                <a:sym typeface="Lato"/>
+              </a:defRPr>
+            </a:lvl7pPr>
+            <a:lvl8pPr marL="3657600" marR="0" lvl="7" indent="-317500" algn="ctr" rtl="0">
+              <a:lnSpc>
+                <a:spcPct val="100000"/>
+              </a:lnSpc>
+              <a:spcBef>
+                <a:spcPts val="1600"/>
+              </a:spcBef>
+              <a:spcAft>
+                <a:spcPts val="0"/>
+              </a:spcAft>
+              <a:buClr>
+                <a:schemeClr val="dk2"/>
+              </a:buClr>
+              <a:buSzPts val="1400"/>
+              <a:buFont typeface="Lato"/>
+              <a:buNone/>
+              <a:defRPr sz="1400" b="0" i="0" u="none" strike="noStrike" cap="none">
+                <a:solidFill>
+                  <a:schemeClr val="dk2"/>
+                </a:solidFill>
+                <a:latin typeface="Lato"/>
+                <a:ea typeface="Lato"/>
+                <a:cs typeface="Lato"/>
+                <a:sym typeface="Lato"/>
+              </a:defRPr>
+            </a:lvl8pPr>
+            <a:lvl9pPr marL="4114800" marR="0" lvl="8" indent="-317500" algn="ctr" rtl="0">
+              <a:lnSpc>
+                <a:spcPct val="100000"/>
+              </a:lnSpc>
+              <a:spcBef>
+                <a:spcPts val="1600"/>
+              </a:spcBef>
+              <a:spcAft>
+                <a:spcPts val="1600"/>
+              </a:spcAft>
+              <a:buClr>
+                <a:schemeClr val="dk2"/>
+              </a:buClr>
+              <a:buSzPts val="1400"/>
+              <a:buFont typeface="Lato"/>
+              <a:buNone/>
+              <a:defRPr sz="1400" b="0" i="0" u="none" strike="noStrike" cap="none">
+                <a:solidFill>
+                  <a:schemeClr val="dk2"/>
+                </a:solidFill>
+                <a:latin typeface="Lato"/>
+                <a:ea typeface="Lato"/>
+                <a:cs typeface="Lato"/>
+                <a:sym typeface="Lato"/>
+              </a:defRPr>
+            </a:lvl9pPr>
+          </a:lstStyle>
+          <a:p>
+            <a:pPr marL="0" indent="0"/>
+            <a:r>
+              <a:rPr lang="uk-UA" dirty="0"/>
+              <a:t>Виконав</a:t>
+            </a:r>
+            <a:r>
+              <a:rPr lang="en-US" dirty="0"/>
+              <a:t> </a:t>
+            </a:r>
+            <a:r>
+              <a:rPr lang="uk-UA" dirty="0"/>
+              <a:t>студент</a:t>
+            </a:r>
+            <a:r>
+              <a:rPr lang="en-US" dirty="0"/>
+              <a:t>:</a:t>
+            </a:r>
+            <a:r>
+              <a:rPr lang="uk-UA" dirty="0"/>
+              <a:t> </a:t>
+            </a:r>
+            <a:r>
+              <a:rPr lang="uk-UA" dirty="0" err="1"/>
+              <a:t>Дзизиль</a:t>
+            </a:r>
+            <a:r>
+              <a:rPr lang="uk-UA" dirty="0"/>
+              <a:t> Д.Є.</a:t>
+            </a:r>
+            <a:endParaRPr lang="en-US" dirty="0"/>
+          </a:p>
+        </p:txBody>
+      </p:sp>
+      <p:pic>
+        <p:nvPicPr>
+          <p:cNvPr id="4" name="Рисунок 3"/>
+          <p:cNvPicPr>
+            <a:picLocks noChangeAspect="1"/>
+          </p:cNvPicPr>
+          <p:nvPr/>
+        </p:nvPicPr>
+        <p:blipFill>
+          <a:blip r:embed="rId3"/>
+          <a:stretch>
+            <a:fillRect/>
+          </a:stretch>
+        </p:blipFill>
+        <p:spPr>
+          <a:xfrm>
+            <a:off x="2674961" y="1718283"/>
+            <a:ext cx="3695909" cy="2967718"/>
+          </a:xfrm>
+          <a:prstGeom prst="rect">
+            <a:avLst/>
+          </a:prstGeom>
+        </p:spPr>
+      </p:pic>
+    </p:spTree>
+    <p:extLst>
+      <p:ext uri="{BB962C8B-B14F-4D97-AF65-F5344CB8AC3E}">
+        <p14:creationId xmlns:p14="http://schemas.microsoft.com/office/powerpoint/2010/main" val="563664412"/>
+      </p:ext>
+    </p:extLst>
+  </p:cSld>
+  <p:clrMapOvr>
+    <a:masterClrMapping/>
+  </p:clrMapOvr>
+  <p:timing>
+    <p:tnLst>
+      <p:par>
+        <p:cTn id="1" dur="indefinite" restart="never" nodeType="tmRoot"/>
+      </p:par>
+    </p:tnLst>
+  </p:timing>
+</p:sld>
+</file>
+
+<file path=ppt/slides/slide24.xml><?xml version="1.0" encoding="utf-8"?>
+<p:sld xmlns:a="http://schemas.openxmlformats.org/drawingml/2006/main" xmlns:r="http://schemas.openxmlformats.org/officeDocument/2006/relationships" xmlns:p="http://schemas.openxmlformats.org/presentationml/2006/main">
+  <p:cSld>
+    <p:spTree>
+      <p:nvGrpSpPr>
+        <p:cNvPr id="1" name="Shape 524"/>
+        <p:cNvGrpSpPr/>
+        <p:nvPr/>
+      </p:nvGrpSpPr>
+      <p:grpSpPr>
+        <a:xfrm>
+          <a:off x="0" y="0"/>
+          <a:ext cx="0" cy="0"/>
+          <a:chOff x="0" y="0"/>
+          <a:chExt cx="0" cy="0"/>
+        </a:xfrm>
+      </p:grpSpPr>
+      <p:grpSp>
+        <p:nvGrpSpPr>
+          <p:cNvPr id="525" name="Google Shape;525;p37"/>
+          <p:cNvGrpSpPr/>
+          <p:nvPr/>
+        </p:nvGrpSpPr>
+        <p:grpSpPr>
+          <a:xfrm>
+            <a:off x="1639087" y="1122745"/>
+            <a:ext cx="5678918" cy="3608039"/>
+            <a:chOff x="2333960" y="2049193"/>
+            <a:chExt cx="1137900" cy="861417"/>
+          </a:xfrm>
+        </p:grpSpPr>
+        <p:sp>
+          <p:nvSpPr>
+            <p:cNvPr id="526" name="Google Shape;526;p37"/>
+            <p:cNvSpPr/>
+            <p:nvPr/>
+          </p:nvSpPr>
+          <p:spPr>
+            <a:xfrm>
+              <a:off x="2333960" y="2049193"/>
+              <a:ext cx="539100" cy="630900"/>
+            </a:xfrm>
+            <a:prstGeom prst="roundRect">
+              <a:avLst>
+                <a:gd name="adj" fmla="val 6278"/>
+              </a:avLst>
+            </a:prstGeom>
+            <a:solidFill>
+              <a:schemeClr val="lt2"/>
+            </a:solidFill>
+            <a:ln w="28575" cap="flat" cmpd="sng">
+              <a:solidFill>
+                <a:schemeClr val="dk1"/>
+              </a:solidFill>
+              <a:prstDash val="solid"/>
+              <a:round/>
+              <a:headEnd type="none" w="sm" len="sm"/>
+              <a:tailEnd type="none" w="sm" len="sm"/>
+            </a:ln>
+            <a:effectLst>
+              <a:outerShdw dist="38100" dir="2040000" algn="bl" rotWithShape="0">
+                <a:schemeClr val="dk1"/>
+              </a:outerShdw>
+            </a:effectLst>
+          </p:spPr>
+          <p:txBody>
+            <a:bodyPr spcFirstLastPara="1" wrap="square" lIns="91425" tIns="91425" rIns="91425" bIns="91425" anchor="ctr" anchorCtr="0">
+              <a:noAutofit/>
+            </a:bodyPr>
+            <a:lstStyle/>
+            <a:p>
+              <a:pPr marL="0" lvl="0" indent="0" algn="l" rtl="0">
+                <a:spcBef>
+                  <a:spcPts val="0"/>
+                </a:spcBef>
+                <a:spcAft>
+                  <a:spcPts val="0"/>
+                </a:spcAft>
+                <a:buNone/>
+              </a:pPr>
+              <a:endParaRPr/>
+            </a:p>
+          </p:txBody>
+        </p:sp>
+        <p:sp>
+          <p:nvSpPr>
+            <p:cNvPr id="527" name="Google Shape;527;p37"/>
+            <p:cNvSpPr/>
+            <p:nvPr/>
+          </p:nvSpPr>
+          <p:spPr>
+            <a:xfrm>
+              <a:off x="2333960" y="2175010"/>
+              <a:ext cx="1137900" cy="735600"/>
+            </a:xfrm>
+            <a:prstGeom prst="roundRect">
+              <a:avLst>
+                <a:gd name="adj" fmla="val 5762"/>
+              </a:avLst>
+            </a:prstGeom>
+            <a:solidFill>
+              <a:schemeClr val="lt2"/>
+            </a:solidFill>
+            <a:ln w="28575" cap="flat" cmpd="sng">
+              <a:solidFill>
+                <a:schemeClr val="dk1"/>
+              </a:solidFill>
+              <a:prstDash val="solid"/>
+              <a:round/>
+              <a:headEnd type="none" w="sm" len="sm"/>
+              <a:tailEnd type="none" w="sm" len="sm"/>
+            </a:ln>
+            <a:effectLst>
+              <a:outerShdw dist="95250" dir="2040000" algn="bl" rotWithShape="0">
+                <a:schemeClr val="dk1"/>
+              </a:outerShdw>
+            </a:effectLst>
+          </p:spPr>
+          <p:txBody>
+            <a:bodyPr spcFirstLastPara="1" wrap="square" lIns="91425" tIns="91425" rIns="91425" bIns="91425" anchor="ctr" anchorCtr="0">
+              <a:noAutofit/>
+            </a:bodyPr>
+            <a:lstStyle/>
+            <a:p>
+              <a:pPr marL="0" lvl="0" indent="0" algn="l" rtl="0">
+                <a:spcBef>
+                  <a:spcPts val="0"/>
+                </a:spcBef>
+                <a:spcAft>
+                  <a:spcPts val="0"/>
+                </a:spcAft>
+                <a:buNone/>
+              </a:pPr>
+              <a:endParaRPr/>
+            </a:p>
+          </p:txBody>
+        </p:sp>
+      </p:grpSp>
+      <p:sp>
+        <p:nvSpPr>
+          <p:cNvPr id="528" name="Google Shape;528;p37"/>
+          <p:cNvSpPr txBox="1">
+            <a:spLocks noGrp="1"/>
+          </p:cNvSpPr>
+          <p:nvPr>
+            <p:ph type="title"/>
+          </p:nvPr>
+        </p:nvSpPr>
+        <p:spPr>
+          <a:xfrm>
+            <a:off x="1549021" y="1173707"/>
+            <a:ext cx="2864617" cy="503068"/>
+          </a:xfrm>
+          <a:prstGeom prst="rect">
+            <a:avLst/>
+          </a:prstGeom>
+        </p:spPr>
+        <p:txBody>
+          <a:bodyPr spcFirstLastPara="1" wrap="square" lIns="91425" tIns="91425" rIns="91425" bIns="91425" anchor="ctr" anchorCtr="0">
+            <a:noAutofit/>
+          </a:bodyPr>
+          <a:lstStyle/>
+          <a:p>
+            <a:pPr lvl="0"/>
+            <a:r>
+              <a:rPr lang="en-GB" dirty="0"/>
+              <a:t>Sharing audio-file</a:t>
+            </a:r>
+            <a:endParaRPr lang="en-GB" dirty="0"/>
+          </a:p>
+        </p:txBody>
+      </p:sp>
+      <p:sp>
+        <p:nvSpPr>
+          <p:cNvPr id="2" name="Google Shape;511;p35">
+            <a:extLst>
+              <a:ext uri="{FF2B5EF4-FFF2-40B4-BE49-F238E27FC236}">
+                <a16:creationId xmlns:a16="http://schemas.microsoft.com/office/drawing/2014/main" xmlns="" id="{324CC8F1-3796-605E-CF83-341E97B9417E}"/>
+              </a:ext>
+            </a:extLst>
+          </p:cNvPr>
+          <p:cNvSpPr txBox="1">
+            <a:spLocks/>
+          </p:cNvSpPr>
+          <p:nvPr/>
+        </p:nvSpPr>
+        <p:spPr>
+          <a:xfrm>
+            <a:off x="7411453" y="396231"/>
+            <a:ext cx="1529753" cy="860137"/>
+          </a:xfrm>
+          <a:prstGeom prst="rect">
+            <a:avLst/>
+          </a:prstGeom>
+        </p:spPr>
+        <p:txBody>
+          <a:bodyPr spcFirstLastPara="1" wrap="square" lIns="91425" tIns="91425" rIns="91425" bIns="91425" anchor="ctr" anchorCtr="0">
+            <a:noAutofit/>
+          </a:bodyPr>
+          <a:lstStyle>
+            <a:defPPr marR="0" lvl="0" algn="l" rtl="0">
+              <a:lnSpc>
+                <a:spcPct val="100000"/>
+              </a:lnSpc>
+              <a:spcBef>
+                <a:spcPts val="0"/>
+              </a:spcBef>
+              <a:spcAft>
+                <a:spcPts val="0"/>
+              </a:spcAft>
+            </a:defPPr>
+            <a:lvl1pPr marR="0" lvl="0" algn="l" rtl="0">
+              <a:lnSpc>
+                <a:spcPct val="100000"/>
+              </a:lnSpc>
+              <a:spcBef>
+                <a:spcPts val="0"/>
+              </a:spcBef>
+              <a:spcAft>
+                <a:spcPts val="0"/>
+              </a:spcAft>
+              <a:buClr>
+                <a:srgbClr val="000000"/>
+              </a:buClr>
+              <a:buFont typeface="Arial"/>
+              <a:defRPr sz="1400" b="0" i="0" u="none" strike="noStrike" cap="none">
+                <a:solidFill>
+                  <a:srgbClr val="000000"/>
+                </a:solidFill>
+                <a:latin typeface="Arial"/>
+                <a:ea typeface="Arial"/>
+                <a:cs typeface="Arial"/>
+                <a:sym typeface="Arial"/>
+              </a:defRPr>
+            </a:lvl1pPr>
+            <a:lvl2pPr marR="0" lvl="1" algn="l" rtl="0">
+              <a:lnSpc>
+                <a:spcPct val="100000"/>
+              </a:lnSpc>
+              <a:spcBef>
+                <a:spcPts val="0"/>
+              </a:spcBef>
+              <a:spcAft>
+                <a:spcPts val="0"/>
+              </a:spcAft>
+              <a:buClr>
+                <a:srgbClr val="000000"/>
+              </a:buClr>
+              <a:buFont typeface="Arial"/>
+              <a:defRPr sz="1400" b="0" i="0" u="none" strike="noStrike" cap="none">
+                <a:solidFill>
+                  <a:srgbClr val="000000"/>
+                </a:solidFill>
+                <a:latin typeface="Arial"/>
+                <a:ea typeface="Arial"/>
+                <a:cs typeface="Arial"/>
+                <a:sym typeface="Arial"/>
+              </a:defRPr>
+            </a:lvl2pPr>
+            <a:lvl3pPr marR="0" lvl="2" algn="l" rtl="0">
+              <a:lnSpc>
+                <a:spcPct val="100000"/>
+              </a:lnSpc>
+              <a:spcBef>
+                <a:spcPts val="0"/>
+              </a:spcBef>
+              <a:spcAft>
+                <a:spcPts val="0"/>
+              </a:spcAft>
+              <a:buClr>
+                <a:srgbClr val="000000"/>
+              </a:buClr>
+              <a:buFont typeface="Arial"/>
+              <a:defRPr sz="1400" b="0" i="0" u="none" strike="noStrike" cap="none">
+                <a:solidFill>
+                  <a:srgbClr val="000000"/>
+                </a:solidFill>
+                <a:latin typeface="Arial"/>
+                <a:ea typeface="Arial"/>
+                <a:cs typeface="Arial"/>
+                <a:sym typeface="Arial"/>
+              </a:defRPr>
+            </a:lvl3pPr>
+            <a:lvl4pPr marR="0" lvl="3" algn="l" rtl="0">
+              <a:lnSpc>
+                <a:spcPct val="100000"/>
+              </a:lnSpc>
+              <a:spcBef>
+                <a:spcPts val="0"/>
+              </a:spcBef>
+              <a:spcAft>
+                <a:spcPts val="0"/>
+              </a:spcAft>
+              <a:buClr>
+                <a:srgbClr val="000000"/>
+              </a:buClr>
+              <a:buFont typeface="Arial"/>
+              <a:defRPr sz="1400" b="0" i="0" u="none" strike="noStrike" cap="none">
+                <a:solidFill>
+                  <a:srgbClr val="000000"/>
+                </a:solidFill>
+                <a:latin typeface="Arial"/>
+                <a:ea typeface="Arial"/>
+                <a:cs typeface="Arial"/>
+                <a:sym typeface="Arial"/>
+              </a:defRPr>
+            </a:lvl4pPr>
+            <a:lvl5pPr marR="0" lvl="4" algn="l" rtl="0">
+              <a:lnSpc>
+                <a:spcPct val="100000"/>
+              </a:lnSpc>
+              <a:spcBef>
+                <a:spcPts val="0"/>
+              </a:spcBef>
+              <a:spcAft>
+                <a:spcPts val="0"/>
+              </a:spcAft>
+              <a:buClr>
+                <a:srgbClr val="000000"/>
+              </a:buClr>
+              <a:buFont typeface="Arial"/>
+              <a:defRPr sz="1400" b="0" i="0" u="none" strike="noStrike" cap="none">
+                <a:solidFill>
+                  <a:srgbClr val="000000"/>
+                </a:solidFill>
+                <a:latin typeface="Arial"/>
+                <a:ea typeface="Arial"/>
+                <a:cs typeface="Arial"/>
+                <a:sym typeface="Arial"/>
+              </a:defRPr>
+            </a:lvl5pPr>
+            <a:lvl6pPr marR="0" lvl="5" algn="l" rtl="0">
+              <a:lnSpc>
+                <a:spcPct val="100000"/>
+              </a:lnSpc>
+              <a:spcBef>
+                <a:spcPts val="0"/>
+              </a:spcBef>
+              <a:spcAft>
+                <a:spcPts val="0"/>
+              </a:spcAft>
+              <a:buClr>
+                <a:srgbClr val="000000"/>
+              </a:buClr>
+              <a:buFont typeface="Arial"/>
+              <a:defRPr sz="1400" b="0" i="0" u="none" strike="noStrike" cap="none">
+                <a:solidFill>
+                  <a:srgbClr val="000000"/>
+                </a:solidFill>
+                <a:latin typeface="Arial"/>
+                <a:ea typeface="Arial"/>
+                <a:cs typeface="Arial"/>
+                <a:sym typeface="Arial"/>
+              </a:defRPr>
+            </a:lvl6pPr>
+            <a:lvl7pPr marR="0" lvl="6" algn="l" rtl="0">
+              <a:lnSpc>
+                <a:spcPct val="100000"/>
+              </a:lnSpc>
+              <a:spcBef>
+                <a:spcPts val="0"/>
+              </a:spcBef>
+              <a:spcAft>
+                <a:spcPts val="0"/>
+              </a:spcAft>
+              <a:buClr>
+                <a:srgbClr val="000000"/>
+              </a:buClr>
+              <a:buFont typeface="Arial"/>
+              <a:defRPr sz="1400" b="0" i="0" u="none" strike="noStrike" cap="none">
+                <a:solidFill>
+                  <a:srgbClr val="000000"/>
+                </a:solidFill>
+                <a:latin typeface="Arial"/>
+                <a:ea typeface="Arial"/>
+                <a:cs typeface="Arial"/>
+                <a:sym typeface="Arial"/>
+              </a:defRPr>
+            </a:lvl7pPr>
+            <a:lvl8pPr marR="0" lvl="7" algn="l" rtl="0">
+              <a:lnSpc>
+                <a:spcPct val="100000"/>
+              </a:lnSpc>
+              <a:spcBef>
+                <a:spcPts val="0"/>
+              </a:spcBef>
+              <a:spcAft>
+                <a:spcPts val="0"/>
+              </a:spcAft>
+              <a:buClr>
+                <a:srgbClr val="000000"/>
+              </a:buClr>
+              <a:buFont typeface="Arial"/>
+              <a:defRPr sz="1400" b="0" i="0" u="none" strike="noStrike" cap="none">
+                <a:solidFill>
+                  <a:srgbClr val="000000"/>
+                </a:solidFill>
+                <a:latin typeface="Arial"/>
+                <a:ea typeface="Arial"/>
+                <a:cs typeface="Arial"/>
+                <a:sym typeface="Arial"/>
+              </a:defRPr>
+            </a:lvl8pPr>
+            <a:lvl9pPr marR="0" lvl="8" algn="l" rtl="0">
+              <a:lnSpc>
+                <a:spcPct val="100000"/>
+              </a:lnSpc>
+              <a:spcBef>
+                <a:spcPts val="0"/>
+              </a:spcBef>
+              <a:spcAft>
+                <a:spcPts val="0"/>
+              </a:spcAft>
+              <a:buClr>
+                <a:srgbClr val="000000"/>
+              </a:buClr>
+              <a:buFont typeface="Arial"/>
+              <a:defRPr sz="1400" b="0" i="0" u="none" strike="noStrike" cap="none">
+                <a:solidFill>
+                  <a:srgbClr val="000000"/>
+                </a:solidFill>
+                <a:latin typeface="Arial"/>
+                <a:ea typeface="Arial"/>
+                <a:cs typeface="Arial"/>
+                <a:sym typeface="Arial"/>
+              </a:defRPr>
+            </a:lvl9pPr>
+          </a:lstStyle>
+          <a:p>
+            <a:pPr algn="ctr">
+              <a:buClr>
+                <a:schemeClr val="dk1"/>
+              </a:buClr>
+              <a:buSzPts val="6000"/>
+            </a:pPr>
+            <a:r>
+              <a:rPr lang="en" sz="6000" b="1" dirty="0" smtClean="0">
+                <a:solidFill>
+                  <a:schemeClr val="dk1"/>
+                </a:solidFill>
+                <a:latin typeface="Varela Round"/>
+                <a:cs typeface="Varela Round"/>
+                <a:sym typeface="Varela Round"/>
+              </a:rPr>
+              <a:t>04</a:t>
+            </a:r>
+            <a:endParaRPr lang="en" sz="6000" b="1" dirty="0">
+              <a:solidFill>
+                <a:schemeClr val="dk1"/>
+              </a:solidFill>
+              <a:latin typeface="Varela Round"/>
+              <a:cs typeface="Varela Round"/>
+              <a:sym typeface="Varela Round"/>
+            </a:endParaRPr>
+          </a:p>
+        </p:txBody>
+      </p:sp>
+      <p:sp>
+        <p:nvSpPr>
+          <p:cNvPr id="3" name="Google Shape;458;p32">
+            <a:extLst>
+              <a:ext uri="{FF2B5EF4-FFF2-40B4-BE49-F238E27FC236}">
+                <a16:creationId xmlns:a16="http://schemas.microsoft.com/office/drawing/2014/main" xmlns="" id="{B281EA46-C90C-3633-637E-6EF93385B033}"/>
+              </a:ext>
+            </a:extLst>
+          </p:cNvPr>
+          <p:cNvSpPr txBox="1">
+            <a:spLocks/>
+          </p:cNvSpPr>
+          <p:nvPr/>
+        </p:nvSpPr>
+        <p:spPr>
+          <a:xfrm>
+            <a:off x="3813213" y="386062"/>
+            <a:ext cx="4177500" cy="520378"/>
+          </a:xfrm>
+          <a:prstGeom prst="rect">
+            <a:avLst/>
+          </a:prstGeom>
+          <a:noFill/>
+          <a:ln>
+            <a:noFill/>
+          </a:ln>
+        </p:spPr>
+        <p:txBody>
+          <a:bodyPr spcFirstLastPara="1" wrap="square" lIns="91425" tIns="91425" rIns="91425" bIns="91425" anchor="ctr" anchorCtr="0">
+            <a:noAutofit/>
+          </a:bodyPr>
+          <a:lstStyle>
+            <a:defPPr marR="0" lvl="0" algn="l" rtl="0">
+              <a:lnSpc>
+                <a:spcPct val="100000"/>
+              </a:lnSpc>
+              <a:spcBef>
+                <a:spcPts val="0"/>
+              </a:spcBef>
+              <a:spcAft>
+                <a:spcPts val="0"/>
+              </a:spcAft>
+            </a:defPPr>
+            <a:lvl1pPr marL="457200" marR="0" lvl="0" indent="-317500" algn="ctr" rtl="0">
+              <a:lnSpc>
+                <a:spcPct val="100000"/>
+              </a:lnSpc>
+              <a:spcBef>
+                <a:spcPts val="0"/>
+              </a:spcBef>
+              <a:spcAft>
+                <a:spcPts val="0"/>
+              </a:spcAft>
+              <a:buClr>
+                <a:schemeClr val="dk2"/>
+              </a:buClr>
+              <a:buSzPts val="1400"/>
+              <a:buFont typeface="Lato"/>
+              <a:buNone/>
+              <a:defRPr sz="1400" b="0" i="0" u="none" strike="noStrike" cap="none">
+                <a:solidFill>
+                  <a:schemeClr val="dk2"/>
+                </a:solidFill>
+                <a:latin typeface="Lato"/>
+                <a:ea typeface="Lato"/>
+                <a:cs typeface="Lato"/>
+                <a:sym typeface="Lato"/>
+              </a:defRPr>
+            </a:lvl1pPr>
+            <a:lvl2pPr marL="914400" marR="0" lvl="1" indent="-317500" algn="ctr" rtl="0">
+              <a:lnSpc>
+                <a:spcPct val="100000"/>
+              </a:lnSpc>
+              <a:spcBef>
+                <a:spcPts val="1600"/>
+              </a:spcBef>
+              <a:spcAft>
+                <a:spcPts val="0"/>
+              </a:spcAft>
+              <a:buClr>
+                <a:schemeClr val="dk2"/>
+              </a:buClr>
+              <a:buSzPts val="1400"/>
+              <a:buFont typeface="Lato"/>
+              <a:buNone/>
+              <a:defRPr sz="1400" b="0" i="0" u="none" strike="noStrike" cap="none">
+                <a:solidFill>
+                  <a:schemeClr val="dk2"/>
+                </a:solidFill>
+                <a:latin typeface="Lato"/>
+                <a:ea typeface="Lato"/>
+                <a:cs typeface="Lato"/>
+                <a:sym typeface="Lato"/>
+              </a:defRPr>
+            </a:lvl2pPr>
+            <a:lvl3pPr marL="1371600" marR="0" lvl="2" indent="-317500" algn="ctr" rtl="0">
+              <a:lnSpc>
+                <a:spcPct val="100000"/>
+              </a:lnSpc>
+              <a:spcBef>
+                <a:spcPts val="1600"/>
+              </a:spcBef>
+              <a:spcAft>
+                <a:spcPts val="0"/>
+              </a:spcAft>
+              <a:buClr>
+                <a:schemeClr val="dk2"/>
+              </a:buClr>
+              <a:buSzPts val="1400"/>
+              <a:buFont typeface="Lato"/>
+              <a:buNone/>
+              <a:defRPr sz="1400" b="0" i="0" u="none" strike="noStrike" cap="none">
+                <a:solidFill>
+                  <a:schemeClr val="dk2"/>
+                </a:solidFill>
+                <a:latin typeface="Lato"/>
+                <a:ea typeface="Lato"/>
+                <a:cs typeface="Lato"/>
+                <a:sym typeface="Lato"/>
+              </a:defRPr>
+            </a:lvl3pPr>
+            <a:lvl4pPr marL="1828800" marR="0" lvl="3" indent="-317500" algn="ctr" rtl="0">
+              <a:lnSpc>
+                <a:spcPct val="100000"/>
+              </a:lnSpc>
+              <a:spcBef>
+                <a:spcPts val="1600"/>
+              </a:spcBef>
+              <a:spcAft>
+                <a:spcPts val="0"/>
+              </a:spcAft>
+              <a:buClr>
+                <a:schemeClr val="dk2"/>
+              </a:buClr>
+              <a:buSzPts val="1400"/>
+              <a:buFont typeface="Lato"/>
+              <a:buNone/>
+              <a:defRPr sz="1400" b="0" i="0" u="none" strike="noStrike" cap="none">
+                <a:solidFill>
+                  <a:schemeClr val="dk2"/>
+                </a:solidFill>
+                <a:latin typeface="Lato"/>
+                <a:ea typeface="Lato"/>
+                <a:cs typeface="Lato"/>
+                <a:sym typeface="Lato"/>
+              </a:defRPr>
+            </a:lvl4pPr>
+            <a:lvl5pPr marL="2286000" marR="0" lvl="4" indent="-317500" algn="ctr" rtl="0">
+              <a:lnSpc>
+                <a:spcPct val="100000"/>
+              </a:lnSpc>
+              <a:spcBef>
+                <a:spcPts val="1600"/>
+              </a:spcBef>
+              <a:spcAft>
+                <a:spcPts val="0"/>
+              </a:spcAft>
+              <a:buClr>
+                <a:schemeClr val="dk2"/>
+              </a:buClr>
+              <a:buSzPts val="1400"/>
+              <a:buFont typeface="Lato"/>
+              <a:buNone/>
+              <a:defRPr sz="1400" b="0" i="0" u="none" strike="noStrike" cap="none">
+                <a:solidFill>
+                  <a:schemeClr val="dk2"/>
+                </a:solidFill>
+                <a:latin typeface="Lato"/>
+                <a:ea typeface="Lato"/>
+                <a:cs typeface="Lato"/>
+                <a:sym typeface="Lato"/>
+              </a:defRPr>
+            </a:lvl5pPr>
+            <a:lvl6pPr marL="2743200" marR="0" lvl="5" indent="-317500" algn="ctr" rtl="0">
+              <a:lnSpc>
+                <a:spcPct val="100000"/>
+              </a:lnSpc>
+              <a:spcBef>
+                <a:spcPts val="1600"/>
+              </a:spcBef>
+              <a:spcAft>
+                <a:spcPts val="0"/>
+              </a:spcAft>
+              <a:buClr>
+                <a:schemeClr val="dk2"/>
+              </a:buClr>
+              <a:buSzPts val="1400"/>
+              <a:buFont typeface="Lato"/>
+              <a:buNone/>
+              <a:defRPr sz="1400" b="0" i="0" u="none" strike="noStrike" cap="none">
+                <a:solidFill>
+                  <a:schemeClr val="dk2"/>
+                </a:solidFill>
+                <a:latin typeface="Lato"/>
+                <a:ea typeface="Lato"/>
+                <a:cs typeface="Lato"/>
+                <a:sym typeface="Lato"/>
+              </a:defRPr>
+            </a:lvl6pPr>
+            <a:lvl7pPr marL="3200400" marR="0" lvl="6" indent="-317500" algn="ctr" rtl="0">
+              <a:lnSpc>
+                <a:spcPct val="100000"/>
+              </a:lnSpc>
+              <a:spcBef>
+                <a:spcPts val="1600"/>
+              </a:spcBef>
+              <a:spcAft>
+                <a:spcPts val="0"/>
+              </a:spcAft>
+              <a:buClr>
+                <a:schemeClr val="dk2"/>
+              </a:buClr>
+              <a:buSzPts val="1400"/>
+              <a:buFont typeface="Lato"/>
+              <a:buNone/>
+              <a:defRPr sz="1400" b="0" i="0" u="none" strike="noStrike" cap="none">
+                <a:solidFill>
+                  <a:schemeClr val="dk2"/>
+                </a:solidFill>
+                <a:latin typeface="Lato"/>
+                <a:ea typeface="Lato"/>
+                <a:cs typeface="Lato"/>
+                <a:sym typeface="Lato"/>
+              </a:defRPr>
+            </a:lvl7pPr>
+            <a:lvl8pPr marL="3657600" marR="0" lvl="7" indent="-317500" algn="ctr" rtl="0">
+              <a:lnSpc>
+                <a:spcPct val="100000"/>
+              </a:lnSpc>
+              <a:spcBef>
+                <a:spcPts val="1600"/>
+              </a:spcBef>
+              <a:spcAft>
+                <a:spcPts val="0"/>
+              </a:spcAft>
+              <a:buClr>
+                <a:schemeClr val="dk2"/>
+              </a:buClr>
+              <a:buSzPts val="1400"/>
+              <a:buFont typeface="Lato"/>
+              <a:buNone/>
+              <a:defRPr sz="1400" b="0" i="0" u="none" strike="noStrike" cap="none">
+                <a:solidFill>
+                  <a:schemeClr val="dk2"/>
+                </a:solidFill>
+                <a:latin typeface="Lato"/>
+                <a:ea typeface="Lato"/>
+                <a:cs typeface="Lato"/>
+                <a:sym typeface="Lato"/>
+              </a:defRPr>
+            </a:lvl8pPr>
+            <a:lvl9pPr marL="4114800" marR="0" lvl="8" indent="-317500" algn="ctr" rtl="0">
+              <a:lnSpc>
+                <a:spcPct val="100000"/>
+              </a:lnSpc>
+              <a:spcBef>
+                <a:spcPts val="1600"/>
+              </a:spcBef>
+              <a:spcAft>
+                <a:spcPts val="1600"/>
+              </a:spcAft>
+              <a:buClr>
+                <a:schemeClr val="dk2"/>
+              </a:buClr>
+              <a:buSzPts val="1400"/>
+              <a:buFont typeface="Lato"/>
+              <a:buNone/>
+              <a:defRPr sz="1400" b="0" i="0" u="none" strike="noStrike" cap="none">
+                <a:solidFill>
+                  <a:schemeClr val="dk2"/>
+                </a:solidFill>
+                <a:latin typeface="Lato"/>
+                <a:ea typeface="Lato"/>
+                <a:cs typeface="Lato"/>
+                <a:sym typeface="Lato"/>
+              </a:defRPr>
+            </a:lvl9pPr>
+          </a:lstStyle>
+          <a:p>
+            <a:pPr marL="0" indent="0"/>
+            <a:r>
+              <a:rPr lang="uk-UA" dirty="0"/>
+              <a:t>Виконав</a:t>
+            </a:r>
+            <a:r>
+              <a:rPr lang="en-US" dirty="0"/>
+              <a:t> </a:t>
+            </a:r>
+            <a:r>
+              <a:rPr lang="uk-UA" dirty="0"/>
+              <a:t>студент</a:t>
+            </a:r>
+            <a:r>
+              <a:rPr lang="en-US" dirty="0"/>
+              <a:t>:</a:t>
+            </a:r>
+            <a:r>
+              <a:rPr lang="uk-UA" dirty="0"/>
+              <a:t> </a:t>
+            </a:r>
+            <a:r>
+              <a:rPr lang="uk-UA" dirty="0" err="1"/>
+              <a:t>Дзизиль</a:t>
+            </a:r>
+            <a:r>
+              <a:rPr lang="uk-UA" dirty="0"/>
+              <a:t> Д.Є.</a:t>
+            </a:r>
+            <a:endParaRPr lang="en-US" dirty="0"/>
+          </a:p>
+        </p:txBody>
+      </p:sp>
+      <p:sp>
+        <p:nvSpPr>
+          <p:cNvPr id="6" name="TextBox 5"/>
+          <p:cNvSpPr txBox="1"/>
+          <p:nvPr/>
+        </p:nvSpPr>
+        <p:spPr>
+          <a:xfrm>
+            <a:off x="1670031" y="1655412"/>
+            <a:ext cx="5477509" cy="3539430"/>
+          </a:xfrm>
+          <a:prstGeom prst="rect">
+            <a:avLst/>
+          </a:prstGeom>
+          <a:noFill/>
+        </p:spPr>
+        <p:txBody>
+          <a:bodyPr wrap="square" rtlCol="0">
+            <a:spAutoFit/>
+          </a:bodyPr>
+          <a:lstStyle/>
+          <a:p>
+            <a:pPr marL="342900" lvl="1" indent="-342900">
+              <a:buFont typeface="+mj-lt"/>
+              <a:buAutoNum type="alphaLcPeriod" startAt="3"/>
+            </a:pPr>
+            <a:r>
+              <a:rPr lang="en-US" dirty="0">
+                <a:solidFill>
+                  <a:schemeClr val="dk1"/>
+                </a:solidFill>
+                <a:latin typeface="Varela Round"/>
+                <a:ea typeface="Varela Round"/>
+                <a:cs typeface="Varela Round"/>
+                <a:sym typeface="Varela Round"/>
+              </a:rPr>
+              <a:t>If necessary, enable the SSH service</a:t>
+            </a:r>
+            <a:r>
+              <a:rPr lang="en-US" dirty="0" smtClean="0">
+                <a:solidFill>
+                  <a:schemeClr val="dk1"/>
+                </a:solidFill>
+                <a:latin typeface="Varela Round"/>
+                <a:ea typeface="Varela Round"/>
+                <a:cs typeface="Varela Round"/>
+                <a:sym typeface="Varela Round"/>
+              </a:rPr>
+              <a:t>:</a:t>
+            </a:r>
+            <a:r>
+              <a:rPr lang="uk-UA" dirty="0" smtClean="0">
+                <a:solidFill>
+                  <a:schemeClr val="dk1"/>
+                </a:solidFill>
+                <a:latin typeface="Varela Round"/>
+                <a:ea typeface="Varela Round"/>
+                <a:cs typeface="Varela Round"/>
+                <a:sym typeface="Varela Round"/>
+              </a:rPr>
+              <a:t> </a:t>
+            </a:r>
+            <a:r>
+              <a:rPr lang="en-GB" dirty="0" err="1">
+                <a:solidFill>
+                  <a:schemeClr val="dk1"/>
+                </a:solidFill>
+                <a:latin typeface="Varela Round"/>
+                <a:ea typeface="Varela Round"/>
+                <a:cs typeface="Varela Round"/>
+                <a:sym typeface="Varela Round"/>
+              </a:rPr>
+              <a:t>sudo</a:t>
+            </a:r>
+            <a:r>
+              <a:rPr lang="en-GB" dirty="0">
+                <a:solidFill>
+                  <a:schemeClr val="dk1"/>
+                </a:solidFill>
+                <a:latin typeface="Varela Round"/>
+                <a:ea typeface="Varela Round"/>
+                <a:cs typeface="Varela Round"/>
+                <a:sym typeface="Varela Round"/>
+              </a:rPr>
+              <a:t> </a:t>
+            </a:r>
+            <a:r>
+              <a:rPr lang="en-GB" dirty="0" err="1">
+                <a:solidFill>
+                  <a:schemeClr val="dk1"/>
+                </a:solidFill>
+                <a:latin typeface="Varela Round"/>
+                <a:ea typeface="Varela Round"/>
+                <a:cs typeface="Varela Round"/>
+                <a:sym typeface="Varela Round"/>
+              </a:rPr>
+              <a:t>systemctl</a:t>
+            </a:r>
+            <a:r>
+              <a:rPr lang="en-GB" dirty="0">
+                <a:solidFill>
+                  <a:schemeClr val="dk1"/>
+                </a:solidFill>
+                <a:latin typeface="Varela Round"/>
+                <a:ea typeface="Varela Round"/>
+                <a:cs typeface="Varela Round"/>
+                <a:sym typeface="Varela Round"/>
+              </a:rPr>
+              <a:t> enable </a:t>
+            </a:r>
+            <a:r>
+              <a:rPr lang="en-GB" dirty="0" err="1" smtClean="0">
+                <a:solidFill>
+                  <a:schemeClr val="dk1"/>
+                </a:solidFill>
+                <a:latin typeface="Varela Round"/>
+                <a:ea typeface="Varela Round"/>
+                <a:cs typeface="Varela Round"/>
+                <a:sym typeface="Varela Round"/>
+              </a:rPr>
+              <a:t>ssh</a:t>
+            </a:r>
+            <a:endParaRPr lang="uk-UA" dirty="0" smtClean="0">
+              <a:solidFill>
+                <a:schemeClr val="dk1"/>
+              </a:solidFill>
+              <a:latin typeface="Varela Round"/>
+              <a:ea typeface="Varela Round"/>
+              <a:cs typeface="Varela Round"/>
+              <a:sym typeface="Varela Round"/>
+            </a:endParaRPr>
+          </a:p>
+          <a:p>
+            <a:pPr marL="342900" indent="-342900">
+              <a:buFont typeface="+mj-lt"/>
+              <a:buAutoNum type="alphaLcPeriod" startAt="4"/>
+            </a:pPr>
+            <a:r>
+              <a:rPr lang="en-US" dirty="0" smtClean="0">
+                <a:solidFill>
+                  <a:schemeClr val="dk1"/>
+                </a:solidFill>
+                <a:latin typeface="Varela Round"/>
+                <a:ea typeface="Varela Round"/>
+                <a:cs typeface="Varela Round"/>
+                <a:sym typeface="Varela Round"/>
+              </a:rPr>
+              <a:t>After installing SSH, verify that the SSH service is running on your virtual machine:</a:t>
+            </a:r>
+            <a:r>
+              <a:rPr lang="uk-UA" dirty="0" smtClean="0">
+                <a:solidFill>
+                  <a:schemeClr val="dk1"/>
+                </a:solidFill>
+                <a:latin typeface="Varela Round"/>
+                <a:ea typeface="Varela Round"/>
+                <a:cs typeface="Varela Round"/>
+                <a:sym typeface="Varela Round"/>
+              </a:rPr>
+              <a:t> </a:t>
+            </a:r>
+            <a:r>
+              <a:rPr lang="en-US" dirty="0" err="1" smtClean="0">
+                <a:solidFill>
+                  <a:schemeClr val="dk1"/>
+                </a:solidFill>
+                <a:latin typeface="Varela Round"/>
+                <a:ea typeface="Varela Round"/>
+                <a:cs typeface="Varela Round"/>
+                <a:sym typeface="Varela Round"/>
+              </a:rPr>
+              <a:t>sudo</a:t>
+            </a:r>
+            <a:r>
+              <a:rPr lang="en-US" dirty="0" smtClean="0">
+                <a:solidFill>
+                  <a:schemeClr val="dk1"/>
+                </a:solidFill>
+                <a:latin typeface="Varela Round"/>
+                <a:ea typeface="Varela Round"/>
+                <a:cs typeface="Varela Round"/>
+                <a:sym typeface="Varela Round"/>
+              </a:rPr>
+              <a:t> </a:t>
+            </a:r>
+            <a:r>
+              <a:rPr lang="en-US" dirty="0" err="1" smtClean="0">
+                <a:solidFill>
+                  <a:schemeClr val="dk1"/>
+                </a:solidFill>
+                <a:latin typeface="Varela Round"/>
+                <a:ea typeface="Varela Round"/>
+                <a:cs typeface="Varela Round"/>
+                <a:sym typeface="Varela Round"/>
+              </a:rPr>
+              <a:t>systemctl</a:t>
+            </a:r>
+            <a:r>
+              <a:rPr lang="en-US" dirty="0" smtClean="0">
+                <a:solidFill>
+                  <a:schemeClr val="dk1"/>
+                </a:solidFill>
+                <a:latin typeface="Varela Round"/>
+                <a:ea typeface="Varela Round"/>
+                <a:cs typeface="Varela Round"/>
+                <a:sym typeface="Varela Round"/>
+              </a:rPr>
+              <a:t> status </a:t>
+            </a:r>
+            <a:r>
+              <a:rPr lang="en-US" dirty="0" err="1" smtClean="0">
+                <a:solidFill>
+                  <a:schemeClr val="dk1"/>
+                </a:solidFill>
+                <a:latin typeface="Varela Round"/>
+                <a:ea typeface="Varela Round"/>
+                <a:cs typeface="Varela Round"/>
+                <a:sym typeface="Varela Round"/>
+              </a:rPr>
+              <a:t>ssh</a:t>
+            </a:r>
+            <a:endParaRPr lang="uk-UA" dirty="0" smtClean="0">
+              <a:solidFill>
+                <a:schemeClr val="dk1"/>
+              </a:solidFill>
+              <a:latin typeface="Varela Round"/>
+              <a:ea typeface="Varela Round"/>
+              <a:cs typeface="Varela Round"/>
+              <a:sym typeface="Varela Round"/>
+            </a:endParaRPr>
+          </a:p>
+          <a:p>
+            <a:r>
+              <a:rPr lang="en-US" dirty="0">
+                <a:solidFill>
+                  <a:schemeClr val="dk1"/>
+                </a:solidFill>
+                <a:latin typeface="Varela Round"/>
+                <a:ea typeface="Varela Round"/>
+                <a:cs typeface="Varela Round"/>
+                <a:sym typeface="Varela Round"/>
+              </a:rPr>
+              <a:t>Find the IP address of the Linux virtual machine</a:t>
+            </a:r>
+            <a:r>
+              <a:rPr lang="en-US" dirty="0" smtClean="0">
+                <a:solidFill>
+                  <a:schemeClr val="dk1"/>
+                </a:solidFill>
+                <a:latin typeface="Varela Round"/>
+                <a:ea typeface="Varela Round"/>
+                <a:cs typeface="Varela Round"/>
+                <a:sym typeface="Varela Round"/>
+              </a:rPr>
+              <a:t>:</a:t>
+            </a:r>
+            <a:endParaRPr lang="en-US" dirty="0">
+              <a:solidFill>
+                <a:schemeClr val="dk1"/>
+              </a:solidFill>
+              <a:latin typeface="Varela Round"/>
+              <a:ea typeface="Varela Round"/>
+              <a:cs typeface="Varela Round"/>
+              <a:sym typeface="Varela Round"/>
+            </a:endParaRPr>
+          </a:p>
+          <a:p>
+            <a:pPr marL="342900" indent="-342900">
+              <a:buFont typeface="+mj-lt"/>
+              <a:buAutoNum type="alphaLcPeriod"/>
+            </a:pPr>
+            <a:r>
+              <a:rPr lang="en-US" dirty="0" smtClean="0">
+                <a:solidFill>
+                  <a:schemeClr val="dk1"/>
+                </a:solidFill>
+                <a:latin typeface="Varela Round"/>
+                <a:ea typeface="Varela Round"/>
+                <a:cs typeface="Varela Round"/>
+                <a:sym typeface="Varela Round"/>
+              </a:rPr>
+              <a:t>Start </a:t>
+            </a:r>
+            <a:r>
+              <a:rPr lang="en-US" dirty="0">
+                <a:solidFill>
+                  <a:schemeClr val="dk1"/>
+                </a:solidFill>
+                <a:latin typeface="Varela Round"/>
+                <a:ea typeface="Varela Round"/>
+                <a:cs typeface="Varela Round"/>
+                <a:sym typeface="Varela Round"/>
+              </a:rPr>
+              <a:t>your Linux virtual machine and open a terminal.</a:t>
+            </a:r>
+          </a:p>
+          <a:p>
+            <a:pPr marL="342900" indent="-342900">
+              <a:buFont typeface="+mj-lt"/>
+              <a:buAutoNum type="alphaLcPeriod"/>
+            </a:pPr>
+            <a:r>
+              <a:rPr lang="en-US" dirty="0" smtClean="0">
+                <a:solidFill>
+                  <a:schemeClr val="dk1"/>
+                </a:solidFill>
+                <a:latin typeface="Varela Round"/>
+                <a:ea typeface="Varela Round"/>
+                <a:cs typeface="Varela Round"/>
+                <a:sym typeface="Varela Round"/>
+              </a:rPr>
+              <a:t>Enter </a:t>
+            </a:r>
+            <a:r>
+              <a:rPr lang="en-US" dirty="0">
+                <a:solidFill>
+                  <a:schemeClr val="dk1"/>
+                </a:solidFill>
+                <a:latin typeface="Varela Round"/>
+                <a:ea typeface="Varela Round"/>
+                <a:cs typeface="Varela Round"/>
+                <a:sym typeface="Varela Round"/>
+              </a:rPr>
+              <a:t>the following command to find the IP address of the virtual machine</a:t>
+            </a:r>
+            <a:r>
+              <a:rPr lang="en-US" dirty="0" smtClean="0">
+                <a:solidFill>
+                  <a:schemeClr val="dk1"/>
+                </a:solidFill>
+                <a:latin typeface="Varela Round"/>
+                <a:ea typeface="Varela Round"/>
+                <a:cs typeface="Varela Round"/>
+                <a:sym typeface="Varela Round"/>
+              </a:rPr>
+              <a:t>:</a:t>
+            </a:r>
+            <a:r>
+              <a:rPr lang="uk-UA" dirty="0" smtClean="0">
+                <a:solidFill>
+                  <a:schemeClr val="dk1"/>
+                </a:solidFill>
+                <a:latin typeface="Varela Round"/>
+                <a:ea typeface="Varela Round"/>
+                <a:cs typeface="Varela Round"/>
+                <a:sym typeface="Varela Round"/>
+              </a:rPr>
+              <a:t> </a:t>
+            </a:r>
+            <a:r>
+              <a:rPr lang="en-GB" dirty="0" err="1">
+                <a:solidFill>
+                  <a:schemeClr val="dk1"/>
+                </a:solidFill>
+                <a:latin typeface="Varela Round"/>
+                <a:ea typeface="Varela Round"/>
+                <a:cs typeface="Varela Round"/>
+                <a:sym typeface="Varela Round"/>
+              </a:rPr>
+              <a:t>ip</a:t>
+            </a:r>
+            <a:r>
+              <a:rPr lang="en-GB" dirty="0">
+                <a:solidFill>
+                  <a:schemeClr val="dk1"/>
+                </a:solidFill>
+                <a:latin typeface="Varela Round"/>
+                <a:ea typeface="Varela Round"/>
+                <a:cs typeface="Varela Round"/>
+                <a:sym typeface="Varela Round"/>
+              </a:rPr>
+              <a:t> a</a:t>
+            </a:r>
+          </a:p>
+          <a:p>
+            <a:r>
+              <a:rPr lang="en-US" dirty="0">
+                <a:solidFill>
+                  <a:schemeClr val="dk1"/>
+                </a:solidFill>
+                <a:latin typeface="Varela Round"/>
+                <a:ea typeface="Varela Round"/>
+                <a:cs typeface="Varela Round"/>
+                <a:sym typeface="Varela Round"/>
+              </a:rPr>
+              <a:t>Copy an audio file from Windows to a Linux virtual machine</a:t>
+            </a:r>
+            <a:r>
+              <a:rPr lang="en-US" dirty="0" smtClean="0">
+                <a:solidFill>
+                  <a:schemeClr val="dk1"/>
+                </a:solidFill>
+                <a:latin typeface="Varela Round"/>
+                <a:ea typeface="Varela Round"/>
+                <a:cs typeface="Varela Round"/>
+                <a:sym typeface="Varela Round"/>
+              </a:rPr>
+              <a:t>:</a:t>
+            </a:r>
+            <a:endParaRPr lang="en-US" dirty="0">
+              <a:solidFill>
+                <a:schemeClr val="dk1"/>
+              </a:solidFill>
+              <a:latin typeface="Varela Round"/>
+              <a:ea typeface="Varela Round"/>
+              <a:cs typeface="Varela Round"/>
+              <a:sym typeface="Varela Round"/>
+            </a:endParaRPr>
+          </a:p>
+          <a:p>
+            <a:r>
+              <a:rPr lang="en-US" dirty="0">
+                <a:solidFill>
+                  <a:schemeClr val="dk1"/>
+                </a:solidFill>
+                <a:latin typeface="Varela Round"/>
+                <a:ea typeface="Varela Round"/>
+                <a:cs typeface="Varela Round"/>
+                <a:sym typeface="Varela Round"/>
+              </a:rPr>
+              <a:t>a. From your primary operating system (Windows), use an SSH client (such as </a:t>
+            </a:r>
+            <a:r>
+              <a:rPr lang="en-US" dirty="0" err="1">
+                <a:solidFill>
+                  <a:schemeClr val="dk1"/>
+                </a:solidFill>
+                <a:latin typeface="Varela Round"/>
+                <a:ea typeface="Varela Round"/>
+                <a:cs typeface="Varela Round"/>
+                <a:sym typeface="Varela Round"/>
+              </a:rPr>
+              <a:t>PuTTY</a:t>
+            </a:r>
+            <a:r>
+              <a:rPr lang="en-US" dirty="0">
+                <a:solidFill>
+                  <a:schemeClr val="dk1"/>
+                </a:solidFill>
+                <a:latin typeface="Varela Round"/>
+                <a:ea typeface="Varela Round"/>
+                <a:cs typeface="Varela Round"/>
+                <a:sym typeface="Varela Round"/>
+              </a:rPr>
+              <a:t> or Windows PowerShell) to connect to the Linux virtual machine using its IP address and SSH port (usually 22).</a:t>
+            </a:r>
+          </a:p>
+          <a:p>
+            <a:endParaRPr lang="en-US" dirty="0">
+              <a:solidFill>
+                <a:schemeClr val="dk1"/>
+              </a:solidFill>
+              <a:latin typeface="Varela Round"/>
+              <a:ea typeface="Varela Round"/>
+              <a:cs typeface="Varela Round"/>
+              <a:sym typeface="Varela Round"/>
+            </a:endParaRPr>
+          </a:p>
+          <a:p>
+            <a:pPr marL="342900" indent="-342900">
+              <a:buFont typeface="+mj-lt"/>
+              <a:buAutoNum type="alphaLcPeriod" startAt="4"/>
+            </a:pPr>
+            <a:endParaRPr lang="en-US" dirty="0" smtClean="0">
+              <a:solidFill>
+                <a:schemeClr val="dk1"/>
+              </a:solidFill>
+              <a:latin typeface="Varela Round"/>
+              <a:ea typeface="Varela Round"/>
+              <a:cs typeface="Varela Round"/>
+              <a:sym typeface="Varela Round"/>
+            </a:endParaRPr>
+          </a:p>
+          <a:p>
+            <a:endParaRPr lang="uk-UA" dirty="0" smtClean="0">
+              <a:solidFill>
+                <a:schemeClr val="dk1"/>
+              </a:solidFill>
+              <a:latin typeface="Varela Round"/>
+              <a:ea typeface="Varela Round"/>
+              <a:cs typeface="Varela Round"/>
+              <a:sym typeface="Varela Round"/>
+            </a:endParaRPr>
+          </a:p>
+        </p:txBody>
+      </p:sp>
+    </p:spTree>
+    <p:extLst>
+      <p:ext uri="{BB962C8B-B14F-4D97-AF65-F5344CB8AC3E}">
+        <p14:creationId xmlns:p14="http://schemas.microsoft.com/office/powerpoint/2010/main" val="3610912524"/>
+      </p:ext>
+    </p:extLst>
+  </p:cSld>
+  <p:clrMapOvr>
+    <a:masterClrMapping/>
+  </p:clrMapOvr>
+  <p:timing>
+    <p:tnLst>
+      <p:par>
+        <p:cTn id="1" dur="indefinite" restart="never" nodeType="tmRoot"/>
+      </p:par>
+    </p:tnLst>
+  </p:timing>
+</p:sld>
+</file>
+
+<file path=ppt/slides/slide25.xml><?xml version="1.0" encoding="utf-8"?>
+<p:sld xmlns:a="http://schemas.openxmlformats.org/drawingml/2006/main" xmlns:r="http://schemas.openxmlformats.org/officeDocument/2006/relationships" xmlns:p="http://schemas.openxmlformats.org/presentationml/2006/main">
+  <p:cSld>
+    <p:spTree>
+      <p:nvGrpSpPr>
+        <p:cNvPr id="1" name="Shape 524"/>
+        <p:cNvGrpSpPr/>
+        <p:nvPr/>
+      </p:nvGrpSpPr>
+      <p:grpSpPr>
+        <a:xfrm>
+          <a:off x="0" y="0"/>
+          <a:ext cx="0" cy="0"/>
+          <a:chOff x="0" y="0"/>
+          <a:chExt cx="0" cy="0"/>
+        </a:xfrm>
+      </p:grpSpPr>
+      <p:grpSp>
+        <p:nvGrpSpPr>
+          <p:cNvPr id="525" name="Google Shape;525;p37"/>
+          <p:cNvGrpSpPr/>
+          <p:nvPr/>
+        </p:nvGrpSpPr>
+        <p:grpSpPr>
+          <a:xfrm>
+            <a:off x="1639087" y="1122745"/>
+            <a:ext cx="5678918" cy="3608039"/>
+            <a:chOff x="2333960" y="2049193"/>
+            <a:chExt cx="1137900" cy="861417"/>
+          </a:xfrm>
+        </p:grpSpPr>
+        <p:sp>
+          <p:nvSpPr>
+            <p:cNvPr id="526" name="Google Shape;526;p37"/>
+            <p:cNvSpPr/>
+            <p:nvPr/>
+          </p:nvSpPr>
+          <p:spPr>
+            <a:xfrm>
+              <a:off x="2333960" y="2049193"/>
+              <a:ext cx="539100" cy="630900"/>
+            </a:xfrm>
+            <a:prstGeom prst="roundRect">
+              <a:avLst>
+                <a:gd name="adj" fmla="val 6278"/>
+              </a:avLst>
+            </a:prstGeom>
+            <a:solidFill>
+              <a:schemeClr val="lt2"/>
+            </a:solidFill>
+            <a:ln w="28575" cap="flat" cmpd="sng">
+              <a:solidFill>
+                <a:schemeClr val="dk1"/>
+              </a:solidFill>
+              <a:prstDash val="solid"/>
+              <a:round/>
+              <a:headEnd type="none" w="sm" len="sm"/>
+              <a:tailEnd type="none" w="sm" len="sm"/>
+            </a:ln>
+            <a:effectLst>
+              <a:outerShdw dist="38100" dir="2040000" algn="bl" rotWithShape="0">
+                <a:schemeClr val="dk1"/>
+              </a:outerShdw>
+            </a:effectLst>
+          </p:spPr>
+          <p:txBody>
+            <a:bodyPr spcFirstLastPara="1" wrap="square" lIns="91425" tIns="91425" rIns="91425" bIns="91425" anchor="ctr" anchorCtr="0">
+              <a:noAutofit/>
+            </a:bodyPr>
+            <a:lstStyle/>
+            <a:p>
+              <a:pPr marL="0" lvl="0" indent="0" algn="l" rtl="0">
+                <a:spcBef>
+                  <a:spcPts val="0"/>
+                </a:spcBef>
+                <a:spcAft>
+                  <a:spcPts val="0"/>
+                </a:spcAft>
+                <a:buNone/>
+              </a:pPr>
+              <a:endParaRPr/>
+            </a:p>
+          </p:txBody>
+        </p:sp>
+        <p:sp>
+          <p:nvSpPr>
+            <p:cNvPr id="527" name="Google Shape;527;p37"/>
+            <p:cNvSpPr/>
+            <p:nvPr/>
+          </p:nvSpPr>
+          <p:spPr>
+            <a:xfrm>
+              <a:off x="2333960" y="2175010"/>
+              <a:ext cx="1137900" cy="735600"/>
+            </a:xfrm>
+            <a:prstGeom prst="roundRect">
+              <a:avLst>
+                <a:gd name="adj" fmla="val 5762"/>
+              </a:avLst>
+            </a:prstGeom>
+            <a:solidFill>
+              <a:schemeClr val="lt2"/>
+            </a:solidFill>
+            <a:ln w="28575" cap="flat" cmpd="sng">
+              <a:solidFill>
+                <a:schemeClr val="dk1"/>
+              </a:solidFill>
+              <a:prstDash val="solid"/>
+              <a:round/>
+              <a:headEnd type="none" w="sm" len="sm"/>
+              <a:tailEnd type="none" w="sm" len="sm"/>
+            </a:ln>
+            <a:effectLst>
+              <a:outerShdw dist="95250" dir="2040000" algn="bl" rotWithShape="0">
+                <a:schemeClr val="dk1"/>
+              </a:outerShdw>
+            </a:effectLst>
+          </p:spPr>
+          <p:txBody>
+            <a:bodyPr spcFirstLastPara="1" wrap="square" lIns="91425" tIns="91425" rIns="91425" bIns="91425" anchor="ctr" anchorCtr="0">
+              <a:noAutofit/>
+            </a:bodyPr>
+            <a:lstStyle/>
+            <a:p>
+              <a:pPr marL="0" lvl="0" indent="0" algn="l" rtl="0">
+                <a:spcBef>
+                  <a:spcPts val="0"/>
+                </a:spcBef>
+                <a:spcAft>
+                  <a:spcPts val="0"/>
+                </a:spcAft>
+                <a:buNone/>
+              </a:pPr>
+              <a:endParaRPr/>
+            </a:p>
+          </p:txBody>
+        </p:sp>
+      </p:grpSp>
+      <p:sp>
+        <p:nvSpPr>
+          <p:cNvPr id="528" name="Google Shape;528;p37"/>
+          <p:cNvSpPr txBox="1">
+            <a:spLocks noGrp="1"/>
+          </p:cNvSpPr>
+          <p:nvPr>
+            <p:ph type="title"/>
+          </p:nvPr>
+        </p:nvSpPr>
+        <p:spPr>
+          <a:xfrm>
+            <a:off x="1549021" y="1173707"/>
+            <a:ext cx="2864617" cy="503068"/>
+          </a:xfrm>
+          <a:prstGeom prst="rect">
+            <a:avLst/>
+          </a:prstGeom>
+        </p:spPr>
+        <p:txBody>
+          <a:bodyPr spcFirstLastPara="1" wrap="square" lIns="91425" tIns="91425" rIns="91425" bIns="91425" anchor="ctr" anchorCtr="0">
+            <a:noAutofit/>
+          </a:bodyPr>
+          <a:lstStyle/>
+          <a:p>
+            <a:pPr lvl="0"/>
+            <a:r>
+              <a:rPr lang="en-GB" dirty="0"/>
+              <a:t>Sharing audio-file</a:t>
+            </a:r>
+            <a:endParaRPr lang="en-GB" dirty="0"/>
+          </a:p>
+        </p:txBody>
+      </p:sp>
+      <p:sp>
+        <p:nvSpPr>
+          <p:cNvPr id="2" name="Google Shape;511;p35">
+            <a:extLst>
+              <a:ext uri="{FF2B5EF4-FFF2-40B4-BE49-F238E27FC236}">
+                <a16:creationId xmlns:a16="http://schemas.microsoft.com/office/drawing/2014/main" xmlns="" id="{324CC8F1-3796-605E-CF83-341E97B9417E}"/>
+              </a:ext>
+            </a:extLst>
+          </p:cNvPr>
+          <p:cNvSpPr txBox="1">
+            <a:spLocks/>
+          </p:cNvSpPr>
+          <p:nvPr/>
+        </p:nvSpPr>
+        <p:spPr>
+          <a:xfrm>
+            <a:off x="7411453" y="396231"/>
+            <a:ext cx="1529753" cy="860137"/>
+          </a:xfrm>
+          <a:prstGeom prst="rect">
+            <a:avLst/>
+          </a:prstGeom>
+        </p:spPr>
+        <p:txBody>
+          <a:bodyPr spcFirstLastPara="1" wrap="square" lIns="91425" tIns="91425" rIns="91425" bIns="91425" anchor="ctr" anchorCtr="0">
+            <a:noAutofit/>
+          </a:bodyPr>
+          <a:lstStyle>
+            <a:defPPr marR="0" lvl="0" algn="l" rtl="0">
+              <a:lnSpc>
+                <a:spcPct val="100000"/>
+              </a:lnSpc>
+              <a:spcBef>
+                <a:spcPts val="0"/>
+              </a:spcBef>
+              <a:spcAft>
+                <a:spcPts val="0"/>
+              </a:spcAft>
+            </a:defPPr>
+            <a:lvl1pPr marR="0" lvl="0" algn="l" rtl="0">
+              <a:lnSpc>
+                <a:spcPct val="100000"/>
+              </a:lnSpc>
+              <a:spcBef>
+                <a:spcPts val="0"/>
+              </a:spcBef>
+              <a:spcAft>
+                <a:spcPts val="0"/>
+              </a:spcAft>
+              <a:buClr>
+                <a:srgbClr val="000000"/>
+              </a:buClr>
+              <a:buFont typeface="Arial"/>
+              <a:defRPr sz="1400" b="0" i="0" u="none" strike="noStrike" cap="none">
+                <a:solidFill>
+                  <a:srgbClr val="000000"/>
+                </a:solidFill>
+                <a:latin typeface="Arial"/>
+                <a:ea typeface="Arial"/>
+                <a:cs typeface="Arial"/>
+                <a:sym typeface="Arial"/>
+              </a:defRPr>
+            </a:lvl1pPr>
+            <a:lvl2pPr marR="0" lvl="1" algn="l" rtl="0">
+              <a:lnSpc>
+                <a:spcPct val="100000"/>
+              </a:lnSpc>
+              <a:spcBef>
+                <a:spcPts val="0"/>
+              </a:spcBef>
+              <a:spcAft>
+                <a:spcPts val="0"/>
+              </a:spcAft>
+              <a:buClr>
+                <a:srgbClr val="000000"/>
+              </a:buClr>
+              <a:buFont typeface="Arial"/>
+              <a:defRPr sz="1400" b="0" i="0" u="none" strike="noStrike" cap="none">
+                <a:solidFill>
+                  <a:srgbClr val="000000"/>
+                </a:solidFill>
+                <a:latin typeface="Arial"/>
+                <a:ea typeface="Arial"/>
+                <a:cs typeface="Arial"/>
+                <a:sym typeface="Arial"/>
+              </a:defRPr>
+            </a:lvl2pPr>
+            <a:lvl3pPr marR="0" lvl="2" algn="l" rtl="0">
+              <a:lnSpc>
+                <a:spcPct val="100000"/>
+              </a:lnSpc>
+              <a:spcBef>
+                <a:spcPts val="0"/>
+              </a:spcBef>
+              <a:spcAft>
+                <a:spcPts val="0"/>
+              </a:spcAft>
+              <a:buClr>
+                <a:srgbClr val="000000"/>
+              </a:buClr>
+              <a:buFont typeface="Arial"/>
+              <a:defRPr sz="1400" b="0" i="0" u="none" strike="noStrike" cap="none">
+                <a:solidFill>
+                  <a:srgbClr val="000000"/>
+                </a:solidFill>
+                <a:latin typeface="Arial"/>
+                <a:ea typeface="Arial"/>
+                <a:cs typeface="Arial"/>
+                <a:sym typeface="Arial"/>
+              </a:defRPr>
+            </a:lvl3pPr>
+            <a:lvl4pPr marR="0" lvl="3" algn="l" rtl="0">
+              <a:lnSpc>
+                <a:spcPct val="100000"/>
+              </a:lnSpc>
+              <a:spcBef>
+                <a:spcPts val="0"/>
+              </a:spcBef>
+              <a:spcAft>
+                <a:spcPts val="0"/>
+              </a:spcAft>
+              <a:buClr>
+                <a:srgbClr val="000000"/>
+              </a:buClr>
+              <a:buFont typeface="Arial"/>
+              <a:defRPr sz="1400" b="0" i="0" u="none" strike="noStrike" cap="none">
+                <a:solidFill>
+                  <a:srgbClr val="000000"/>
+                </a:solidFill>
+                <a:latin typeface="Arial"/>
+                <a:ea typeface="Arial"/>
+                <a:cs typeface="Arial"/>
+                <a:sym typeface="Arial"/>
+              </a:defRPr>
+            </a:lvl4pPr>
+            <a:lvl5pPr marR="0" lvl="4" algn="l" rtl="0">
+              <a:lnSpc>
+                <a:spcPct val="100000"/>
+              </a:lnSpc>
+              <a:spcBef>
+                <a:spcPts val="0"/>
+              </a:spcBef>
+              <a:spcAft>
+                <a:spcPts val="0"/>
+              </a:spcAft>
+              <a:buClr>
+                <a:srgbClr val="000000"/>
+              </a:buClr>
+              <a:buFont typeface="Arial"/>
+              <a:defRPr sz="1400" b="0" i="0" u="none" strike="noStrike" cap="none">
+                <a:solidFill>
+                  <a:srgbClr val="000000"/>
+                </a:solidFill>
+                <a:latin typeface="Arial"/>
+                <a:ea typeface="Arial"/>
+                <a:cs typeface="Arial"/>
+                <a:sym typeface="Arial"/>
+              </a:defRPr>
+            </a:lvl5pPr>
+            <a:lvl6pPr marR="0" lvl="5" algn="l" rtl="0">
+              <a:lnSpc>
+                <a:spcPct val="100000"/>
+              </a:lnSpc>
+              <a:spcBef>
+                <a:spcPts val="0"/>
+              </a:spcBef>
+              <a:spcAft>
+                <a:spcPts val="0"/>
+              </a:spcAft>
+              <a:buClr>
+                <a:srgbClr val="000000"/>
+              </a:buClr>
+              <a:buFont typeface="Arial"/>
+              <a:defRPr sz="1400" b="0" i="0" u="none" strike="noStrike" cap="none">
+                <a:solidFill>
+                  <a:srgbClr val="000000"/>
+                </a:solidFill>
+                <a:latin typeface="Arial"/>
+                <a:ea typeface="Arial"/>
+                <a:cs typeface="Arial"/>
+                <a:sym typeface="Arial"/>
+              </a:defRPr>
+            </a:lvl6pPr>
+            <a:lvl7pPr marR="0" lvl="6" algn="l" rtl="0">
+              <a:lnSpc>
+                <a:spcPct val="100000"/>
+              </a:lnSpc>
+              <a:spcBef>
+                <a:spcPts val="0"/>
+              </a:spcBef>
+              <a:spcAft>
+                <a:spcPts val="0"/>
+              </a:spcAft>
+              <a:buClr>
+                <a:srgbClr val="000000"/>
+              </a:buClr>
+              <a:buFont typeface="Arial"/>
+              <a:defRPr sz="1400" b="0" i="0" u="none" strike="noStrike" cap="none">
+                <a:solidFill>
+                  <a:srgbClr val="000000"/>
+                </a:solidFill>
+                <a:latin typeface="Arial"/>
+                <a:ea typeface="Arial"/>
+                <a:cs typeface="Arial"/>
+                <a:sym typeface="Arial"/>
+              </a:defRPr>
+            </a:lvl7pPr>
+            <a:lvl8pPr marR="0" lvl="7" algn="l" rtl="0">
+              <a:lnSpc>
+                <a:spcPct val="100000"/>
+              </a:lnSpc>
+              <a:spcBef>
+                <a:spcPts val="0"/>
+              </a:spcBef>
+              <a:spcAft>
+                <a:spcPts val="0"/>
+              </a:spcAft>
+              <a:buClr>
+                <a:srgbClr val="000000"/>
+              </a:buClr>
+              <a:buFont typeface="Arial"/>
+              <a:defRPr sz="1400" b="0" i="0" u="none" strike="noStrike" cap="none">
+                <a:solidFill>
+                  <a:srgbClr val="000000"/>
+                </a:solidFill>
+                <a:latin typeface="Arial"/>
+                <a:ea typeface="Arial"/>
+                <a:cs typeface="Arial"/>
+                <a:sym typeface="Arial"/>
+              </a:defRPr>
+            </a:lvl8pPr>
+            <a:lvl9pPr marR="0" lvl="8" algn="l" rtl="0">
+              <a:lnSpc>
+                <a:spcPct val="100000"/>
+              </a:lnSpc>
+              <a:spcBef>
+                <a:spcPts val="0"/>
+              </a:spcBef>
+              <a:spcAft>
+                <a:spcPts val="0"/>
+              </a:spcAft>
+              <a:buClr>
+                <a:srgbClr val="000000"/>
+              </a:buClr>
+              <a:buFont typeface="Arial"/>
+              <a:defRPr sz="1400" b="0" i="0" u="none" strike="noStrike" cap="none">
+                <a:solidFill>
+                  <a:srgbClr val="000000"/>
+                </a:solidFill>
+                <a:latin typeface="Arial"/>
+                <a:ea typeface="Arial"/>
+                <a:cs typeface="Arial"/>
+                <a:sym typeface="Arial"/>
+              </a:defRPr>
+            </a:lvl9pPr>
+          </a:lstStyle>
+          <a:p>
+            <a:pPr algn="ctr">
+              <a:buClr>
+                <a:schemeClr val="dk1"/>
+              </a:buClr>
+              <a:buSzPts val="6000"/>
+            </a:pPr>
+            <a:r>
+              <a:rPr lang="en" sz="6000" b="1" dirty="0" smtClean="0">
+                <a:solidFill>
+                  <a:schemeClr val="dk1"/>
+                </a:solidFill>
+                <a:latin typeface="Varela Round"/>
+                <a:cs typeface="Varela Round"/>
+                <a:sym typeface="Varela Round"/>
+              </a:rPr>
+              <a:t>04</a:t>
+            </a:r>
+            <a:endParaRPr lang="en" sz="6000" b="1" dirty="0">
+              <a:solidFill>
+                <a:schemeClr val="dk1"/>
+              </a:solidFill>
+              <a:latin typeface="Varela Round"/>
+              <a:cs typeface="Varela Round"/>
+              <a:sym typeface="Varela Round"/>
+            </a:endParaRPr>
+          </a:p>
+        </p:txBody>
+      </p:sp>
+      <p:sp>
+        <p:nvSpPr>
+          <p:cNvPr id="3" name="Google Shape;458;p32">
+            <a:extLst>
+              <a:ext uri="{FF2B5EF4-FFF2-40B4-BE49-F238E27FC236}">
+                <a16:creationId xmlns:a16="http://schemas.microsoft.com/office/drawing/2014/main" xmlns="" id="{B281EA46-C90C-3633-637E-6EF93385B033}"/>
+              </a:ext>
+            </a:extLst>
+          </p:cNvPr>
+          <p:cNvSpPr txBox="1">
+            <a:spLocks/>
+          </p:cNvSpPr>
+          <p:nvPr/>
+        </p:nvSpPr>
+        <p:spPr>
+          <a:xfrm>
+            <a:off x="3813213" y="386062"/>
+            <a:ext cx="4177500" cy="520378"/>
+          </a:xfrm>
+          <a:prstGeom prst="rect">
+            <a:avLst/>
+          </a:prstGeom>
+          <a:noFill/>
+          <a:ln>
+            <a:noFill/>
+          </a:ln>
+        </p:spPr>
+        <p:txBody>
+          <a:bodyPr spcFirstLastPara="1" wrap="square" lIns="91425" tIns="91425" rIns="91425" bIns="91425" anchor="ctr" anchorCtr="0">
+            <a:noAutofit/>
+          </a:bodyPr>
+          <a:lstStyle>
+            <a:defPPr marR="0" lvl="0" algn="l" rtl="0">
+              <a:lnSpc>
+                <a:spcPct val="100000"/>
+              </a:lnSpc>
+              <a:spcBef>
+                <a:spcPts val="0"/>
+              </a:spcBef>
+              <a:spcAft>
+                <a:spcPts val="0"/>
+              </a:spcAft>
+            </a:defPPr>
+            <a:lvl1pPr marL="457200" marR="0" lvl="0" indent="-317500" algn="ctr" rtl="0">
+              <a:lnSpc>
+                <a:spcPct val="100000"/>
+              </a:lnSpc>
+              <a:spcBef>
+                <a:spcPts val="0"/>
+              </a:spcBef>
+              <a:spcAft>
+                <a:spcPts val="0"/>
+              </a:spcAft>
+              <a:buClr>
+                <a:schemeClr val="dk2"/>
+              </a:buClr>
+              <a:buSzPts val="1400"/>
+              <a:buFont typeface="Lato"/>
+              <a:buNone/>
+              <a:defRPr sz="1400" b="0" i="0" u="none" strike="noStrike" cap="none">
+                <a:solidFill>
+                  <a:schemeClr val="dk2"/>
+                </a:solidFill>
+                <a:latin typeface="Lato"/>
+                <a:ea typeface="Lato"/>
+                <a:cs typeface="Lato"/>
+                <a:sym typeface="Lato"/>
+              </a:defRPr>
+            </a:lvl1pPr>
+            <a:lvl2pPr marL="914400" marR="0" lvl="1" indent="-317500" algn="ctr" rtl="0">
+              <a:lnSpc>
+                <a:spcPct val="100000"/>
+              </a:lnSpc>
+              <a:spcBef>
+                <a:spcPts val="1600"/>
+              </a:spcBef>
+              <a:spcAft>
+                <a:spcPts val="0"/>
+              </a:spcAft>
+              <a:buClr>
+                <a:schemeClr val="dk2"/>
+              </a:buClr>
+              <a:buSzPts val="1400"/>
+              <a:buFont typeface="Lato"/>
+              <a:buNone/>
+              <a:defRPr sz="1400" b="0" i="0" u="none" strike="noStrike" cap="none">
+                <a:solidFill>
+                  <a:schemeClr val="dk2"/>
+                </a:solidFill>
+                <a:latin typeface="Lato"/>
+                <a:ea typeface="Lato"/>
+                <a:cs typeface="Lato"/>
+                <a:sym typeface="Lato"/>
+              </a:defRPr>
+            </a:lvl2pPr>
+            <a:lvl3pPr marL="1371600" marR="0" lvl="2" indent="-317500" algn="ctr" rtl="0">
+              <a:lnSpc>
+                <a:spcPct val="100000"/>
+              </a:lnSpc>
+              <a:spcBef>
+                <a:spcPts val="1600"/>
+              </a:spcBef>
+              <a:spcAft>
+                <a:spcPts val="0"/>
+              </a:spcAft>
+              <a:buClr>
+                <a:schemeClr val="dk2"/>
+              </a:buClr>
+              <a:buSzPts val="1400"/>
+              <a:buFont typeface="Lato"/>
+              <a:buNone/>
+              <a:defRPr sz="1400" b="0" i="0" u="none" strike="noStrike" cap="none">
+                <a:solidFill>
+                  <a:schemeClr val="dk2"/>
+                </a:solidFill>
+                <a:latin typeface="Lato"/>
+                <a:ea typeface="Lato"/>
+                <a:cs typeface="Lato"/>
+                <a:sym typeface="Lato"/>
+              </a:defRPr>
+            </a:lvl3pPr>
+            <a:lvl4pPr marL="1828800" marR="0" lvl="3" indent="-317500" algn="ctr" rtl="0">
+              <a:lnSpc>
+                <a:spcPct val="100000"/>
+              </a:lnSpc>
+              <a:spcBef>
+                <a:spcPts val="1600"/>
+              </a:spcBef>
+              <a:spcAft>
+                <a:spcPts val="0"/>
+              </a:spcAft>
+              <a:buClr>
+                <a:schemeClr val="dk2"/>
+              </a:buClr>
+              <a:buSzPts val="1400"/>
+              <a:buFont typeface="Lato"/>
+              <a:buNone/>
+              <a:defRPr sz="1400" b="0" i="0" u="none" strike="noStrike" cap="none">
+                <a:solidFill>
+                  <a:schemeClr val="dk2"/>
+                </a:solidFill>
+                <a:latin typeface="Lato"/>
+                <a:ea typeface="Lato"/>
+                <a:cs typeface="Lato"/>
+                <a:sym typeface="Lato"/>
+              </a:defRPr>
+            </a:lvl4pPr>
+            <a:lvl5pPr marL="2286000" marR="0" lvl="4" indent="-317500" algn="ctr" rtl="0">
+              <a:lnSpc>
+                <a:spcPct val="100000"/>
+              </a:lnSpc>
+              <a:spcBef>
+                <a:spcPts val="1600"/>
+              </a:spcBef>
+              <a:spcAft>
+                <a:spcPts val="0"/>
+              </a:spcAft>
+              <a:buClr>
+                <a:schemeClr val="dk2"/>
+              </a:buClr>
+              <a:buSzPts val="1400"/>
+              <a:buFont typeface="Lato"/>
+              <a:buNone/>
+              <a:defRPr sz="1400" b="0" i="0" u="none" strike="noStrike" cap="none">
+                <a:solidFill>
+                  <a:schemeClr val="dk2"/>
+                </a:solidFill>
+                <a:latin typeface="Lato"/>
+                <a:ea typeface="Lato"/>
+                <a:cs typeface="Lato"/>
+                <a:sym typeface="Lato"/>
+              </a:defRPr>
+            </a:lvl5pPr>
+            <a:lvl6pPr marL="2743200" marR="0" lvl="5" indent="-317500" algn="ctr" rtl="0">
+              <a:lnSpc>
+                <a:spcPct val="100000"/>
+              </a:lnSpc>
+              <a:spcBef>
+                <a:spcPts val="1600"/>
+              </a:spcBef>
+              <a:spcAft>
+                <a:spcPts val="0"/>
+              </a:spcAft>
+              <a:buClr>
+                <a:schemeClr val="dk2"/>
+              </a:buClr>
+              <a:buSzPts val="1400"/>
+              <a:buFont typeface="Lato"/>
+              <a:buNone/>
+              <a:defRPr sz="1400" b="0" i="0" u="none" strike="noStrike" cap="none">
+                <a:solidFill>
+                  <a:schemeClr val="dk2"/>
+                </a:solidFill>
+                <a:latin typeface="Lato"/>
+                <a:ea typeface="Lato"/>
+                <a:cs typeface="Lato"/>
+                <a:sym typeface="Lato"/>
+              </a:defRPr>
+            </a:lvl6pPr>
+            <a:lvl7pPr marL="3200400" marR="0" lvl="6" indent="-317500" algn="ctr" rtl="0">
+              <a:lnSpc>
+                <a:spcPct val="100000"/>
+              </a:lnSpc>
+              <a:spcBef>
+                <a:spcPts val="1600"/>
+              </a:spcBef>
+              <a:spcAft>
+                <a:spcPts val="0"/>
+              </a:spcAft>
+              <a:buClr>
+                <a:schemeClr val="dk2"/>
+              </a:buClr>
+              <a:buSzPts val="1400"/>
+              <a:buFont typeface="Lato"/>
+              <a:buNone/>
+              <a:defRPr sz="1400" b="0" i="0" u="none" strike="noStrike" cap="none">
+                <a:solidFill>
+                  <a:schemeClr val="dk2"/>
+                </a:solidFill>
+                <a:latin typeface="Lato"/>
+                <a:ea typeface="Lato"/>
+                <a:cs typeface="Lato"/>
+                <a:sym typeface="Lato"/>
+              </a:defRPr>
+            </a:lvl7pPr>
+            <a:lvl8pPr marL="3657600" marR="0" lvl="7" indent="-317500" algn="ctr" rtl="0">
+              <a:lnSpc>
+                <a:spcPct val="100000"/>
+              </a:lnSpc>
+              <a:spcBef>
+                <a:spcPts val="1600"/>
+              </a:spcBef>
+              <a:spcAft>
+                <a:spcPts val="0"/>
+              </a:spcAft>
+              <a:buClr>
+                <a:schemeClr val="dk2"/>
+              </a:buClr>
+              <a:buSzPts val="1400"/>
+              <a:buFont typeface="Lato"/>
+              <a:buNone/>
+              <a:defRPr sz="1400" b="0" i="0" u="none" strike="noStrike" cap="none">
+                <a:solidFill>
+                  <a:schemeClr val="dk2"/>
+                </a:solidFill>
+                <a:latin typeface="Lato"/>
+                <a:ea typeface="Lato"/>
+                <a:cs typeface="Lato"/>
+                <a:sym typeface="Lato"/>
+              </a:defRPr>
+            </a:lvl8pPr>
+            <a:lvl9pPr marL="4114800" marR="0" lvl="8" indent="-317500" algn="ctr" rtl="0">
+              <a:lnSpc>
+                <a:spcPct val="100000"/>
+              </a:lnSpc>
+              <a:spcBef>
+                <a:spcPts val="1600"/>
+              </a:spcBef>
+              <a:spcAft>
+                <a:spcPts val="1600"/>
+              </a:spcAft>
+              <a:buClr>
+                <a:schemeClr val="dk2"/>
+              </a:buClr>
+              <a:buSzPts val="1400"/>
+              <a:buFont typeface="Lato"/>
+              <a:buNone/>
+              <a:defRPr sz="1400" b="0" i="0" u="none" strike="noStrike" cap="none">
+                <a:solidFill>
+                  <a:schemeClr val="dk2"/>
+                </a:solidFill>
+                <a:latin typeface="Lato"/>
+                <a:ea typeface="Lato"/>
+                <a:cs typeface="Lato"/>
+                <a:sym typeface="Lato"/>
+              </a:defRPr>
+            </a:lvl9pPr>
+          </a:lstStyle>
+          <a:p>
+            <a:pPr marL="0" indent="0"/>
+            <a:r>
+              <a:rPr lang="uk-UA" dirty="0"/>
+              <a:t>Виконав</a:t>
+            </a:r>
+            <a:r>
+              <a:rPr lang="en-US" dirty="0"/>
+              <a:t> </a:t>
+            </a:r>
+            <a:r>
+              <a:rPr lang="uk-UA" dirty="0"/>
+              <a:t>студент</a:t>
+            </a:r>
+            <a:r>
+              <a:rPr lang="en-US" dirty="0"/>
+              <a:t>:</a:t>
+            </a:r>
+            <a:r>
+              <a:rPr lang="uk-UA" dirty="0"/>
+              <a:t> </a:t>
+            </a:r>
+            <a:r>
+              <a:rPr lang="uk-UA" dirty="0" err="1"/>
+              <a:t>Дзизиль</a:t>
+            </a:r>
+            <a:r>
+              <a:rPr lang="uk-UA" dirty="0"/>
+              <a:t> Д.Є.</a:t>
+            </a:r>
+            <a:endParaRPr lang="en-US" dirty="0"/>
+          </a:p>
+        </p:txBody>
+      </p:sp>
+      <p:sp>
+        <p:nvSpPr>
+          <p:cNvPr id="6" name="TextBox 5"/>
+          <p:cNvSpPr txBox="1"/>
+          <p:nvPr/>
+        </p:nvSpPr>
+        <p:spPr>
+          <a:xfrm>
+            <a:off x="1670031" y="1655412"/>
+            <a:ext cx="5477509" cy="3539430"/>
+          </a:xfrm>
+          <a:prstGeom prst="rect">
+            <a:avLst/>
+          </a:prstGeom>
+          <a:noFill/>
+        </p:spPr>
+        <p:txBody>
+          <a:bodyPr wrap="square" rtlCol="0">
+            <a:spAutoFit/>
+          </a:bodyPr>
+          <a:lstStyle/>
+          <a:p>
+            <a:pPr marL="342900" lvl="1" indent="-342900">
+              <a:buFont typeface="+mj-lt"/>
+              <a:buAutoNum type="alphaLcPeriod" startAt="3"/>
+            </a:pPr>
+            <a:r>
+              <a:rPr lang="en-US" dirty="0">
+                <a:solidFill>
+                  <a:schemeClr val="dk1"/>
+                </a:solidFill>
+                <a:latin typeface="Varela Round"/>
+                <a:ea typeface="Varela Round"/>
+                <a:cs typeface="Varela Round"/>
+                <a:sym typeface="Varela Round"/>
+              </a:rPr>
+              <a:t>If necessary, enable the SSH service</a:t>
+            </a:r>
+            <a:r>
+              <a:rPr lang="en-US" dirty="0" smtClean="0">
+                <a:solidFill>
+                  <a:schemeClr val="dk1"/>
+                </a:solidFill>
+                <a:latin typeface="Varela Round"/>
+                <a:ea typeface="Varela Round"/>
+                <a:cs typeface="Varela Round"/>
+                <a:sym typeface="Varela Round"/>
+              </a:rPr>
+              <a:t>:</a:t>
+            </a:r>
+            <a:r>
+              <a:rPr lang="uk-UA" dirty="0" smtClean="0">
+                <a:solidFill>
+                  <a:schemeClr val="dk1"/>
+                </a:solidFill>
+                <a:latin typeface="Varela Round"/>
+                <a:ea typeface="Varela Round"/>
+                <a:cs typeface="Varela Round"/>
+                <a:sym typeface="Varela Round"/>
+              </a:rPr>
+              <a:t> </a:t>
+            </a:r>
+            <a:r>
+              <a:rPr lang="en-GB" dirty="0" err="1">
+                <a:solidFill>
+                  <a:schemeClr val="dk1"/>
+                </a:solidFill>
+                <a:latin typeface="Varela Round"/>
+                <a:ea typeface="Varela Round"/>
+                <a:cs typeface="Varela Round"/>
+                <a:sym typeface="Varela Round"/>
+              </a:rPr>
+              <a:t>sudo</a:t>
+            </a:r>
+            <a:r>
+              <a:rPr lang="en-GB" dirty="0">
+                <a:solidFill>
+                  <a:schemeClr val="dk1"/>
+                </a:solidFill>
+                <a:latin typeface="Varela Round"/>
+                <a:ea typeface="Varela Round"/>
+                <a:cs typeface="Varela Round"/>
+                <a:sym typeface="Varela Round"/>
+              </a:rPr>
+              <a:t> </a:t>
+            </a:r>
+            <a:r>
+              <a:rPr lang="en-GB" dirty="0" err="1">
+                <a:solidFill>
+                  <a:schemeClr val="dk1"/>
+                </a:solidFill>
+                <a:latin typeface="Varela Round"/>
+                <a:ea typeface="Varela Round"/>
+                <a:cs typeface="Varela Round"/>
+                <a:sym typeface="Varela Round"/>
+              </a:rPr>
+              <a:t>systemctl</a:t>
+            </a:r>
+            <a:r>
+              <a:rPr lang="en-GB" dirty="0">
+                <a:solidFill>
+                  <a:schemeClr val="dk1"/>
+                </a:solidFill>
+                <a:latin typeface="Varela Round"/>
+                <a:ea typeface="Varela Round"/>
+                <a:cs typeface="Varela Round"/>
+                <a:sym typeface="Varela Round"/>
+              </a:rPr>
+              <a:t> enable </a:t>
+            </a:r>
+            <a:r>
+              <a:rPr lang="en-GB" dirty="0" err="1" smtClean="0">
+                <a:solidFill>
+                  <a:schemeClr val="dk1"/>
+                </a:solidFill>
+                <a:latin typeface="Varela Round"/>
+                <a:ea typeface="Varela Round"/>
+                <a:cs typeface="Varela Round"/>
+                <a:sym typeface="Varela Round"/>
+              </a:rPr>
+              <a:t>ssh</a:t>
+            </a:r>
+            <a:endParaRPr lang="uk-UA" dirty="0" smtClean="0">
+              <a:solidFill>
+                <a:schemeClr val="dk1"/>
+              </a:solidFill>
+              <a:latin typeface="Varela Round"/>
+              <a:ea typeface="Varela Round"/>
+              <a:cs typeface="Varela Round"/>
+              <a:sym typeface="Varela Round"/>
+            </a:endParaRPr>
+          </a:p>
+          <a:p>
+            <a:pPr marL="342900" indent="-342900">
+              <a:buFont typeface="+mj-lt"/>
+              <a:buAutoNum type="alphaLcPeriod" startAt="4"/>
+            </a:pPr>
+            <a:r>
+              <a:rPr lang="en-US" dirty="0" smtClean="0">
+                <a:solidFill>
+                  <a:schemeClr val="dk1"/>
+                </a:solidFill>
+                <a:latin typeface="Varela Round"/>
+                <a:ea typeface="Varela Round"/>
+                <a:cs typeface="Varela Round"/>
+                <a:sym typeface="Varela Round"/>
+              </a:rPr>
+              <a:t>After installing SSH, verify that the SSH service is running on your virtual machine:</a:t>
+            </a:r>
+            <a:r>
+              <a:rPr lang="uk-UA" dirty="0" smtClean="0">
+                <a:solidFill>
+                  <a:schemeClr val="dk1"/>
+                </a:solidFill>
+                <a:latin typeface="Varela Round"/>
+                <a:ea typeface="Varela Round"/>
+                <a:cs typeface="Varela Round"/>
+                <a:sym typeface="Varela Round"/>
+              </a:rPr>
+              <a:t> </a:t>
+            </a:r>
+            <a:r>
+              <a:rPr lang="en-US" dirty="0" err="1" smtClean="0">
+                <a:solidFill>
+                  <a:schemeClr val="dk1"/>
+                </a:solidFill>
+                <a:latin typeface="Varela Round"/>
+                <a:ea typeface="Varela Round"/>
+                <a:cs typeface="Varela Round"/>
+                <a:sym typeface="Varela Round"/>
+              </a:rPr>
+              <a:t>sudo</a:t>
+            </a:r>
+            <a:r>
+              <a:rPr lang="en-US" dirty="0" smtClean="0">
+                <a:solidFill>
+                  <a:schemeClr val="dk1"/>
+                </a:solidFill>
+                <a:latin typeface="Varela Round"/>
+                <a:ea typeface="Varela Round"/>
+                <a:cs typeface="Varela Round"/>
+                <a:sym typeface="Varela Round"/>
+              </a:rPr>
+              <a:t> </a:t>
+            </a:r>
+            <a:r>
+              <a:rPr lang="en-US" dirty="0" err="1" smtClean="0">
+                <a:solidFill>
+                  <a:schemeClr val="dk1"/>
+                </a:solidFill>
+                <a:latin typeface="Varela Round"/>
+                <a:ea typeface="Varela Round"/>
+                <a:cs typeface="Varela Round"/>
+                <a:sym typeface="Varela Round"/>
+              </a:rPr>
+              <a:t>systemctl</a:t>
+            </a:r>
+            <a:r>
+              <a:rPr lang="en-US" dirty="0" smtClean="0">
+                <a:solidFill>
+                  <a:schemeClr val="dk1"/>
+                </a:solidFill>
+                <a:latin typeface="Varela Round"/>
+                <a:ea typeface="Varela Round"/>
+                <a:cs typeface="Varela Round"/>
+                <a:sym typeface="Varela Round"/>
+              </a:rPr>
+              <a:t> status </a:t>
+            </a:r>
+            <a:r>
+              <a:rPr lang="en-US" dirty="0" err="1" smtClean="0">
+                <a:solidFill>
+                  <a:schemeClr val="dk1"/>
+                </a:solidFill>
+                <a:latin typeface="Varela Round"/>
+                <a:ea typeface="Varela Round"/>
+                <a:cs typeface="Varela Round"/>
+                <a:sym typeface="Varela Round"/>
+              </a:rPr>
+              <a:t>ssh</a:t>
+            </a:r>
+            <a:endParaRPr lang="uk-UA" dirty="0" smtClean="0">
+              <a:solidFill>
+                <a:schemeClr val="dk1"/>
+              </a:solidFill>
+              <a:latin typeface="Varela Round"/>
+              <a:ea typeface="Varela Round"/>
+              <a:cs typeface="Varela Round"/>
+              <a:sym typeface="Varela Round"/>
+            </a:endParaRPr>
+          </a:p>
+          <a:p>
+            <a:r>
+              <a:rPr lang="en-US" dirty="0">
+                <a:solidFill>
+                  <a:schemeClr val="dk1"/>
+                </a:solidFill>
+                <a:latin typeface="Varela Round"/>
+                <a:ea typeface="Varela Round"/>
+                <a:cs typeface="Varela Round"/>
+                <a:sym typeface="Varela Round"/>
+              </a:rPr>
+              <a:t>Find the IP address of the Linux virtual machine</a:t>
+            </a:r>
+            <a:r>
+              <a:rPr lang="en-US" dirty="0" smtClean="0">
+                <a:solidFill>
+                  <a:schemeClr val="dk1"/>
+                </a:solidFill>
+                <a:latin typeface="Varela Round"/>
+                <a:ea typeface="Varela Round"/>
+                <a:cs typeface="Varela Round"/>
+                <a:sym typeface="Varela Round"/>
+              </a:rPr>
+              <a:t>:</a:t>
+            </a:r>
+            <a:endParaRPr lang="en-US" dirty="0">
+              <a:solidFill>
+                <a:schemeClr val="dk1"/>
+              </a:solidFill>
+              <a:latin typeface="Varela Round"/>
+              <a:ea typeface="Varela Round"/>
+              <a:cs typeface="Varela Round"/>
+              <a:sym typeface="Varela Round"/>
+            </a:endParaRPr>
+          </a:p>
+          <a:p>
+            <a:pPr marL="342900" indent="-342900">
+              <a:buFont typeface="+mj-lt"/>
+              <a:buAutoNum type="alphaLcPeriod"/>
+            </a:pPr>
+            <a:r>
+              <a:rPr lang="en-US" dirty="0" smtClean="0">
+                <a:solidFill>
+                  <a:schemeClr val="dk1"/>
+                </a:solidFill>
+                <a:latin typeface="Varela Round"/>
+                <a:ea typeface="Varela Round"/>
+                <a:cs typeface="Varela Round"/>
+                <a:sym typeface="Varela Round"/>
+              </a:rPr>
+              <a:t>Start </a:t>
+            </a:r>
+            <a:r>
+              <a:rPr lang="en-US" dirty="0">
+                <a:solidFill>
+                  <a:schemeClr val="dk1"/>
+                </a:solidFill>
+                <a:latin typeface="Varela Round"/>
+                <a:ea typeface="Varela Round"/>
+                <a:cs typeface="Varela Round"/>
+                <a:sym typeface="Varela Round"/>
+              </a:rPr>
+              <a:t>your Linux virtual machine and open a terminal.</a:t>
+            </a:r>
+          </a:p>
+          <a:p>
+            <a:pPr marL="342900" indent="-342900">
+              <a:buFont typeface="+mj-lt"/>
+              <a:buAutoNum type="alphaLcPeriod"/>
+            </a:pPr>
+            <a:r>
+              <a:rPr lang="en-US" dirty="0" smtClean="0">
+                <a:solidFill>
+                  <a:schemeClr val="dk1"/>
+                </a:solidFill>
+                <a:latin typeface="Varela Round"/>
+                <a:ea typeface="Varela Round"/>
+                <a:cs typeface="Varela Round"/>
+                <a:sym typeface="Varela Round"/>
+              </a:rPr>
+              <a:t>Enter </a:t>
+            </a:r>
+            <a:r>
+              <a:rPr lang="en-US" dirty="0">
+                <a:solidFill>
+                  <a:schemeClr val="dk1"/>
+                </a:solidFill>
+                <a:latin typeface="Varela Round"/>
+                <a:ea typeface="Varela Round"/>
+                <a:cs typeface="Varela Round"/>
+                <a:sym typeface="Varela Round"/>
+              </a:rPr>
+              <a:t>the following command to find the IP address of the virtual machine</a:t>
+            </a:r>
+            <a:r>
+              <a:rPr lang="en-US" dirty="0" smtClean="0">
+                <a:solidFill>
+                  <a:schemeClr val="dk1"/>
+                </a:solidFill>
+                <a:latin typeface="Varela Round"/>
+                <a:ea typeface="Varela Round"/>
+                <a:cs typeface="Varela Round"/>
+                <a:sym typeface="Varela Round"/>
+              </a:rPr>
+              <a:t>:</a:t>
+            </a:r>
+            <a:r>
+              <a:rPr lang="uk-UA" dirty="0" smtClean="0">
+                <a:solidFill>
+                  <a:schemeClr val="dk1"/>
+                </a:solidFill>
+                <a:latin typeface="Varela Round"/>
+                <a:ea typeface="Varela Round"/>
+                <a:cs typeface="Varela Round"/>
+                <a:sym typeface="Varela Round"/>
+              </a:rPr>
+              <a:t> </a:t>
+            </a:r>
+            <a:r>
+              <a:rPr lang="en-GB" dirty="0" err="1">
+                <a:solidFill>
+                  <a:schemeClr val="dk1"/>
+                </a:solidFill>
+                <a:latin typeface="Varela Round"/>
+                <a:ea typeface="Varela Round"/>
+                <a:cs typeface="Varela Round"/>
+                <a:sym typeface="Varela Round"/>
+              </a:rPr>
+              <a:t>ip</a:t>
+            </a:r>
+            <a:r>
+              <a:rPr lang="en-GB" dirty="0">
+                <a:solidFill>
+                  <a:schemeClr val="dk1"/>
+                </a:solidFill>
+                <a:latin typeface="Varela Round"/>
+                <a:ea typeface="Varela Round"/>
+                <a:cs typeface="Varela Round"/>
+                <a:sym typeface="Varela Round"/>
+              </a:rPr>
+              <a:t> a</a:t>
+            </a:r>
+          </a:p>
+          <a:p>
+            <a:r>
+              <a:rPr lang="en-US" dirty="0">
+                <a:solidFill>
+                  <a:schemeClr val="dk1"/>
+                </a:solidFill>
+                <a:latin typeface="Varela Round"/>
+                <a:ea typeface="Varela Round"/>
+                <a:cs typeface="Varela Round"/>
+                <a:sym typeface="Varela Round"/>
+              </a:rPr>
+              <a:t>Copy an audio file from Windows to a Linux virtual machine</a:t>
+            </a:r>
+            <a:r>
+              <a:rPr lang="en-US" dirty="0" smtClean="0">
+                <a:solidFill>
+                  <a:schemeClr val="dk1"/>
+                </a:solidFill>
+                <a:latin typeface="Varela Round"/>
+                <a:ea typeface="Varela Round"/>
+                <a:cs typeface="Varela Round"/>
+                <a:sym typeface="Varela Round"/>
+              </a:rPr>
+              <a:t>:</a:t>
+            </a:r>
+            <a:endParaRPr lang="en-US" dirty="0">
+              <a:solidFill>
+                <a:schemeClr val="dk1"/>
+              </a:solidFill>
+              <a:latin typeface="Varela Round"/>
+              <a:ea typeface="Varela Round"/>
+              <a:cs typeface="Varela Round"/>
+              <a:sym typeface="Varela Round"/>
+            </a:endParaRPr>
+          </a:p>
+          <a:p>
+            <a:pPr marL="342900" indent="-342900">
+              <a:buFont typeface="+mj-lt"/>
+              <a:buAutoNum type="alphaLcPeriod"/>
+            </a:pPr>
+            <a:r>
+              <a:rPr lang="en-US" dirty="0" smtClean="0">
+                <a:solidFill>
+                  <a:schemeClr val="dk1"/>
+                </a:solidFill>
+                <a:latin typeface="Varela Round"/>
+                <a:ea typeface="Varela Round"/>
+                <a:cs typeface="Varela Round"/>
+                <a:sym typeface="Varela Round"/>
+              </a:rPr>
+              <a:t>From </a:t>
+            </a:r>
+            <a:r>
+              <a:rPr lang="en-US" dirty="0">
+                <a:solidFill>
+                  <a:schemeClr val="dk1"/>
+                </a:solidFill>
+                <a:latin typeface="Varela Round"/>
+                <a:ea typeface="Varela Round"/>
+                <a:cs typeface="Varela Round"/>
+                <a:sym typeface="Varela Round"/>
+              </a:rPr>
+              <a:t>your primary operating system (Windows), use an SSH client (such as </a:t>
+            </a:r>
+            <a:r>
+              <a:rPr lang="en-US" dirty="0" err="1">
+                <a:solidFill>
+                  <a:schemeClr val="dk1"/>
+                </a:solidFill>
+                <a:latin typeface="Varela Round"/>
+                <a:ea typeface="Varela Round"/>
+                <a:cs typeface="Varela Round"/>
+                <a:sym typeface="Varela Round"/>
+              </a:rPr>
+              <a:t>PuTTY</a:t>
+            </a:r>
+            <a:r>
+              <a:rPr lang="en-US" dirty="0">
+                <a:solidFill>
+                  <a:schemeClr val="dk1"/>
+                </a:solidFill>
+                <a:latin typeface="Varela Round"/>
+                <a:ea typeface="Varela Round"/>
+                <a:cs typeface="Varela Round"/>
+                <a:sym typeface="Varela Round"/>
+              </a:rPr>
+              <a:t> or Windows PowerShell) to connect to the Linux virtual machine using its IP address and SSH port (usually 22).</a:t>
+            </a:r>
+          </a:p>
+          <a:p>
+            <a:endParaRPr lang="en-US" dirty="0">
+              <a:solidFill>
+                <a:schemeClr val="dk1"/>
+              </a:solidFill>
+              <a:latin typeface="Varela Round"/>
+              <a:ea typeface="Varela Round"/>
+              <a:cs typeface="Varela Round"/>
+              <a:sym typeface="Varela Round"/>
+            </a:endParaRPr>
+          </a:p>
+          <a:p>
+            <a:pPr marL="342900" indent="-342900">
+              <a:buFont typeface="+mj-lt"/>
+              <a:buAutoNum type="alphaLcPeriod" startAt="4"/>
+            </a:pPr>
+            <a:endParaRPr lang="en-US" dirty="0" smtClean="0">
+              <a:solidFill>
+                <a:schemeClr val="dk1"/>
+              </a:solidFill>
+              <a:latin typeface="Varela Round"/>
+              <a:ea typeface="Varela Round"/>
+              <a:cs typeface="Varela Round"/>
+              <a:sym typeface="Varela Round"/>
+            </a:endParaRPr>
+          </a:p>
+          <a:p>
+            <a:endParaRPr lang="uk-UA" dirty="0" smtClean="0">
+              <a:solidFill>
+                <a:schemeClr val="dk1"/>
+              </a:solidFill>
+              <a:latin typeface="Varela Round"/>
+              <a:ea typeface="Varela Round"/>
+              <a:cs typeface="Varela Round"/>
+              <a:sym typeface="Varela Round"/>
+            </a:endParaRPr>
+          </a:p>
+        </p:txBody>
+      </p:sp>
+    </p:spTree>
+    <p:extLst>
+      <p:ext uri="{BB962C8B-B14F-4D97-AF65-F5344CB8AC3E}">
+        <p14:creationId xmlns:p14="http://schemas.microsoft.com/office/powerpoint/2010/main" val="2193566561"/>
+      </p:ext>
+    </p:extLst>
+  </p:cSld>
+  <p:clrMapOvr>
+    <a:masterClrMapping/>
+  </p:clrMapOvr>
+  <p:timing>
+    <p:tnLst>
+      <p:par>
+        <p:cTn id="1" dur="indefinite" restart="never" nodeType="tmRoot"/>
+      </p:par>
+    </p:tnLst>
+  </p:timing>
+</p:sld>
+</file>
+
+<file path=ppt/slides/slide26.xml><?xml version="1.0" encoding="utf-8"?>
+<p:sld xmlns:a="http://schemas.openxmlformats.org/drawingml/2006/main" xmlns:r="http://schemas.openxmlformats.org/officeDocument/2006/relationships" xmlns:p="http://schemas.openxmlformats.org/presentationml/2006/main">
+  <p:cSld>
+    <p:spTree>
+      <p:nvGrpSpPr>
+        <p:cNvPr id="1" name="Shape 524"/>
+        <p:cNvGrpSpPr/>
+        <p:nvPr/>
+      </p:nvGrpSpPr>
+      <p:grpSpPr>
+        <a:xfrm>
+          <a:off x="0" y="0"/>
+          <a:ext cx="0" cy="0"/>
+          <a:chOff x="0" y="0"/>
+          <a:chExt cx="0" cy="0"/>
+        </a:xfrm>
+      </p:grpSpPr>
+      <p:grpSp>
+        <p:nvGrpSpPr>
+          <p:cNvPr id="525" name="Google Shape;525;p37"/>
+          <p:cNvGrpSpPr/>
+          <p:nvPr/>
+        </p:nvGrpSpPr>
+        <p:grpSpPr>
+          <a:xfrm>
+            <a:off x="1639087" y="1122745"/>
+            <a:ext cx="5678918" cy="3608039"/>
+            <a:chOff x="2333960" y="2049193"/>
+            <a:chExt cx="1137900" cy="861417"/>
+          </a:xfrm>
+        </p:grpSpPr>
+        <p:sp>
+          <p:nvSpPr>
+            <p:cNvPr id="526" name="Google Shape;526;p37"/>
+            <p:cNvSpPr/>
+            <p:nvPr/>
+          </p:nvSpPr>
+          <p:spPr>
+            <a:xfrm>
+              <a:off x="2333960" y="2049193"/>
+              <a:ext cx="539100" cy="630900"/>
+            </a:xfrm>
+            <a:prstGeom prst="roundRect">
+              <a:avLst>
+                <a:gd name="adj" fmla="val 6278"/>
+              </a:avLst>
+            </a:prstGeom>
+            <a:solidFill>
+              <a:schemeClr val="lt2"/>
+            </a:solidFill>
+            <a:ln w="28575" cap="flat" cmpd="sng">
+              <a:solidFill>
+                <a:schemeClr val="dk1"/>
+              </a:solidFill>
+              <a:prstDash val="solid"/>
+              <a:round/>
+              <a:headEnd type="none" w="sm" len="sm"/>
+              <a:tailEnd type="none" w="sm" len="sm"/>
+            </a:ln>
+            <a:effectLst>
+              <a:outerShdw dist="38100" dir="2040000" algn="bl" rotWithShape="0">
+                <a:schemeClr val="dk1"/>
+              </a:outerShdw>
+            </a:effectLst>
+          </p:spPr>
+          <p:txBody>
+            <a:bodyPr spcFirstLastPara="1" wrap="square" lIns="91425" tIns="91425" rIns="91425" bIns="91425" anchor="ctr" anchorCtr="0">
+              <a:noAutofit/>
+            </a:bodyPr>
+            <a:lstStyle/>
+            <a:p>
+              <a:pPr marL="0" lvl="0" indent="0" algn="l" rtl="0">
+                <a:spcBef>
+                  <a:spcPts val="0"/>
+                </a:spcBef>
+                <a:spcAft>
+                  <a:spcPts val="0"/>
+                </a:spcAft>
+                <a:buNone/>
+              </a:pPr>
+              <a:endParaRPr/>
+            </a:p>
+          </p:txBody>
+        </p:sp>
+        <p:sp>
+          <p:nvSpPr>
+            <p:cNvPr id="527" name="Google Shape;527;p37"/>
+            <p:cNvSpPr/>
+            <p:nvPr/>
+          </p:nvSpPr>
+          <p:spPr>
+            <a:xfrm>
+              <a:off x="2333960" y="2175010"/>
+              <a:ext cx="1137900" cy="735600"/>
+            </a:xfrm>
+            <a:prstGeom prst="roundRect">
+              <a:avLst>
+                <a:gd name="adj" fmla="val 5762"/>
+              </a:avLst>
+            </a:prstGeom>
+            <a:solidFill>
+              <a:schemeClr val="lt2"/>
+            </a:solidFill>
+            <a:ln w="28575" cap="flat" cmpd="sng">
+              <a:solidFill>
+                <a:schemeClr val="dk1"/>
+              </a:solidFill>
+              <a:prstDash val="solid"/>
+              <a:round/>
+              <a:headEnd type="none" w="sm" len="sm"/>
+              <a:tailEnd type="none" w="sm" len="sm"/>
+            </a:ln>
+            <a:effectLst>
+              <a:outerShdw dist="95250" dir="2040000" algn="bl" rotWithShape="0">
+                <a:schemeClr val="dk1"/>
+              </a:outerShdw>
+            </a:effectLst>
+          </p:spPr>
+          <p:txBody>
+            <a:bodyPr spcFirstLastPara="1" wrap="square" lIns="91425" tIns="91425" rIns="91425" bIns="91425" anchor="ctr" anchorCtr="0">
+              <a:noAutofit/>
+            </a:bodyPr>
+            <a:lstStyle/>
+            <a:p>
+              <a:pPr marL="0" lvl="0" indent="0" algn="l" rtl="0">
+                <a:spcBef>
+                  <a:spcPts val="0"/>
+                </a:spcBef>
+                <a:spcAft>
+                  <a:spcPts val="0"/>
+                </a:spcAft>
+                <a:buNone/>
+              </a:pPr>
+              <a:endParaRPr/>
+            </a:p>
+          </p:txBody>
+        </p:sp>
+      </p:grpSp>
+      <p:sp>
+        <p:nvSpPr>
+          <p:cNvPr id="528" name="Google Shape;528;p37"/>
+          <p:cNvSpPr txBox="1">
+            <a:spLocks noGrp="1"/>
+          </p:cNvSpPr>
+          <p:nvPr>
+            <p:ph type="title"/>
+          </p:nvPr>
+        </p:nvSpPr>
+        <p:spPr>
+          <a:xfrm>
+            <a:off x="1549021" y="1173707"/>
+            <a:ext cx="2864617" cy="503068"/>
+          </a:xfrm>
+          <a:prstGeom prst="rect">
+            <a:avLst/>
+          </a:prstGeom>
+        </p:spPr>
+        <p:txBody>
+          <a:bodyPr spcFirstLastPara="1" wrap="square" lIns="91425" tIns="91425" rIns="91425" bIns="91425" anchor="ctr" anchorCtr="0">
+            <a:noAutofit/>
+          </a:bodyPr>
+          <a:lstStyle/>
+          <a:p>
+            <a:pPr lvl="0"/>
+            <a:r>
+              <a:rPr lang="en-GB" dirty="0"/>
+              <a:t>Sharing audio-file</a:t>
+            </a:r>
+            <a:endParaRPr lang="en-GB" dirty="0"/>
+          </a:p>
+        </p:txBody>
+      </p:sp>
+      <p:sp>
+        <p:nvSpPr>
+          <p:cNvPr id="2" name="Google Shape;511;p35">
+            <a:extLst>
+              <a:ext uri="{FF2B5EF4-FFF2-40B4-BE49-F238E27FC236}">
+                <a16:creationId xmlns:a16="http://schemas.microsoft.com/office/drawing/2014/main" xmlns="" id="{324CC8F1-3796-605E-CF83-341E97B9417E}"/>
+              </a:ext>
+            </a:extLst>
+          </p:cNvPr>
+          <p:cNvSpPr txBox="1">
+            <a:spLocks/>
+          </p:cNvSpPr>
+          <p:nvPr/>
+        </p:nvSpPr>
+        <p:spPr>
+          <a:xfrm>
+            <a:off x="7411453" y="396231"/>
+            <a:ext cx="1529753" cy="860137"/>
+          </a:xfrm>
+          <a:prstGeom prst="rect">
+            <a:avLst/>
+          </a:prstGeom>
+        </p:spPr>
+        <p:txBody>
+          <a:bodyPr spcFirstLastPara="1" wrap="square" lIns="91425" tIns="91425" rIns="91425" bIns="91425" anchor="ctr" anchorCtr="0">
+            <a:noAutofit/>
+          </a:bodyPr>
+          <a:lstStyle>
+            <a:defPPr marR="0" lvl="0" algn="l" rtl="0">
+              <a:lnSpc>
+                <a:spcPct val="100000"/>
+              </a:lnSpc>
+              <a:spcBef>
+                <a:spcPts val="0"/>
+              </a:spcBef>
+              <a:spcAft>
+                <a:spcPts val="0"/>
+              </a:spcAft>
+            </a:defPPr>
+            <a:lvl1pPr marR="0" lvl="0" algn="l" rtl="0">
+              <a:lnSpc>
+                <a:spcPct val="100000"/>
+              </a:lnSpc>
+              <a:spcBef>
+                <a:spcPts val="0"/>
+              </a:spcBef>
+              <a:spcAft>
+                <a:spcPts val="0"/>
+              </a:spcAft>
+              <a:buClr>
+                <a:srgbClr val="000000"/>
+              </a:buClr>
+              <a:buFont typeface="Arial"/>
+              <a:defRPr sz="1400" b="0" i="0" u="none" strike="noStrike" cap="none">
+                <a:solidFill>
+                  <a:srgbClr val="000000"/>
+                </a:solidFill>
+                <a:latin typeface="Arial"/>
+                <a:ea typeface="Arial"/>
+                <a:cs typeface="Arial"/>
+                <a:sym typeface="Arial"/>
+              </a:defRPr>
+            </a:lvl1pPr>
+            <a:lvl2pPr marR="0" lvl="1" algn="l" rtl="0">
+              <a:lnSpc>
+                <a:spcPct val="100000"/>
+              </a:lnSpc>
+              <a:spcBef>
+                <a:spcPts val="0"/>
+              </a:spcBef>
+              <a:spcAft>
+                <a:spcPts val="0"/>
+              </a:spcAft>
+              <a:buClr>
+                <a:srgbClr val="000000"/>
+              </a:buClr>
+              <a:buFont typeface="Arial"/>
+              <a:defRPr sz="1400" b="0" i="0" u="none" strike="noStrike" cap="none">
+                <a:solidFill>
+                  <a:srgbClr val="000000"/>
+                </a:solidFill>
+                <a:latin typeface="Arial"/>
+                <a:ea typeface="Arial"/>
+                <a:cs typeface="Arial"/>
+                <a:sym typeface="Arial"/>
+              </a:defRPr>
+            </a:lvl2pPr>
+            <a:lvl3pPr marR="0" lvl="2" algn="l" rtl="0">
+              <a:lnSpc>
+                <a:spcPct val="100000"/>
+              </a:lnSpc>
+              <a:spcBef>
+                <a:spcPts val="0"/>
+              </a:spcBef>
+              <a:spcAft>
+                <a:spcPts val="0"/>
+              </a:spcAft>
+              <a:buClr>
+                <a:srgbClr val="000000"/>
+              </a:buClr>
+              <a:buFont typeface="Arial"/>
+              <a:defRPr sz="1400" b="0" i="0" u="none" strike="noStrike" cap="none">
+                <a:solidFill>
+                  <a:srgbClr val="000000"/>
+                </a:solidFill>
+                <a:latin typeface="Arial"/>
+                <a:ea typeface="Arial"/>
+                <a:cs typeface="Arial"/>
+                <a:sym typeface="Arial"/>
+              </a:defRPr>
+            </a:lvl3pPr>
+            <a:lvl4pPr marR="0" lvl="3" algn="l" rtl="0">
+              <a:lnSpc>
+                <a:spcPct val="100000"/>
+              </a:lnSpc>
+              <a:spcBef>
+                <a:spcPts val="0"/>
+              </a:spcBef>
+              <a:spcAft>
+                <a:spcPts val="0"/>
+              </a:spcAft>
+              <a:buClr>
+                <a:srgbClr val="000000"/>
+              </a:buClr>
+              <a:buFont typeface="Arial"/>
+              <a:defRPr sz="1400" b="0" i="0" u="none" strike="noStrike" cap="none">
+                <a:solidFill>
+                  <a:srgbClr val="000000"/>
+                </a:solidFill>
+                <a:latin typeface="Arial"/>
+                <a:ea typeface="Arial"/>
+                <a:cs typeface="Arial"/>
+                <a:sym typeface="Arial"/>
+              </a:defRPr>
+            </a:lvl4pPr>
+            <a:lvl5pPr marR="0" lvl="4" algn="l" rtl="0">
+              <a:lnSpc>
+                <a:spcPct val="100000"/>
+              </a:lnSpc>
+              <a:spcBef>
+                <a:spcPts val="0"/>
+              </a:spcBef>
+              <a:spcAft>
+                <a:spcPts val="0"/>
+              </a:spcAft>
+              <a:buClr>
+                <a:srgbClr val="000000"/>
+              </a:buClr>
+              <a:buFont typeface="Arial"/>
+              <a:defRPr sz="1400" b="0" i="0" u="none" strike="noStrike" cap="none">
+                <a:solidFill>
+                  <a:srgbClr val="000000"/>
+                </a:solidFill>
+                <a:latin typeface="Arial"/>
+                <a:ea typeface="Arial"/>
+                <a:cs typeface="Arial"/>
+                <a:sym typeface="Arial"/>
+              </a:defRPr>
+            </a:lvl5pPr>
+            <a:lvl6pPr marR="0" lvl="5" algn="l" rtl="0">
+              <a:lnSpc>
+                <a:spcPct val="100000"/>
+              </a:lnSpc>
+              <a:spcBef>
+                <a:spcPts val="0"/>
+              </a:spcBef>
+              <a:spcAft>
+                <a:spcPts val="0"/>
+              </a:spcAft>
+              <a:buClr>
+                <a:srgbClr val="000000"/>
+              </a:buClr>
+              <a:buFont typeface="Arial"/>
+              <a:defRPr sz="1400" b="0" i="0" u="none" strike="noStrike" cap="none">
+                <a:solidFill>
+                  <a:srgbClr val="000000"/>
+                </a:solidFill>
+                <a:latin typeface="Arial"/>
+                <a:ea typeface="Arial"/>
+                <a:cs typeface="Arial"/>
+                <a:sym typeface="Arial"/>
+              </a:defRPr>
+            </a:lvl6pPr>
+            <a:lvl7pPr marR="0" lvl="6" algn="l" rtl="0">
+              <a:lnSpc>
+                <a:spcPct val="100000"/>
+              </a:lnSpc>
+              <a:spcBef>
+                <a:spcPts val="0"/>
+              </a:spcBef>
+              <a:spcAft>
+                <a:spcPts val="0"/>
+              </a:spcAft>
+              <a:buClr>
+                <a:srgbClr val="000000"/>
+              </a:buClr>
+              <a:buFont typeface="Arial"/>
+              <a:defRPr sz="1400" b="0" i="0" u="none" strike="noStrike" cap="none">
+                <a:solidFill>
+                  <a:srgbClr val="000000"/>
+                </a:solidFill>
+                <a:latin typeface="Arial"/>
+                <a:ea typeface="Arial"/>
+                <a:cs typeface="Arial"/>
+                <a:sym typeface="Arial"/>
+              </a:defRPr>
+            </a:lvl7pPr>
+            <a:lvl8pPr marR="0" lvl="7" algn="l" rtl="0">
+              <a:lnSpc>
+                <a:spcPct val="100000"/>
+              </a:lnSpc>
+              <a:spcBef>
+                <a:spcPts val="0"/>
+              </a:spcBef>
+              <a:spcAft>
+                <a:spcPts val="0"/>
+              </a:spcAft>
+              <a:buClr>
+                <a:srgbClr val="000000"/>
+              </a:buClr>
+              <a:buFont typeface="Arial"/>
+              <a:defRPr sz="1400" b="0" i="0" u="none" strike="noStrike" cap="none">
+                <a:solidFill>
+                  <a:srgbClr val="000000"/>
+                </a:solidFill>
+                <a:latin typeface="Arial"/>
+                <a:ea typeface="Arial"/>
+                <a:cs typeface="Arial"/>
+                <a:sym typeface="Arial"/>
+              </a:defRPr>
+            </a:lvl8pPr>
+            <a:lvl9pPr marR="0" lvl="8" algn="l" rtl="0">
+              <a:lnSpc>
+                <a:spcPct val="100000"/>
+              </a:lnSpc>
+              <a:spcBef>
+                <a:spcPts val="0"/>
+              </a:spcBef>
+              <a:spcAft>
+                <a:spcPts val="0"/>
+              </a:spcAft>
+              <a:buClr>
+                <a:srgbClr val="000000"/>
+              </a:buClr>
+              <a:buFont typeface="Arial"/>
+              <a:defRPr sz="1400" b="0" i="0" u="none" strike="noStrike" cap="none">
+                <a:solidFill>
+                  <a:srgbClr val="000000"/>
+                </a:solidFill>
+                <a:latin typeface="Arial"/>
+                <a:ea typeface="Arial"/>
+                <a:cs typeface="Arial"/>
+                <a:sym typeface="Arial"/>
+              </a:defRPr>
+            </a:lvl9pPr>
+          </a:lstStyle>
+          <a:p>
+            <a:pPr algn="ctr">
+              <a:buClr>
+                <a:schemeClr val="dk1"/>
+              </a:buClr>
+              <a:buSzPts val="6000"/>
+            </a:pPr>
+            <a:r>
+              <a:rPr lang="en" sz="6000" b="1" dirty="0" smtClean="0">
+                <a:solidFill>
+                  <a:schemeClr val="dk1"/>
+                </a:solidFill>
+                <a:latin typeface="Varela Round"/>
+                <a:cs typeface="Varela Round"/>
+                <a:sym typeface="Varela Round"/>
+              </a:rPr>
+              <a:t>04</a:t>
+            </a:r>
+            <a:endParaRPr lang="en" sz="6000" b="1" dirty="0">
+              <a:solidFill>
+                <a:schemeClr val="dk1"/>
+              </a:solidFill>
+              <a:latin typeface="Varela Round"/>
+              <a:cs typeface="Varela Round"/>
+              <a:sym typeface="Varela Round"/>
+            </a:endParaRPr>
+          </a:p>
+        </p:txBody>
+      </p:sp>
+      <p:sp>
+        <p:nvSpPr>
+          <p:cNvPr id="3" name="Google Shape;458;p32">
+            <a:extLst>
+              <a:ext uri="{FF2B5EF4-FFF2-40B4-BE49-F238E27FC236}">
+                <a16:creationId xmlns:a16="http://schemas.microsoft.com/office/drawing/2014/main" xmlns="" id="{B281EA46-C90C-3633-637E-6EF93385B033}"/>
+              </a:ext>
+            </a:extLst>
+          </p:cNvPr>
+          <p:cNvSpPr txBox="1">
+            <a:spLocks/>
+          </p:cNvSpPr>
+          <p:nvPr/>
+        </p:nvSpPr>
+        <p:spPr>
+          <a:xfrm>
+            <a:off x="3813213" y="386062"/>
+            <a:ext cx="4177500" cy="520378"/>
+          </a:xfrm>
+          <a:prstGeom prst="rect">
+            <a:avLst/>
+          </a:prstGeom>
+          <a:noFill/>
+          <a:ln>
+            <a:noFill/>
+          </a:ln>
+        </p:spPr>
+        <p:txBody>
+          <a:bodyPr spcFirstLastPara="1" wrap="square" lIns="91425" tIns="91425" rIns="91425" bIns="91425" anchor="ctr" anchorCtr="0">
+            <a:noAutofit/>
+          </a:bodyPr>
+          <a:lstStyle>
+            <a:defPPr marR="0" lvl="0" algn="l" rtl="0">
+              <a:lnSpc>
+                <a:spcPct val="100000"/>
+              </a:lnSpc>
+              <a:spcBef>
+                <a:spcPts val="0"/>
+              </a:spcBef>
+              <a:spcAft>
+                <a:spcPts val="0"/>
+              </a:spcAft>
+            </a:defPPr>
+            <a:lvl1pPr marL="457200" marR="0" lvl="0" indent="-317500" algn="ctr" rtl="0">
+              <a:lnSpc>
+                <a:spcPct val="100000"/>
+              </a:lnSpc>
+              <a:spcBef>
+                <a:spcPts val="0"/>
+              </a:spcBef>
+              <a:spcAft>
+                <a:spcPts val="0"/>
+              </a:spcAft>
+              <a:buClr>
+                <a:schemeClr val="dk2"/>
+              </a:buClr>
+              <a:buSzPts val="1400"/>
+              <a:buFont typeface="Lato"/>
+              <a:buNone/>
+              <a:defRPr sz="1400" b="0" i="0" u="none" strike="noStrike" cap="none">
+                <a:solidFill>
+                  <a:schemeClr val="dk2"/>
+                </a:solidFill>
+                <a:latin typeface="Lato"/>
+                <a:ea typeface="Lato"/>
+                <a:cs typeface="Lato"/>
+                <a:sym typeface="Lato"/>
+              </a:defRPr>
+            </a:lvl1pPr>
+            <a:lvl2pPr marL="914400" marR="0" lvl="1" indent="-317500" algn="ctr" rtl="0">
+              <a:lnSpc>
+                <a:spcPct val="100000"/>
+              </a:lnSpc>
+              <a:spcBef>
+                <a:spcPts val="1600"/>
+              </a:spcBef>
+              <a:spcAft>
+                <a:spcPts val="0"/>
+              </a:spcAft>
+              <a:buClr>
+                <a:schemeClr val="dk2"/>
+              </a:buClr>
+              <a:buSzPts val="1400"/>
+              <a:buFont typeface="Lato"/>
+              <a:buNone/>
+              <a:defRPr sz="1400" b="0" i="0" u="none" strike="noStrike" cap="none">
+                <a:solidFill>
+                  <a:schemeClr val="dk2"/>
+                </a:solidFill>
+                <a:latin typeface="Lato"/>
+                <a:ea typeface="Lato"/>
+                <a:cs typeface="Lato"/>
+                <a:sym typeface="Lato"/>
+              </a:defRPr>
+            </a:lvl2pPr>
+            <a:lvl3pPr marL="1371600" marR="0" lvl="2" indent="-317500" algn="ctr" rtl="0">
+              <a:lnSpc>
+                <a:spcPct val="100000"/>
+              </a:lnSpc>
+              <a:spcBef>
+                <a:spcPts val="1600"/>
+              </a:spcBef>
+              <a:spcAft>
+                <a:spcPts val="0"/>
+              </a:spcAft>
+              <a:buClr>
+                <a:schemeClr val="dk2"/>
+              </a:buClr>
+              <a:buSzPts val="1400"/>
+              <a:buFont typeface="Lato"/>
+              <a:buNone/>
+              <a:defRPr sz="1400" b="0" i="0" u="none" strike="noStrike" cap="none">
+                <a:solidFill>
+                  <a:schemeClr val="dk2"/>
+                </a:solidFill>
+                <a:latin typeface="Lato"/>
+                <a:ea typeface="Lato"/>
+                <a:cs typeface="Lato"/>
+                <a:sym typeface="Lato"/>
+              </a:defRPr>
+            </a:lvl3pPr>
+            <a:lvl4pPr marL="1828800" marR="0" lvl="3" indent="-317500" algn="ctr" rtl="0">
+              <a:lnSpc>
+                <a:spcPct val="100000"/>
+              </a:lnSpc>
+              <a:spcBef>
+                <a:spcPts val="1600"/>
+              </a:spcBef>
+              <a:spcAft>
+                <a:spcPts val="0"/>
+              </a:spcAft>
+              <a:buClr>
+                <a:schemeClr val="dk2"/>
+              </a:buClr>
+              <a:buSzPts val="1400"/>
+              <a:buFont typeface="Lato"/>
+              <a:buNone/>
+              <a:defRPr sz="1400" b="0" i="0" u="none" strike="noStrike" cap="none">
+                <a:solidFill>
+                  <a:schemeClr val="dk2"/>
+                </a:solidFill>
+                <a:latin typeface="Lato"/>
+                <a:ea typeface="Lato"/>
+                <a:cs typeface="Lato"/>
+                <a:sym typeface="Lato"/>
+              </a:defRPr>
+            </a:lvl4pPr>
+            <a:lvl5pPr marL="2286000" marR="0" lvl="4" indent="-317500" algn="ctr" rtl="0">
+              <a:lnSpc>
+                <a:spcPct val="100000"/>
+              </a:lnSpc>
+              <a:spcBef>
+                <a:spcPts val="1600"/>
+              </a:spcBef>
+              <a:spcAft>
+                <a:spcPts val="0"/>
+              </a:spcAft>
+              <a:buClr>
+                <a:schemeClr val="dk2"/>
+              </a:buClr>
+              <a:buSzPts val="1400"/>
+              <a:buFont typeface="Lato"/>
+              <a:buNone/>
+              <a:defRPr sz="1400" b="0" i="0" u="none" strike="noStrike" cap="none">
+                <a:solidFill>
+                  <a:schemeClr val="dk2"/>
+                </a:solidFill>
+                <a:latin typeface="Lato"/>
+                <a:ea typeface="Lato"/>
+                <a:cs typeface="Lato"/>
+                <a:sym typeface="Lato"/>
+              </a:defRPr>
+            </a:lvl5pPr>
+            <a:lvl6pPr marL="2743200" marR="0" lvl="5" indent="-317500" algn="ctr" rtl="0">
+              <a:lnSpc>
+                <a:spcPct val="100000"/>
+              </a:lnSpc>
+              <a:spcBef>
+                <a:spcPts val="1600"/>
+              </a:spcBef>
+              <a:spcAft>
+                <a:spcPts val="0"/>
+              </a:spcAft>
+              <a:buClr>
+                <a:schemeClr val="dk2"/>
+              </a:buClr>
+              <a:buSzPts val="1400"/>
+              <a:buFont typeface="Lato"/>
+              <a:buNone/>
+              <a:defRPr sz="1400" b="0" i="0" u="none" strike="noStrike" cap="none">
+                <a:solidFill>
+                  <a:schemeClr val="dk2"/>
+                </a:solidFill>
+                <a:latin typeface="Lato"/>
+                <a:ea typeface="Lato"/>
+                <a:cs typeface="Lato"/>
+                <a:sym typeface="Lato"/>
+              </a:defRPr>
+            </a:lvl6pPr>
+            <a:lvl7pPr marL="3200400" marR="0" lvl="6" indent="-317500" algn="ctr" rtl="0">
+              <a:lnSpc>
+                <a:spcPct val="100000"/>
+              </a:lnSpc>
+              <a:spcBef>
+                <a:spcPts val="1600"/>
+              </a:spcBef>
+              <a:spcAft>
+                <a:spcPts val="0"/>
+              </a:spcAft>
+              <a:buClr>
+                <a:schemeClr val="dk2"/>
+              </a:buClr>
+              <a:buSzPts val="1400"/>
+              <a:buFont typeface="Lato"/>
+              <a:buNone/>
+              <a:defRPr sz="1400" b="0" i="0" u="none" strike="noStrike" cap="none">
+                <a:solidFill>
+                  <a:schemeClr val="dk2"/>
+                </a:solidFill>
+                <a:latin typeface="Lato"/>
+                <a:ea typeface="Lato"/>
+                <a:cs typeface="Lato"/>
+                <a:sym typeface="Lato"/>
+              </a:defRPr>
+            </a:lvl7pPr>
+            <a:lvl8pPr marL="3657600" marR="0" lvl="7" indent="-317500" algn="ctr" rtl="0">
+              <a:lnSpc>
+                <a:spcPct val="100000"/>
+              </a:lnSpc>
+              <a:spcBef>
+                <a:spcPts val="1600"/>
+              </a:spcBef>
+              <a:spcAft>
+                <a:spcPts val="0"/>
+              </a:spcAft>
+              <a:buClr>
+                <a:schemeClr val="dk2"/>
+              </a:buClr>
+              <a:buSzPts val="1400"/>
+              <a:buFont typeface="Lato"/>
+              <a:buNone/>
+              <a:defRPr sz="1400" b="0" i="0" u="none" strike="noStrike" cap="none">
+                <a:solidFill>
+                  <a:schemeClr val="dk2"/>
+                </a:solidFill>
+                <a:latin typeface="Lato"/>
+                <a:ea typeface="Lato"/>
+                <a:cs typeface="Lato"/>
+                <a:sym typeface="Lato"/>
+              </a:defRPr>
+            </a:lvl8pPr>
+            <a:lvl9pPr marL="4114800" marR="0" lvl="8" indent="-317500" algn="ctr" rtl="0">
+              <a:lnSpc>
+                <a:spcPct val="100000"/>
+              </a:lnSpc>
+              <a:spcBef>
+                <a:spcPts val="1600"/>
+              </a:spcBef>
+              <a:spcAft>
+                <a:spcPts val="1600"/>
+              </a:spcAft>
+              <a:buClr>
+                <a:schemeClr val="dk2"/>
+              </a:buClr>
+              <a:buSzPts val="1400"/>
+              <a:buFont typeface="Lato"/>
+              <a:buNone/>
+              <a:defRPr sz="1400" b="0" i="0" u="none" strike="noStrike" cap="none">
+                <a:solidFill>
+                  <a:schemeClr val="dk2"/>
+                </a:solidFill>
+                <a:latin typeface="Lato"/>
+                <a:ea typeface="Lato"/>
+                <a:cs typeface="Lato"/>
+                <a:sym typeface="Lato"/>
+              </a:defRPr>
+            </a:lvl9pPr>
+          </a:lstStyle>
+          <a:p>
+            <a:pPr marL="0" indent="0"/>
+            <a:r>
+              <a:rPr lang="uk-UA" dirty="0"/>
+              <a:t>Виконав</a:t>
+            </a:r>
+            <a:r>
+              <a:rPr lang="en-US" dirty="0"/>
+              <a:t> </a:t>
+            </a:r>
+            <a:r>
+              <a:rPr lang="uk-UA" dirty="0"/>
+              <a:t>студент</a:t>
+            </a:r>
+            <a:r>
+              <a:rPr lang="en-US" dirty="0"/>
+              <a:t>:</a:t>
+            </a:r>
+            <a:r>
+              <a:rPr lang="uk-UA" dirty="0"/>
+              <a:t> </a:t>
+            </a:r>
+            <a:r>
+              <a:rPr lang="uk-UA" dirty="0" err="1"/>
+              <a:t>Дзизиль</a:t>
+            </a:r>
+            <a:r>
+              <a:rPr lang="uk-UA" dirty="0"/>
+              <a:t> Д.Є.</a:t>
+            </a:r>
+            <a:endParaRPr lang="en-US" dirty="0"/>
+          </a:p>
+        </p:txBody>
+      </p:sp>
+      <p:sp>
+        <p:nvSpPr>
+          <p:cNvPr id="4" name="Прямоугольник 3"/>
+          <p:cNvSpPr/>
+          <p:nvPr/>
+        </p:nvSpPr>
+        <p:spPr>
+          <a:xfrm>
+            <a:off x="1658203" y="1720844"/>
+            <a:ext cx="5800297" cy="2677656"/>
+          </a:xfrm>
+          <a:prstGeom prst="rect">
+            <a:avLst/>
+          </a:prstGeom>
+        </p:spPr>
+        <p:txBody>
+          <a:bodyPr wrap="square">
+            <a:spAutoFit/>
+          </a:bodyPr>
+          <a:lstStyle/>
+          <a:p>
+            <a:pPr marL="342900" indent="-342900">
+              <a:buFont typeface="+mj-lt"/>
+              <a:buAutoNum type="alphaLcPeriod" startAt="2"/>
+            </a:pPr>
+            <a:r>
+              <a:rPr lang="en-US" dirty="0">
+                <a:solidFill>
+                  <a:schemeClr val="dk1"/>
+                </a:solidFill>
+                <a:latin typeface="Varela Round"/>
+                <a:ea typeface="Varela Round"/>
+                <a:cs typeface="Varela Round"/>
+                <a:sym typeface="Varela Round"/>
+              </a:rPr>
+              <a:t>Enter </a:t>
+            </a:r>
+            <a:r>
+              <a:rPr lang="en-US" dirty="0">
+                <a:solidFill>
+                  <a:schemeClr val="dk1"/>
+                </a:solidFill>
+                <a:latin typeface="Varela Round"/>
+                <a:ea typeface="Varela Round"/>
+                <a:cs typeface="Varela Round"/>
+                <a:sym typeface="Varela Round"/>
+              </a:rPr>
+              <a:t>your Linux user credentials and password that you use to log in to the virtual machine</a:t>
+            </a:r>
+            <a:r>
+              <a:rPr lang="en-US" dirty="0">
+                <a:solidFill>
+                  <a:schemeClr val="dk1"/>
+                </a:solidFill>
+                <a:latin typeface="Varela Round"/>
+                <a:ea typeface="Varela Round"/>
+                <a:cs typeface="Varela Round"/>
+                <a:sym typeface="Varela Round"/>
+              </a:rPr>
+              <a:t>.</a:t>
+            </a:r>
+          </a:p>
+          <a:p>
+            <a:pPr marL="342900" indent="-342900">
+              <a:buFont typeface="+mj-lt"/>
+              <a:buAutoNum type="alphaLcPeriod" startAt="2"/>
+            </a:pPr>
+            <a:r>
+              <a:rPr lang="en-US" dirty="0">
+                <a:solidFill>
+                  <a:schemeClr val="dk1"/>
+                </a:solidFill>
+                <a:latin typeface="Varela Round"/>
+                <a:ea typeface="Varela Round"/>
+                <a:cs typeface="Varela Round"/>
+                <a:sym typeface="Varela Round"/>
+              </a:rPr>
+              <a:t>Once </a:t>
+            </a:r>
+            <a:r>
+              <a:rPr lang="en-US" dirty="0">
+                <a:solidFill>
+                  <a:schemeClr val="dk1"/>
+                </a:solidFill>
+                <a:latin typeface="Varela Round"/>
+                <a:ea typeface="Varela Round"/>
+                <a:cs typeface="Varela Round"/>
+                <a:sym typeface="Varela Round"/>
+              </a:rPr>
+              <a:t>logged in, use the </a:t>
+            </a:r>
+            <a:r>
+              <a:rPr lang="en-US" dirty="0" err="1">
+                <a:solidFill>
+                  <a:schemeClr val="dk1"/>
+                </a:solidFill>
+                <a:latin typeface="Varela Round"/>
+                <a:ea typeface="Varela Round"/>
+                <a:cs typeface="Varela Round"/>
+                <a:sym typeface="Varela Round"/>
+              </a:rPr>
+              <a:t>scp</a:t>
+            </a:r>
+            <a:r>
+              <a:rPr lang="en-US" dirty="0">
+                <a:solidFill>
+                  <a:schemeClr val="dk1"/>
+                </a:solidFill>
+                <a:latin typeface="Varela Round"/>
+                <a:ea typeface="Varela Round"/>
+                <a:cs typeface="Varela Round"/>
+                <a:sym typeface="Varela Round"/>
+              </a:rPr>
+              <a:t> or </a:t>
+            </a:r>
+            <a:r>
+              <a:rPr lang="en-US" dirty="0" err="1">
+                <a:solidFill>
+                  <a:schemeClr val="dk1"/>
+                </a:solidFill>
+                <a:latin typeface="Varela Round"/>
+                <a:ea typeface="Varela Round"/>
+                <a:cs typeface="Varela Round"/>
+                <a:sym typeface="Varela Round"/>
+              </a:rPr>
+              <a:t>sftp</a:t>
+            </a:r>
+            <a:r>
+              <a:rPr lang="en-US" dirty="0">
+                <a:solidFill>
+                  <a:schemeClr val="dk1"/>
+                </a:solidFill>
+                <a:latin typeface="Varela Round"/>
+                <a:ea typeface="Varela Round"/>
+                <a:cs typeface="Varela Round"/>
+                <a:sym typeface="Varela Round"/>
+              </a:rPr>
+              <a:t> commands to copy your audio file from Windows to the Linux virtual machine. </a:t>
+            </a:r>
+          </a:p>
+          <a:p>
+            <a:r>
+              <a:rPr lang="en-US" dirty="0">
+                <a:solidFill>
+                  <a:schemeClr val="dk1"/>
+                </a:solidFill>
+                <a:latin typeface="Varela Round"/>
+                <a:ea typeface="Varela Round"/>
+                <a:cs typeface="Varela Round"/>
+                <a:sym typeface="Varela Round"/>
+              </a:rPr>
+              <a:t>Example</a:t>
+            </a:r>
+            <a:r>
+              <a:rPr lang="en-US" dirty="0">
+                <a:solidFill>
+                  <a:schemeClr val="dk1"/>
+                </a:solidFill>
+                <a:latin typeface="Varela Round"/>
+                <a:ea typeface="Varela Round"/>
+                <a:cs typeface="Varela Round"/>
+                <a:sym typeface="Varela Round"/>
+              </a:rPr>
+              <a:t>: From Windows PowerShell</a:t>
+            </a:r>
+            <a:r>
+              <a:rPr lang="en-US" dirty="0">
+                <a:solidFill>
+                  <a:schemeClr val="dk1"/>
+                </a:solidFill>
+                <a:latin typeface="Varela Round"/>
+                <a:ea typeface="Varela Round"/>
+                <a:cs typeface="Varela Round"/>
+                <a:sym typeface="Varela Round"/>
+              </a:rPr>
+              <a:t>: </a:t>
+            </a:r>
+          </a:p>
+          <a:p>
+            <a:r>
+              <a:rPr lang="ru-RU" dirty="0" err="1">
+                <a:solidFill>
+                  <a:schemeClr val="dk1"/>
+                </a:solidFill>
+                <a:latin typeface="Varela Round"/>
+                <a:ea typeface="Varela Round"/>
+                <a:cs typeface="Varela Round"/>
+                <a:sym typeface="Varela Round"/>
+              </a:rPr>
+              <a:t>scp</a:t>
+            </a:r>
+            <a:r>
+              <a:rPr lang="ru-RU" dirty="0">
+                <a:solidFill>
+                  <a:schemeClr val="dk1"/>
+                </a:solidFill>
+                <a:latin typeface="Varela Round"/>
+                <a:ea typeface="Varela Round"/>
+                <a:cs typeface="Varela Round"/>
+                <a:sym typeface="Varela Round"/>
+              </a:rPr>
+              <a:t> </a:t>
+            </a:r>
+            <a:r>
+              <a:rPr lang="ru-RU" dirty="0">
+                <a:solidFill>
+                  <a:schemeClr val="dk1"/>
+                </a:solidFill>
+                <a:latin typeface="Varela Round"/>
+                <a:ea typeface="Varela Round"/>
+                <a:cs typeface="Varela Round"/>
+                <a:sym typeface="Varela Round"/>
+              </a:rPr>
+              <a:t>C:\шлях_до_аудіо_файлу.mp3 </a:t>
+            </a:r>
+            <a:r>
+              <a:rPr lang="ru-RU" dirty="0" err="1" smtClean="0">
+                <a:solidFill>
+                  <a:schemeClr val="dk1"/>
+                </a:solidFill>
+                <a:latin typeface="Varela Round"/>
+                <a:ea typeface="Varela Round"/>
+                <a:cs typeface="Varela Round"/>
+                <a:sym typeface="Varela Round"/>
+              </a:rPr>
+              <a:t>username@ip</a:t>
+            </a:r>
+            <a:r>
+              <a:rPr lang="ru-RU" dirty="0">
+                <a:solidFill>
+                  <a:schemeClr val="dk1"/>
+                </a:solidFill>
+                <a:latin typeface="+mj-lt"/>
+                <a:ea typeface="Varela Round"/>
+                <a:cs typeface="Varela Round"/>
+                <a:sym typeface="Varela Round"/>
+              </a:rPr>
+              <a:t>_</a:t>
+            </a:r>
+            <a:r>
+              <a:rPr lang="en-US" dirty="0" err="1" smtClean="0">
+                <a:solidFill>
+                  <a:schemeClr val="dk1"/>
+                </a:solidFill>
+                <a:latin typeface="Varela Round"/>
+                <a:ea typeface="Varela Round"/>
+                <a:cs typeface="Varela Round"/>
+                <a:sym typeface="Varela Round"/>
+              </a:rPr>
+              <a:t>virtual</a:t>
+            </a:r>
+            <a:r>
+              <a:rPr lang="en-US" dirty="0" err="1" smtClean="0">
+                <a:solidFill>
+                  <a:schemeClr val="dk1"/>
+                </a:solidFill>
+                <a:latin typeface="+mj-lt"/>
+                <a:ea typeface="Varela Round"/>
+                <a:cs typeface="Varela Round"/>
+                <a:sym typeface="Varela Round"/>
+              </a:rPr>
+              <a:t>_</a:t>
+            </a:r>
+            <a:r>
+              <a:rPr lang="en-US" dirty="0" err="1" smtClean="0">
+                <a:solidFill>
+                  <a:schemeClr val="dk1"/>
+                </a:solidFill>
+                <a:latin typeface="Varela Round"/>
+                <a:ea typeface="Varela Round"/>
+                <a:cs typeface="Varela Round"/>
+                <a:sym typeface="Varela Round"/>
+              </a:rPr>
+              <a:t>machine</a:t>
+            </a:r>
+            <a:r>
+              <a:rPr lang="ru-RU" dirty="0" smtClean="0">
+                <a:solidFill>
+                  <a:schemeClr val="dk1"/>
+                </a:solidFill>
+                <a:latin typeface="Varela Round"/>
+                <a:ea typeface="Varela Round"/>
+                <a:cs typeface="Varela Round"/>
+                <a:sym typeface="Varela Round"/>
+              </a:rPr>
+              <a:t>:/</a:t>
+            </a:r>
+            <a:r>
+              <a:rPr lang="ru-RU" dirty="0" err="1">
+                <a:solidFill>
+                  <a:schemeClr val="dk1"/>
+                </a:solidFill>
+                <a:latin typeface="Varela Round"/>
+                <a:ea typeface="Varela Round"/>
+                <a:cs typeface="Varela Round"/>
+                <a:sym typeface="Varela Round"/>
+              </a:rPr>
+              <a:t>home</a:t>
+            </a:r>
+            <a:r>
+              <a:rPr lang="ru-RU" dirty="0">
+                <a:solidFill>
+                  <a:schemeClr val="dk1"/>
+                </a:solidFill>
+                <a:latin typeface="Varela Round"/>
+                <a:ea typeface="Varela Round"/>
+                <a:cs typeface="Varela Round"/>
+                <a:sym typeface="Varela Round"/>
+              </a:rPr>
+              <a:t>/</a:t>
+            </a:r>
+            <a:r>
+              <a:rPr lang="ru-RU" dirty="0" err="1">
+                <a:solidFill>
+                  <a:schemeClr val="dk1"/>
+                </a:solidFill>
+                <a:latin typeface="Varela Round"/>
+                <a:ea typeface="Varela Round"/>
+                <a:cs typeface="Varela Round"/>
+                <a:sym typeface="Varela Round"/>
+              </a:rPr>
+              <a:t>usernam</a:t>
+            </a:r>
+            <a:r>
+              <a:rPr lang="en-US" dirty="0">
+                <a:solidFill>
+                  <a:schemeClr val="dk1"/>
+                </a:solidFill>
+                <a:latin typeface="Varela Round"/>
+                <a:ea typeface="Varela Round"/>
+                <a:cs typeface="Varela Round"/>
+                <a:sym typeface="Varela Round"/>
+              </a:rPr>
+              <a:t>e</a:t>
+            </a:r>
+            <a:r>
+              <a:rPr lang="ru-RU" dirty="0">
+                <a:solidFill>
+                  <a:schemeClr val="dk1"/>
+                </a:solidFill>
+                <a:latin typeface="Varela Round"/>
+                <a:ea typeface="Varela Round"/>
+                <a:cs typeface="Varela Round"/>
+                <a:sym typeface="Varela Round"/>
+              </a:rPr>
+              <a:t>/</a:t>
+            </a:r>
+            <a:endParaRPr lang="ru-RU" dirty="0">
+              <a:solidFill>
+                <a:schemeClr val="dk1"/>
+              </a:solidFill>
+              <a:latin typeface="Varela Round"/>
+              <a:ea typeface="Varela Round"/>
+              <a:cs typeface="Varela Round"/>
+              <a:sym typeface="Varela Round"/>
+            </a:endParaRPr>
+          </a:p>
+          <a:p>
+            <a:r>
+              <a:rPr lang="en-US" dirty="0">
+                <a:solidFill>
+                  <a:schemeClr val="dk1"/>
+                </a:solidFill>
+                <a:latin typeface="Varela Round"/>
+                <a:ea typeface="Varela Round"/>
+                <a:cs typeface="Varela Round"/>
+                <a:sym typeface="Varela Round"/>
+              </a:rPr>
+              <a:t>Do the reverse to copy the file from the Linux virtual machine to your main operating system:</a:t>
+            </a:r>
+          </a:p>
+          <a:p>
+            <a:pPr marL="342900" indent="-342900">
+              <a:buFont typeface="+mj-lt"/>
+              <a:buAutoNum type="alphaLcPeriod"/>
+            </a:pPr>
+            <a:r>
+              <a:rPr lang="en-US" dirty="0">
+                <a:solidFill>
+                  <a:schemeClr val="dk1"/>
+                </a:solidFill>
+                <a:latin typeface="Varela Round"/>
+                <a:ea typeface="Varela Round"/>
+                <a:cs typeface="Varela Round"/>
+                <a:sym typeface="Varela Round"/>
+              </a:rPr>
+              <a:t>Use </a:t>
+            </a:r>
+            <a:r>
+              <a:rPr lang="en-US" dirty="0">
+                <a:solidFill>
+                  <a:schemeClr val="dk1"/>
+                </a:solidFill>
+                <a:latin typeface="Varela Round"/>
+                <a:ea typeface="Varela Round"/>
+                <a:cs typeface="Varela Round"/>
+                <a:sym typeface="Varela Round"/>
+              </a:rPr>
+              <a:t>the SCP or SFTP commands to copy the file from the Linux virtual machine to your host operating system</a:t>
+            </a:r>
+            <a:r>
+              <a:rPr lang="en-US" dirty="0" smtClean="0">
+                <a:solidFill>
+                  <a:schemeClr val="dk1"/>
+                </a:solidFill>
+                <a:latin typeface="Varela Round"/>
+                <a:ea typeface="Varela Round"/>
+                <a:cs typeface="Varela Round"/>
+                <a:sym typeface="Varela Round"/>
+              </a:rPr>
+              <a:t>.</a:t>
+            </a:r>
+            <a:endParaRPr lang="en-US" dirty="0">
+              <a:solidFill>
+                <a:schemeClr val="dk1"/>
+              </a:solidFill>
+              <a:latin typeface="Varela Round"/>
+              <a:ea typeface="Varela Round"/>
+              <a:cs typeface="Varela Round"/>
+              <a:sym typeface="Varela Round"/>
+            </a:endParaRPr>
+          </a:p>
+          <a:p>
+            <a:endParaRPr lang="uk-UA" dirty="0">
+              <a:solidFill>
+                <a:schemeClr val="dk1"/>
+              </a:solidFill>
+              <a:latin typeface="Varela Round"/>
+              <a:ea typeface="Varela Round"/>
+              <a:cs typeface="Varela Round"/>
+              <a:sym typeface="Varela Round"/>
+            </a:endParaRPr>
+          </a:p>
+        </p:txBody>
+      </p:sp>
+    </p:spTree>
+    <p:extLst>
+      <p:ext uri="{BB962C8B-B14F-4D97-AF65-F5344CB8AC3E}">
+        <p14:creationId xmlns:p14="http://schemas.microsoft.com/office/powerpoint/2010/main" val="759209699"/>
+      </p:ext>
+    </p:extLst>
+  </p:cSld>
+  <p:clrMapOvr>
+    <a:masterClrMapping/>
+  </p:clrMapOvr>
+  <p:timing>
+    <p:tnLst>
+      <p:par>
+        <p:cTn id="1" dur="indefinite" restart="never" nodeType="tmRoot"/>
+      </p:par>
+    </p:tnLst>
+  </p:timing>
+</p:sld>
+</file>
+
+<file path=ppt/slides/slide27.xml><?xml version="1.0" encoding="utf-8"?>
+<p:sld xmlns:a="http://schemas.openxmlformats.org/drawingml/2006/main" xmlns:r="http://schemas.openxmlformats.org/officeDocument/2006/relationships" xmlns:p="http://schemas.openxmlformats.org/presentationml/2006/main">
+  <p:cSld>
+    <p:spTree>
+      <p:nvGrpSpPr>
+        <p:cNvPr id="1" name="Shape 524"/>
+        <p:cNvGrpSpPr/>
+        <p:nvPr/>
+      </p:nvGrpSpPr>
+      <p:grpSpPr>
+        <a:xfrm>
+          <a:off x="0" y="0"/>
+          <a:ext cx="0" cy="0"/>
+          <a:chOff x="0" y="0"/>
+          <a:chExt cx="0" cy="0"/>
+        </a:xfrm>
+      </p:grpSpPr>
+      <p:grpSp>
+        <p:nvGrpSpPr>
+          <p:cNvPr id="525" name="Google Shape;525;p37"/>
+          <p:cNvGrpSpPr/>
+          <p:nvPr/>
+        </p:nvGrpSpPr>
+        <p:grpSpPr>
+          <a:xfrm>
+            <a:off x="1618616" y="1129569"/>
+            <a:ext cx="5678918" cy="3608039"/>
+            <a:chOff x="2333960" y="2049193"/>
+            <a:chExt cx="1137900" cy="861417"/>
+          </a:xfrm>
+        </p:grpSpPr>
+        <p:sp>
+          <p:nvSpPr>
+            <p:cNvPr id="526" name="Google Shape;526;p37"/>
+            <p:cNvSpPr/>
+            <p:nvPr/>
+          </p:nvSpPr>
+          <p:spPr>
+            <a:xfrm>
+              <a:off x="2333960" y="2049193"/>
+              <a:ext cx="539100" cy="630900"/>
+            </a:xfrm>
+            <a:prstGeom prst="roundRect">
+              <a:avLst>
+                <a:gd name="adj" fmla="val 6278"/>
+              </a:avLst>
+            </a:prstGeom>
+            <a:solidFill>
+              <a:schemeClr val="lt2"/>
+            </a:solidFill>
+            <a:ln w="28575" cap="flat" cmpd="sng">
+              <a:solidFill>
+                <a:schemeClr val="dk1"/>
+              </a:solidFill>
+              <a:prstDash val="solid"/>
+              <a:round/>
+              <a:headEnd type="none" w="sm" len="sm"/>
+              <a:tailEnd type="none" w="sm" len="sm"/>
+            </a:ln>
+            <a:effectLst>
+              <a:outerShdw dist="38100" dir="2040000" algn="bl" rotWithShape="0">
+                <a:schemeClr val="dk1"/>
+              </a:outerShdw>
+            </a:effectLst>
+          </p:spPr>
+          <p:txBody>
+            <a:bodyPr spcFirstLastPara="1" wrap="square" lIns="91425" tIns="91425" rIns="91425" bIns="91425" anchor="ctr" anchorCtr="0">
+              <a:noAutofit/>
+            </a:bodyPr>
+            <a:lstStyle/>
+            <a:p>
+              <a:pPr marL="0" lvl="0" indent="0" algn="l" rtl="0">
+                <a:spcBef>
+                  <a:spcPts val="0"/>
+                </a:spcBef>
+                <a:spcAft>
+                  <a:spcPts val="0"/>
+                </a:spcAft>
+                <a:buNone/>
+              </a:pPr>
+              <a:endParaRPr/>
+            </a:p>
+          </p:txBody>
+        </p:sp>
+        <p:sp>
+          <p:nvSpPr>
+            <p:cNvPr id="527" name="Google Shape;527;p37"/>
+            <p:cNvSpPr/>
+            <p:nvPr/>
+          </p:nvSpPr>
+          <p:spPr>
+            <a:xfrm>
+              <a:off x="2333960" y="2175010"/>
+              <a:ext cx="1137900" cy="735600"/>
+            </a:xfrm>
+            <a:prstGeom prst="roundRect">
+              <a:avLst>
+                <a:gd name="adj" fmla="val 5762"/>
+              </a:avLst>
+            </a:prstGeom>
+            <a:solidFill>
+              <a:schemeClr val="lt2"/>
+            </a:solidFill>
+            <a:ln w="28575" cap="flat" cmpd="sng">
+              <a:solidFill>
+                <a:schemeClr val="dk1"/>
+              </a:solidFill>
+              <a:prstDash val="solid"/>
+              <a:round/>
+              <a:headEnd type="none" w="sm" len="sm"/>
+              <a:tailEnd type="none" w="sm" len="sm"/>
+            </a:ln>
+            <a:effectLst>
+              <a:outerShdw dist="95250" dir="2040000" algn="bl" rotWithShape="0">
+                <a:schemeClr val="dk1"/>
+              </a:outerShdw>
+            </a:effectLst>
+          </p:spPr>
+          <p:txBody>
+            <a:bodyPr spcFirstLastPara="1" wrap="square" lIns="91425" tIns="91425" rIns="91425" bIns="91425" anchor="ctr" anchorCtr="0">
+              <a:noAutofit/>
+            </a:bodyPr>
+            <a:lstStyle/>
+            <a:p>
+              <a:pPr marL="0" lvl="0" indent="0" algn="l" rtl="0">
+                <a:spcBef>
+                  <a:spcPts val="0"/>
+                </a:spcBef>
+                <a:spcAft>
+                  <a:spcPts val="0"/>
+                </a:spcAft>
+                <a:buNone/>
+              </a:pPr>
+              <a:endParaRPr/>
+            </a:p>
+          </p:txBody>
+        </p:sp>
+      </p:grpSp>
+      <p:sp>
+        <p:nvSpPr>
+          <p:cNvPr id="528" name="Google Shape;528;p37"/>
+          <p:cNvSpPr txBox="1">
+            <a:spLocks noGrp="1"/>
+          </p:cNvSpPr>
+          <p:nvPr>
+            <p:ph type="title"/>
+          </p:nvPr>
+        </p:nvSpPr>
+        <p:spPr>
+          <a:xfrm>
+            <a:off x="1549021" y="1173707"/>
+            <a:ext cx="2864617" cy="503068"/>
+          </a:xfrm>
+          <a:prstGeom prst="rect">
+            <a:avLst/>
+          </a:prstGeom>
+        </p:spPr>
+        <p:txBody>
+          <a:bodyPr spcFirstLastPara="1" wrap="square" lIns="91425" tIns="91425" rIns="91425" bIns="91425" anchor="ctr" anchorCtr="0">
+            <a:noAutofit/>
+          </a:bodyPr>
+          <a:lstStyle/>
+          <a:p>
+            <a:pPr lvl="0"/>
+            <a:r>
+              <a:rPr lang="en-GB" dirty="0"/>
+              <a:t>Sharing audio-file</a:t>
+            </a:r>
+            <a:endParaRPr lang="en-GB" dirty="0"/>
+          </a:p>
+        </p:txBody>
+      </p:sp>
+      <p:sp>
+        <p:nvSpPr>
+          <p:cNvPr id="2" name="Google Shape;511;p35">
+            <a:extLst>
+              <a:ext uri="{FF2B5EF4-FFF2-40B4-BE49-F238E27FC236}">
+                <a16:creationId xmlns:a16="http://schemas.microsoft.com/office/drawing/2014/main" xmlns="" id="{324CC8F1-3796-605E-CF83-341E97B9417E}"/>
+              </a:ext>
+            </a:extLst>
+          </p:cNvPr>
+          <p:cNvSpPr txBox="1">
+            <a:spLocks/>
+          </p:cNvSpPr>
+          <p:nvPr/>
+        </p:nvSpPr>
+        <p:spPr>
+          <a:xfrm>
+            <a:off x="7411453" y="396231"/>
+            <a:ext cx="1529753" cy="860137"/>
+          </a:xfrm>
+          <a:prstGeom prst="rect">
+            <a:avLst/>
+          </a:prstGeom>
+        </p:spPr>
+        <p:txBody>
+          <a:bodyPr spcFirstLastPara="1" wrap="square" lIns="91425" tIns="91425" rIns="91425" bIns="91425" anchor="ctr" anchorCtr="0">
+            <a:noAutofit/>
+          </a:bodyPr>
+          <a:lstStyle>
+            <a:defPPr marR="0" lvl="0" algn="l" rtl="0">
+              <a:lnSpc>
+                <a:spcPct val="100000"/>
+              </a:lnSpc>
+              <a:spcBef>
+                <a:spcPts val="0"/>
+              </a:spcBef>
+              <a:spcAft>
+                <a:spcPts val="0"/>
+              </a:spcAft>
+            </a:defPPr>
+            <a:lvl1pPr marR="0" lvl="0" algn="l" rtl="0">
+              <a:lnSpc>
+                <a:spcPct val="100000"/>
+              </a:lnSpc>
+              <a:spcBef>
+                <a:spcPts val="0"/>
+              </a:spcBef>
+              <a:spcAft>
+                <a:spcPts val="0"/>
+              </a:spcAft>
+              <a:buClr>
+                <a:srgbClr val="000000"/>
+              </a:buClr>
+              <a:buFont typeface="Arial"/>
+              <a:defRPr sz="1400" b="0" i="0" u="none" strike="noStrike" cap="none">
+                <a:solidFill>
+                  <a:srgbClr val="000000"/>
+                </a:solidFill>
+                <a:latin typeface="Arial"/>
+                <a:ea typeface="Arial"/>
+                <a:cs typeface="Arial"/>
+                <a:sym typeface="Arial"/>
+              </a:defRPr>
+            </a:lvl1pPr>
+            <a:lvl2pPr marR="0" lvl="1" algn="l" rtl="0">
+              <a:lnSpc>
+                <a:spcPct val="100000"/>
+              </a:lnSpc>
+              <a:spcBef>
+                <a:spcPts val="0"/>
+              </a:spcBef>
+              <a:spcAft>
+                <a:spcPts val="0"/>
+              </a:spcAft>
+              <a:buClr>
+                <a:srgbClr val="000000"/>
+              </a:buClr>
+              <a:buFont typeface="Arial"/>
+              <a:defRPr sz="1400" b="0" i="0" u="none" strike="noStrike" cap="none">
+                <a:solidFill>
+                  <a:srgbClr val="000000"/>
+                </a:solidFill>
+                <a:latin typeface="Arial"/>
+                <a:ea typeface="Arial"/>
+                <a:cs typeface="Arial"/>
+                <a:sym typeface="Arial"/>
+              </a:defRPr>
+            </a:lvl2pPr>
+            <a:lvl3pPr marR="0" lvl="2" algn="l" rtl="0">
+              <a:lnSpc>
+                <a:spcPct val="100000"/>
+              </a:lnSpc>
+              <a:spcBef>
+                <a:spcPts val="0"/>
+              </a:spcBef>
+              <a:spcAft>
+                <a:spcPts val="0"/>
+              </a:spcAft>
+              <a:buClr>
+                <a:srgbClr val="000000"/>
+              </a:buClr>
+              <a:buFont typeface="Arial"/>
+              <a:defRPr sz="1400" b="0" i="0" u="none" strike="noStrike" cap="none">
+                <a:solidFill>
+                  <a:srgbClr val="000000"/>
+                </a:solidFill>
+                <a:latin typeface="Arial"/>
+                <a:ea typeface="Arial"/>
+                <a:cs typeface="Arial"/>
+                <a:sym typeface="Arial"/>
+              </a:defRPr>
+            </a:lvl3pPr>
+            <a:lvl4pPr marR="0" lvl="3" algn="l" rtl="0">
+              <a:lnSpc>
+                <a:spcPct val="100000"/>
+              </a:lnSpc>
+              <a:spcBef>
+                <a:spcPts val="0"/>
+              </a:spcBef>
+              <a:spcAft>
+                <a:spcPts val="0"/>
+              </a:spcAft>
+              <a:buClr>
+                <a:srgbClr val="000000"/>
+              </a:buClr>
+              <a:buFont typeface="Arial"/>
+              <a:defRPr sz="1400" b="0" i="0" u="none" strike="noStrike" cap="none">
+                <a:solidFill>
+                  <a:srgbClr val="000000"/>
+                </a:solidFill>
+                <a:latin typeface="Arial"/>
+                <a:ea typeface="Arial"/>
+                <a:cs typeface="Arial"/>
+                <a:sym typeface="Arial"/>
+              </a:defRPr>
+            </a:lvl4pPr>
+            <a:lvl5pPr marR="0" lvl="4" algn="l" rtl="0">
+              <a:lnSpc>
+                <a:spcPct val="100000"/>
+              </a:lnSpc>
+              <a:spcBef>
+                <a:spcPts val="0"/>
+              </a:spcBef>
+              <a:spcAft>
+                <a:spcPts val="0"/>
+              </a:spcAft>
+              <a:buClr>
+                <a:srgbClr val="000000"/>
+              </a:buClr>
+              <a:buFont typeface="Arial"/>
+              <a:defRPr sz="1400" b="0" i="0" u="none" strike="noStrike" cap="none">
+                <a:solidFill>
+                  <a:srgbClr val="000000"/>
+                </a:solidFill>
+                <a:latin typeface="Arial"/>
+                <a:ea typeface="Arial"/>
+                <a:cs typeface="Arial"/>
+                <a:sym typeface="Arial"/>
+              </a:defRPr>
+            </a:lvl5pPr>
+            <a:lvl6pPr marR="0" lvl="5" algn="l" rtl="0">
+              <a:lnSpc>
+                <a:spcPct val="100000"/>
+              </a:lnSpc>
+              <a:spcBef>
+                <a:spcPts val="0"/>
+              </a:spcBef>
+              <a:spcAft>
+                <a:spcPts val="0"/>
+              </a:spcAft>
+              <a:buClr>
+                <a:srgbClr val="000000"/>
+              </a:buClr>
+              <a:buFont typeface="Arial"/>
+              <a:defRPr sz="1400" b="0" i="0" u="none" strike="noStrike" cap="none">
+                <a:solidFill>
+                  <a:srgbClr val="000000"/>
+                </a:solidFill>
+                <a:latin typeface="Arial"/>
+                <a:ea typeface="Arial"/>
+                <a:cs typeface="Arial"/>
+                <a:sym typeface="Arial"/>
+              </a:defRPr>
+            </a:lvl6pPr>
+            <a:lvl7pPr marR="0" lvl="6" algn="l" rtl="0">
+              <a:lnSpc>
+                <a:spcPct val="100000"/>
+              </a:lnSpc>
+              <a:spcBef>
+                <a:spcPts val="0"/>
+              </a:spcBef>
+              <a:spcAft>
+                <a:spcPts val="0"/>
+              </a:spcAft>
+              <a:buClr>
+                <a:srgbClr val="000000"/>
+              </a:buClr>
+              <a:buFont typeface="Arial"/>
+              <a:defRPr sz="1400" b="0" i="0" u="none" strike="noStrike" cap="none">
+                <a:solidFill>
+                  <a:srgbClr val="000000"/>
+                </a:solidFill>
+                <a:latin typeface="Arial"/>
+                <a:ea typeface="Arial"/>
+                <a:cs typeface="Arial"/>
+                <a:sym typeface="Arial"/>
+              </a:defRPr>
+            </a:lvl7pPr>
+            <a:lvl8pPr marR="0" lvl="7" algn="l" rtl="0">
+              <a:lnSpc>
+                <a:spcPct val="100000"/>
+              </a:lnSpc>
+              <a:spcBef>
+                <a:spcPts val="0"/>
+              </a:spcBef>
+              <a:spcAft>
+                <a:spcPts val="0"/>
+              </a:spcAft>
+              <a:buClr>
+                <a:srgbClr val="000000"/>
+              </a:buClr>
+              <a:buFont typeface="Arial"/>
+              <a:defRPr sz="1400" b="0" i="0" u="none" strike="noStrike" cap="none">
+                <a:solidFill>
+                  <a:srgbClr val="000000"/>
+                </a:solidFill>
+                <a:latin typeface="Arial"/>
+                <a:ea typeface="Arial"/>
+                <a:cs typeface="Arial"/>
+                <a:sym typeface="Arial"/>
+              </a:defRPr>
+            </a:lvl8pPr>
+            <a:lvl9pPr marR="0" lvl="8" algn="l" rtl="0">
+              <a:lnSpc>
+                <a:spcPct val="100000"/>
+              </a:lnSpc>
+              <a:spcBef>
+                <a:spcPts val="0"/>
+              </a:spcBef>
+              <a:spcAft>
+                <a:spcPts val="0"/>
+              </a:spcAft>
+              <a:buClr>
+                <a:srgbClr val="000000"/>
+              </a:buClr>
+              <a:buFont typeface="Arial"/>
+              <a:defRPr sz="1400" b="0" i="0" u="none" strike="noStrike" cap="none">
+                <a:solidFill>
+                  <a:srgbClr val="000000"/>
+                </a:solidFill>
+                <a:latin typeface="Arial"/>
+                <a:ea typeface="Arial"/>
+                <a:cs typeface="Arial"/>
+                <a:sym typeface="Arial"/>
+              </a:defRPr>
+            </a:lvl9pPr>
+          </a:lstStyle>
+          <a:p>
+            <a:pPr algn="ctr">
+              <a:buClr>
+                <a:schemeClr val="dk1"/>
+              </a:buClr>
+              <a:buSzPts val="6000"/>
+            </a:pPr>
+            <a:r>
+              <a:rPr lang="en" sz="6000" b="1" dirty="0" smtClean="0">
+                <a:solidFill>
+                  <a:schemeClr val="dk1"/>
+                </a:solidFill>
+                <a:latin typeface="Varela Round"/>
+                <a:cs typeface="Varela Round"/>
+                <a:sym typeface="Varela Round"/>
+              </a:rPr>
+              <a:t>04</a:t>
+            </a:r>
+            <a:endParaRPr lang="en" sz="6000" b="1" dirty="0">
+              <a:solidFill>
+                <a:schemeClr val="dk1"/>
+              </a:solidFill>
+              <a:latin typeface="Varela Round"/>
+              <a:cs typeface="Varela Round"/>
+              <a:sym typeface="Varela Round"/>
+            </a:endParaRPr>
+          </a:p>
+        </p:txBody>
+      </p:sp>
+      <p:sp>
+        <p:nvSpPr>
+          <p:cNvPr id="3" name="Google Shape;458;p32">
+            <a:extLst>
+              <a:ext uri="{FF2B5EF4-FFF2-40B4-BE49-F238E27FC236}">
+                <a16:creationId xmlns:a16="http://schemas.microsoft.com/office/drawing/2014/main" xmlns="" id="{B281EA46-C90C-3633-637E-6EF93385B033}"/>
+              </a:ext>
+            </a:extLst>
+          </p:cNvPr>
+          <p:cNvSpPr txBox="1">
+            <a:spLocks/>
+          </p:cNvSpPr>
+          <p:nvPr/>
+        </p:nvSpPr>
+        <p:spPr>
+          <a:xfrm>
+            <a:off x="3813213" y="386062"/>
+            <a:ext cx="4177500" cy="520378"/>
+          </a:xfrm>
+          <a:prstGeom prst="rect">
+            <a:avLst/>
+          </a:prstGeom>
+          <a:noFill/>
+          <a:ln>
+            <a:noFill/>
+          </a:ln>
+        </p:spPr>
+        <p:txBody>
+          <a:bodyPr spcFirstLastPara="1" wrap="square" lIns="91425" tIns="91425" rIns="91425" bIns="91425" anchor="ctr" anchorCtr="0">
+            <a:noAutofit/>
+          </a:bodyPr>
+          <a:lstStyle>
+            <a:defPPr marR="0" lvl="0" algn="l" rtl="0">
+              <a:lnSpc>
+                <a:spcPct val="100000"/>
+              </a:lnSpc>
+              <a:spcBef>
+                <a:spcPts val="0"/>
+              </a:spcBef>
+              <a:spcAft>
+                <a:spcPts val="0"/>
+              </a:spcAft>
+            </a:defPPr>
+            <a:lvl1pPr marL="457200" marR="0" lvl="0" indent="-317500" algn="ctr" rtl="0">
+              <a:lnSpc>
+                <a:spcPct val="100000"/>
+              </a:lnSpc>
+              <a:spcBef>
+                <a:spcPts val="0"/>
+              </a:spcBef>
+              <a:spcAft>
+                <a:spcPts val="0"/>
+              </a:spcAft>
+              <a:buClr>
+                <a:schemeClr val="dk2"/>
+              </a:buClr>
+              <a:buSzPts val="1400"/>
+              <a:buFont typeface="Lato"/>
+              <a:buNone/>
+              <a:defRPr sz="1400" b="0" i="0" u="none" strike="noStrike" cap="none">
+                <a:solidFill>
+                  <a:schemeClr val="dk2"/>
+                </a:solidFill>
+                <a:latin typeface="Lato"/>
+                <a:ea typeface="Lato"/>
+                <a:cs typeface="Lato"/>
+                <a:sym typeface="Lato"/>
+              </a:defRPr>
+            </a:lvl1pPr>
+            <a:lvl2pPr marL="914400" marR="0" lvl="1" indent="-317500" algn="ctr" rtl="0">
+              <a:lnSpc>
+                <a:spcPct val="100000"/>
+              </a:lnSpc>
+              <a:spcBef>
+                <a:spcPts val="1600"/>
+              </a:spcBef>
+              <a:spcAft>
+                <a:spcPts val="0"/>
+              </a:spcAft>
+              <a:buClr>
+                <a:schemeClr val="dk2"/>
+              </a:buClr>
+              <a:buSzPts val="1400"/>
+              <a:buFont typeface="Lato"/>
+              <a:buNone/>
+              <a:defRPr sz="1400" b="0" i="0" u="none" strike="noStrike" cap="none">
+                <a:solidFill>
+                  <a:schemeClr val="dk2"/>
+                </a:solidFill>
+                <a:latin typeface="Lato"/>
+                <a:ea typeface="Lato"/>
+                <a:cs typeface="Lato"/>
+                <a:sym typeface="Lato"/>
+              </a:defRPr>
+            </a:lvl2pPr>
+            <a:lvl3pPr marL="1371600" marR="0" lvl="2" indent="-317500" algn="ctr" rtl="0">
+              <a:lnSpc>
+                <a:spcPct val="100000"/>
+              </a:lnSpc>
+              <a:spcBef>
+                <a:spcPts val="1600"/>
+              </a:spcBef>
+              <a:spcAft>
+                <a:spcPts val="0"/>
+              </a:spcAft>
+              <a:buClr>
+                <a:schemeClr val="dk2"/>
+              </a:buClr>
+              <a:buSzPts val="1400"/>
+              <a:buFont typeface="Lato"/>
+              <a:buNone/>
+              <a:defRPr sz="1400" b="0" i="0" u="none" strike="noStrike" cap="none">
+                <a:solidFill>
+                  <a:schemeClr val="dk2"/>
+                </a:solidFill>
+                <a:latin typeface="Lato"/>
+                <a:ea typeface="Lato"/>
+                <a:cs typeface="Lato"/>
+                <a:sym typeface="Lato"/>
+              </a:defRPr>
+            </a:lvl3pPr>
+            <a:lvl4pPr marL="1828800" marR="0" lvl="3" indent="-317500" algn="ctr" rtl="0">
+              <a:lnSpc>
+                <a:spcPct val="100000"/>
+              </a:lnSpc>
+              <a:spcBef>
+                <a:spcPts val="1600"/>
+              </a:spcBef>
+              <a:spcAft>
+                <a:spcPts val="0"/>
+              </a:spcAft>
+              <a:buClr>
+                <a:schemeClr val="dk2"/>
+              </a:buClr>
+              <a:buSzPts val="1400"/>
+              <a:buFont typeface="Lato"/>
+              <a:buNone/>
+              <a:defRPr sz="1400" b="0" i="0" u="none" strike="noStrike" cap="none">
+                <a:solidFill>
+                  <a:schemeClr val="dk2"/>
+                </a:solidFill>
+                <a:latin typeface="Lato"/>
+                <a:ea typeface="Lato"/>
+                <a:cs typeface="Lato"/>
+                <a:sym typeface="Lato"/>
+              </a:defRPr>
+            </a:lvl4pPr>
+            <a:lvl5pPr marL="2286000" marR="0" lvl="4" indent="-317500" algn="ctr" rtl="0">
+              <a:lnSpc>
+                <a:spcPct val="100000"/>
+              </a:lnSpc>
+              <a:spcBef>
+                <a:spcPts val="1600"/>
+              </a:spcBef>
+              <a:spcAft>
+                <a:spcPts val="0"/>
+              </a:spcAft>
+              <a:buClr>
+                <a:schemeClr val="dk2"/>
+              </a:buClr>
+              <a:buSzPts val="1400"/>
+              <a:buFont typeface="Lato"/>
+              <a:buNone/>
+              <a:defRPr sz="1400" b="0" i="0" u="none" strike="noStrike" cap="none">
+                <a:solidFill>
+                  <a:schemeClr val="dk2"/>
+                </a:solidFill>
+                <a:latin typeface="Lato"/>
+                <a:ea typeface="Lato"/>
+                <a:cs typeface="Lato"/>
+                <a:sym typeface="Lato"/>
+              </a:defRPr>
+            </a:lvl5pPr>
+            <a:lvl6pPr marL="2743200" marR="0" lvl="5" indent="-317500" algn="ctr" rtl="0">
+              <a:lnSpc>
+                <a:spcPct val="100000"/>
+              </a:lnSpc>
+              <a:spcBef>
+                <a:spcPts val="1600"/>
+              </a:spcBef>
+              <a:spcAft>
+                <a:spcPts val="0"/>
+              </a:spcAft>
+              <a:buClr>
+                <a:schemeClr val="dk2"/>
+              </a:buClr>
+              <a:buSzPts val="1400"/>
+              <a:buFont typeface="Lato"/>
+              <a:buNone/>
+              <a:defRPr sz="1400" b="0" i="0" u="none" strike="noStrike" cap="none">
+                <a:solidFill>
+                  <a:schemeClr val="dk2"/>
+                </a:solidFill>
+                <a:latin typeface="Lato"/>
+                <a:ea typeface="Lato"/>
+                <a:cs typeface="Lato"/>
+                <a:sym typeface="Lato"/>
+              </a:defRPr>
+            </a:lvl6pPr>
+            <a:lvl7pPr marL="3200400" marR="0" lvl="6" indent="-317500" algn="ctr" rtl="0">
+              <a:lnSpc>
+                <a:spcPct val="100000"/>
+              </a:lnSpc>
+              <a:spcBef>
+                <a:spcPts val="1600"/>
+              </a:spcBef>
+              <a:spcAft>
+                <a:spcPts val="0"/>
+              </a:spcAft>
+              <a:buClr>
+                <a:schemeClr val="dk2"/>
+              </a:buClr>
+              <a:buSzPts val="1400"/>
+              <a:buFont typeface="Lato"/>
+              <a:buNone/>
+              <a:defRPr sz="1400" b="0" i="0" u="none" strike="noStrike" cap="none">
+                <a:solidFill>
+                  <a:schemeClr val="dk2"/>
+                </a:solidFill>
+                <a:latin typeface="Lato"/>
+                <a:ea typeface="Lato"/>
+                <a:cs typeface="Lato"/>
+                <a:sym typeface="Lato"/>
+              </a:defRPr>
+            </a:lvl7pPr>
+            <a:lvl8pPr marL="3657600" marR="0" lvl="7" indent="-317500" algn="ctr" rtl="0">
+              <a:lnSpc>
+                <a:spcPct val="100000"/>
+              </a:lnSpc>
+              <a:spcBef>
+                <a:spcPts val="1600"/>
+              </a:spcBef>
+              <a:spcAft>
+                <a:spcPts val="0"/>
+              </a:spcAft>
+              <a:buClr>
+                <a:schemeClr val="dk2"/>
+              </a:buClr>
+              <a:buSzPts val="1400"/>
+              <a:buFont typeface="Lato"/>
+              <a:buNone/>
+              <a:defRPr sz="1400" b="0" i="0" u="none" strike="noStrike" cap="none">
+                <a:solidFill>
+                  <a:schemeClr val="dk2"/>
+                </a:solidFill>
+                <a:latin typeface="Lato"/>
+                <a:ea typeface="Lato"/>
+                <a:cs typeface="Lato"/>
+                <a:sym typeface="Lato"/>
+              </a:defRPr>
+            </a:lvl8pPr>
+            <a:lvl9pPr marL="4114800" marR="0" lvl="8" indent="-317500" algn="ctr" rtl="0">
+              <a:lnSpc>
+                <a:spcPct val="100000"/>
+              </a:lnSpc>
+              <a:spcBef>
+                <a:spcPts val="1600"/>
+              </a:spcBef>
+              <a:spcAft>
+                <a:spcPts val="1600"/>
+              </a:spcAft>
+              <a:buClr>
+                <a:schemeClr val="dk2"/>
+              </a:buClr>
+              <a:buSzPts val="1400"/>
+              <a:buFont typeface="Lato"/>
+              <a:buNone/>
+              <a:defRPr sz="1400" b="0" i="0" u="none" strike="noStrike" cap="none">
+                <a:solidFill>
+                  <a:schemeClr val="dk2"/>
+                </a:solidFill>
+                <a:latin typeface="Lato"/>
+                <a:ea typeface="Lato"/>
+                <a:cs typeface="Lato"/>
+                <a:sym typeface="Lato"/>
+              </a:defRPr>
+            </a:lvl9pPr>
+          </a:lstStyle>
+          <a:p>
+            <a:pPr marL="0" indent="0"/>
+            <a:r>
+              <a:rPr lang="uk-UA" dirty="0"/>
+              <a:t>Виконав</a:t>
+            </a:r>
+            <a:r>
+              <a:rPr lang="en-US" dirty="0"/>
+              <a:t> </a:t>
+            </a:r>
+            <a:r>
+              <a:rPr lang="uk-UA" dirty="0"/>
+              <a:t>студент</a:t>
+            </a:r>
+            <a:r>
+              <a:rPr lang="en-US" dirty="0"/>
+              <a:t>:</a:t>
+            </a:r>
+            <a:r>
+              <a:rPr lang="uk-UA" dirty="0"/>
+              <a:t> </a:t>
+            </a:r>
+            <a:r>
+              <a:rPr lang="uk-UA" dirty="0" err="1"/>
+              <a:t>Дзизиль</a:t>
+            </a:r>
+            <a:r>
+              <a:rPr lang="uk-UA" dirty="0"/>
+              <a:t> Д.Є.</a:t>
+            </a:r>
+            <a:endParaRPr lang="en-US" dirty="0"/>
+          </a:p>
+        </p:txBody>
+      </p:sp>
+      <p:sp>
+        <p:nvSpPr>
+          <p:cNvPr id="4" name="Прямоугольник 3"/>
+          <p:cNvSpPr/>
+          <p:nvPr/>
+        </p:nvSpPr>
+        <p:spPr>
+          <a:xfrm>
+            <a:off x="1658204" y="1720844"/>
+            <a:ext cx="5377218" cy="1815882"/>
+          </a:xfrm>
+          <a:prstGeom prst="rect">
+            <a:avLst/>
+          </a:prstGeom>
+        </p:spPr>
+        <p:txBody>
+          <a:bodyPr wrap="square">
+            <a:spAutoFit/>
+          </a:bodyPr>
+          <a:lstStyle/>
+          <a:p>
+            <a:r>
+              <a:rPr lang="en-US" dirty="0">
+                <a:solidFill>
+                  <a:schemeClr val="dk1"/>
+                </a:solidFill>
+                <a:latin typeface="Varela Round"/>
+                <a:ea typeface="Varela Round"/>
+                <a:cs typeface="Varela Round"/>
+                <a:sym typeface="Varela Round"/>
+              </a:rPr>
+              <a:t>From </a:t>
+            </a:r>
+            <a:r>
+              <a:rPr lang="en-US" dirty="0">
+                <a:solidFill>
+                  <a:schemeClr val="dk1"/>
+                </a:solidFill>
+                <a:latin typeface="Varela Round"/>
+                <a:ea typeface="Varela Round"/>
+                <a:cs typeface="Varela Round"/>
+                <a:sym typeface="Varela Round"/>
+              </a:rPr>
+              <a:t>Windows PowerShell</a:t>
+            </a:r>
+            <a:r>
+              <a:rPr lang="en-US" dirty="0">
+                <a:solidFill>
+                  <a:schemeClr val="dk1"/>
+                </a:solidFill>
+                <a:latin typeface="Varela Round"/>
+                <a:ea typeface="Varela Round"/>
+                <a:cs typeface="Varela Round"/>
+                <a:sym typeface="Varela Round"/>
+              </a:rPr>
+              <a:t>: </a:t>
+            </a:r>
+            <a:r>
+              <a:rPr lang="ru-RU" dirty="0" err="1">
+                <a:solidFill>
+                  <a:schemeClr val="dk1"/>
+                </a:solidFill>
+                <a:latin typeface="Varela Round"/>
+                <a:ea typeface="Varela Round"/>
+                <a:cs typeface="Varela Round"/>
+                <a:sym typeface="Varela Round"/>
+              </a:rPr>
+              <a:t>scp</a:t>
+            </a:r>
+            <a:r>
+              <a:rPr lang="ru-RU" dirty="0">
+                <a:solidFill>
+                  <a:schemeClr val="dk1"/>
+                </a:solidFill>
+                <a:latin typeface="Varela Round"/>
+                <a:ea typeface="Varela Round"/>
+                <a:cs typeface="Varela Round"/>
+                <a:sym typeface="Varela Round"/>
+              </a:rPr>
+              <a:t> </a:t>
+            </a:r>
+            <a:r>
+              <a:rPr lang="ru-RU" dirty="0" err="1">
+                <a:solidFill>
+                  <a:schemeClr val="dk1"/>
+                </a:solidFill>
+                <a:latin typeface="Varela Round"/>
+                <a:ea typeface="Varela Round"/>
+                <a:cs typeface="Varela Round"/>
+                <a:sym typeface="Varela Round"/>
+              </a:rPr>
+              <a:t>username@ip_віртуальної_машини</a:t>
+            </a:r>
+            <a:r>
+              <a:rPr lang="ru-RU" dirty="0">
+                <a:solidFill>
+                  <a:schemeClr val="dk1"/>
+                </a:solidFill>
+                <a:latin typeface="Varela Round"/>
+                <a:ea typeface="Varela Round"/>
+                <a:cs typeface="Varela Round"/>
+                <a:sym typeface="Varela Round"/>
+              </a:rPr>
+              <a:t>:/</a:t>
+            </a:r>
+            <a:r>
+              <a:rPr lang="ru-RU" dirty="0" err="1">
+                <a:solidFill>
+                  <a:schemeClr val="dk1"/>
+                </a:solidFill>
+                <a:latin typeface="Varela Round"/>
+                <a:ea typeface="Varela Round"/>
+                <a:cs typeface="Varela Round"/>
+                <a:sym typeface="Varela Round"/>
+              </a:rPr>
+              <a:t>home</a:t>
+            </a:r>
+            <a:r>
+              <a:rPr lang="ru-RU" dirty="0">
+                <a:solidFill>
+                  <a:schemeClr val="dk1"/>
+                </a:solidFill>
+                <a:latin typeface="Varela Round"/>
+                <a:ea typeface="Varela Round"/>
+                <a:cs typeface="Varela Round"/>
+                <a:sym typeface="Varela Round"/>
+              </a:rPr>
+              <a:t>/</a:t>
+            </a:r>
+            <a:r>
+              <a:rPr lang="ru-RU" dirty="0" err="1">
+                <a:solidFill>
+                  <a:schemeClr val="dk1"/>
+                </a:solidFill>
+                <a:latin typeface="Varela Round"/>
+                <a:ea typeface="Varela Round"/>
+                <a:cs typeface="Varela Round"/>
+                <a:sym typeface="Varela Round"/>
+              </a:rPr>
+              <a:t>username</a:t>
+            </a:r>
+            <a:r>
+              <a:rPr lang="ru-RU" dirty="0">
+                <a:solidFill>
+                  <a:schemeClr val="dk1"/>
+                </a:solidFill>
+                <a:latin typeface="Varela Round"/>
+                <a:ea typeface="Varela Round"/>
+                <a:cs typeface="Varela Round"/>
+                <a:sym typeface="Varela Round"/>
+              </a:rPr>
+              <a:t>/аудіо_файл.mp3 C:\</a:t>
+            </a:r>
+            <a:r>
+              <a:rPr lang="ru-RU" dirty="0">
+                <a:solidFill>
+                  <a:schemeClr val="dk1"/>
+                </a:solidFill>
+                <a:latin typeface="Varela Round"/>
+                <a:ea typeface="Varela Round"/>
+                <a:cs typeface="Varela Round"/>
+                <a:sym typeface="Varela Round"/>
+              </a:rPr>
+              <a:t>куди_скопіювати</a:t>
+            </a:r>
+            <a:r>
+              <a:rPr lang="en-US" dirty="0">
+                <a:solidFill>
+                  <a:schemeClr val="dk1"/>
+                </a:solidFill>
+                <a:latin typeface="Varela Round"/>
+                <a:ea typeface="Varela Round"/>
+                <a:cs typeface="Varela Round"/>
+                <a:sym typeface="Varela Round"/>
+              </a:rPr>
+              <a:t>\</a:t>
+            </a:r>
+          </a:p>
+          <a:p>
+            <a:r>
+              <a:rPr lang="en-US" dirty="0">
+                <a:solidFill>
+                  <a:schemeClr val="dk1"/>
+                </a:solidFill>
+                <a:latin typeface="Varela Round"/>
+                <a:ea typeface="Varela Round"/>
+                <a:cs typeface="Varela Round"/>
+                <a:sym typeface="Varela Round"/>
+              </a:rPr>
+              <a:t>This method allows you to securely and efficiently share files between Windows and Linux using an SSH connection. Be careful when using SSH, and make sure you know the credentials to access your Linux VM.</a:t>
+            </a:r>
+            <a:endParaRPr lang="ru-RU" dirty="0">
+              <a:solidFill>
+                <a:schemeClr val="dk1"/>
+              </a:solidFill>
+              <a:latin typeface="Varela Round"/>
+              <a:ea typeface="Varela Round"/>
+              <a:cs typeface="Varela Round"/>
+              <a:sym typeface="Varela Round"/>
+            </a:endParaRPr>
+          </a:p>
+          <a:p>
+            <a:endParaRPr lang="uk-UA" dirty="0">
+              <a:solidFill>
+                <a:schemeClr val="dk1"/>
+              </a:solidFill>
+              <a:latin typeface="Varela Round"/>
+              <a:ea typeface="Varela Round"/>
+              <a:cs typeface="Varela Round"/>
+              <a:sym typeface="Varela Round"/>
+            </a:endParaRPr>
+          </a:p>
+        </p:txBody>
+      </p:sp>
+    </p:spTree>
+    <p:extLst>
+      <p:ext uri="{BB962C8B-B14F-4D97-AF65-F5344CB8AC3E}">
+        <p14:creationId xmlns:p14="http://schemas.microsoft.com/office/powerpoint/2010/main" val="880417669"/>
+      </p:ext>
+    </p:extLst>
+  </p:cSld>
+  <p:clrMapOvr>
+    <a:masterClrMapping/>
+  </p:clrMapOvr>
+  <p:timing>
+    <p:tnLst>
+      <p:par>
+        <p:cTn id="1" dur="indefinite" restart="never" nodeType="tmRoot"/>
+      </p:par>
+    </p:tnLst>
+  </p:timing>
+</p:sld>
+</file>
+
+<file path=ppt/slides/slide28.xml><?xml version="1.0" encoding="utf-8"?>
+<p:sld xmlns:a="http://schemas.openxmlformats.org/drawingml/2006/main" xmlns:r="http://schemas.openxmlformats.org/officeDocument/2006/relationships" xmlns:p="http://schemas.openxmlformats.org/presentationml/2006/main">
+  <p:cSld>
+    <p:bg>
+      <p:bgPr>
+        <a:blipFill>
+          <a:blip r:embed="rId3">
+            <a:alphaModFix/>
+          </a:blip>
+          <a:stretch>
+            <a:fillRect/>
+          </a:stretch>
+        </a:blipFill>
+        <a:effectLst/>
+      </p:bgPr>
+    </p:bg>
+    <p:spTree>
+      <p:nvGrpSpPr>
+        <p:cNvPr id="1" name="Shape 533"/>
+        <p:cNvGrpSpPr/>
+        <p:nvPr/>
+      </p:nvGrpSpPr>
+      <p:grpSpPr>
+        <a:xfrm>
+          <a:off x="0" y="0"/>
+          <a:ext cx="0" cy="0"/>
+          <a:chOff x="0" y="0"/>
+          <a:chExt cx="0" cy="0"/>
+        </a:xfrm>
+      </p:grpSpPr>
+      <p:grpSp>
+        <p:nvGrpSpPr>
+          <p:cNvPr id="534" name="Google Shape;534;p38"/>
+          <p:cNvGrpSpPr/>
+          <p:nvPr/>
+        </p:nvGrpSpPr>
+        <p:grpSpPr>
+          <a:xfrm>
+            <a:off x="6131258" y="2642553"/>
+            <a:ext cx="1137900" cy="861417"/>
+            <a:chOff x="2333960" y="2049193"/>
+            <a:chExt cx="1137900" cy="861417"/>
+          </a:xfrm>
+        </p:grpSpPr>
+        <p:sp>
+          <p:nvSpPr>
+            <p:cNvPr id="535" name="Google Shape;535;p38"/>
+            <p:cNvSpPr/>
+            <p:nvPr/>
+          </p:nvSpPr>
+          <p:spPr>
+            <a:xfrm>
+              <a:off x="2333960" y="2049193"/>
+              <a:ext cx="539100" cy="630900"/>
+            </a:xfrm>
+            <a:prstGeom prst="roundRect">
+              <a:avLst>
+                <a:gd name="adj" fmla="val 6278"/>
+              </a:avLst>
+            </a:prstGeom>
+            <a:solidFill>
+              <a:schemeClr val="lt2"/>
+            </a:solidFill>
+            <a:ln w="28575" cap="flat" cmpd="sng">
+              <a:solidFill>
+                <a:schemeClr val="dk1"/>
+              </a:solidFill>
+              <a:prstDash val="solid"/>
+              <a:round/>
+              <a:headEnd type="none" w="sm" len="sm"/>
+              <a:tailEnd type="none" w="sm" len="sm"/>
+            </a:ln>
+            <a:effectLst>
+              <a:outerShdw blurRad="57150" dist="19050" dir="5400000" algn="bl" rotWithShape="0">
+                <a:schemeClr val="dk1">
+                  <a:alpha val="50000"/>
+                </a:schemeClr>
+              </a:outerShdw>
+            </a:effectLst>
+          </p:spPr>
+          <p:txBody>
+            <a:bodyPr spcFirstLastPara="1" wrap="square" lIns="91425" tIns="91425" rIns="91425" bIns="91425" anchor="ctr" anchorCtr="0">
+              <a:noAutofit/>
+            </a:bodyPr>
+            <a:lstStyle/>
+            <a:p>
+              <a:pPr marL="0" lvl="0" indent="0" algn="l" rtl="0">
+                <a:spcBef>
+                  <a:spcPts val="0"/>
+                </a:spcBef>
+                <a:spcAft>
+                  <a:spcPts val="0"/>
+                </a:spcAft>
+                <a:buNone/>
+              </a:pPr>
+              <a:endParaRPr/>
+            </a:p>
+          </p:txBody>
+        </p:sp>
+        <p:sp>
+          <p:nvSpPr>
+            <p:cNvPr id="536" name="Google Shape;536;p38"/>
+            <p:cNvSpPr/>
+            <p:nvPr/>
+          </p:nvSpPr>
+          <p:spPr>
+            <a:xfrm>
+              <a:off x="2333960" y="2175010"/>
+              <a:ext cx="1137900" cy="735600"/>
+            </a:xfrm>
+            <a:prstGeom prst="roundRect">
+              <a:avLst>
+                <a:gd name="adj" fmla="val 5762"/>
+              </a:avLst>
+            </a:prstGeom>
+            <a:solidFill>
+              <a:schemeClr val="lt2"/>
+            </a:solidFill>
+            <a:ln w="28575" cap="flat" cmpd="sng">
+              <a:solidFill>
+                <a:schemeClr val="dk1"/>
+              </a:solidFill>
+              <a:prstDash val="solid"/>
+              <a:round/>
+              <a:headEnd type="none" w="sm" len="sm"/>
+              <a:tailEnd type="none" w="sm" len="sm"/>
+            </a:ln>
+            <a:effectLst>
+              <a:outerShdw dist="57150" dir="2940000" algn="bl" rotWithShape="0">
+                <a:schemeClr val="dk1"/>
+              </a:outerShdw>
+            </a:effectLst>
+          </p:spPr>
+          <p:txBody>
+            <a:bodyPr spcFirstLastPara="1" wrap="square" lIns="91425" tIns="91425" rIns="91425" bIns="91425" anchor="ctr" anchorCtr="0">
+              <a:noAutofit/>
+            </a:bodyPr>
+            <a:lstStyle/>
+            <a:p>
+              <a:pPr marL="0" lvl="0" indent="0" algn="l" rtl="0">
+                <a:spcBef>
+                  <a:spcPts val="0"/>
+                </a:spcBef>
+                <a:spcAft>
+                  <a:spcPts val="0"/>
+                </a:spcAft>
+                <a:buNone/>
+              </a:pPr>
+              <a:endParaRPr dirty="0"/>
+            </a:p>
+          </p:txBody>
+        </p:sp>
+      </p:grpSp>
+      <p:grpSp>
+        <p:nvGrpSpPr>
+          <p:cNvPr id="537" name="Google Shape;537;p38"/>
+          <p:cNvGrpSpPr/>
+          <p:nvPr/>
+        </p:nvGrpSpPr>
+        <p:grpSpPr>
+          <a:xfrm>
+            <a:off x="709964" y="606114"/>
+            <a:ext cx="5995635" cy="2315505"/>
+            <a:chOff x="323275" y="322475"/>
+            <a:chExt cx="8490434" cy="4491900"/>
+          </a:xfrm>
+        </p:grpSpPr>
+        <p:sp>
+          <p:nvSpPr>
+            <p:cNvPr id="538" name="Google Shape;538;p38"/>
+            <p:cNvSpPr/>
+            <p:nvPr/>
+          </p:nvSpPr>
+          <p:spPr>
+            <a:xfrm>
+              <a:off x="323275" y="322475"/>
+              <a:ext cx="8482800" cy="4491900"/>
+            </a:xfrm>
+            <a:prstGeom prst="roundRect">
+              <a:avLst>
+                <a:gd name="adj" fmla="val 2739"/>
+              </a:avLst>
+            </a:prstGeom>
+            <a:solidFill>
+              <a:schemeClr val="lt2"/>
+            </a:solidFill>
+            <a:ln w="28575" cap="flat" cmpd="sng">
+              <a:solidFill>
+                <a:schemeClr val="dk1"/>
+              </a:solidFill>
+              <a:prstDash val="solid"/>
+              <a:round/>
+              <a:headEnd type="none" w="sm" len="sm"/>
+              <a:tailEnd type="none" w="sm" len="sm"/>
+            </a:ln>
+            <a:effectLst>
+              <a:outerShdw dist="142875" dir="2640000" algn="bl" rotWithShape="0">
+                <a:srgbClr val="2D2E27"/>
+              </a:outerShdw>
+            </a:effectLst>
+          </p:spPr>
+          <p:txBody>
+            <a:bodyPr spcFirstLastPara="1" wrap="square" lIns="91425" tIns="91425" rIns="91425" bIns="91425" anchor="ctr" anchorCtr="0">
+              <a:noAutofit/>
+            </a:bodyPr>
+            <a:lstStyle/>
+            <a:p>
+              <a:pPr marL="0" lvl="0" indent="0" algn="l" rtl="0">
+                <a:spcBef>
+                  <a:spcPts val="0"/>
+                </a:spcBef>
+                <a:spcAft>
+                  <a:spcPts val="0"/>
+                </a:spcAft>
+                <a:buNone/>
+              </a:pPr>
+              <a:endParaRPr/>
+            </a:p>
+          </p:txBody>
+        </p:sp>
+        <p:grpSp>
+          <p:nvGrpSpPr>
+            <p:cNvPr id="539" name="Google Shape;539;p38"/>
+            <p:cNvGrpSpPr/>
+            <p:nvPr/>
+          </p:nvGrpSpPr>
+          <p:grpSpPr>
+            <a:xfrm flipH="1">
+              <a:off x="331504" y="469451"/>
+              <a:ext cx="8482204" cy="530259"/>
+              <a:chOff x="716550" y="1893994"/>
+              <a:chExt cx="7697100" cy="481179"/>
+            </a:xfrm>
+          </p:grpSpPr>
+          <p:cxnSp>
+            <p:nvCxnSpPr>
+              <p:cNvPr id="540" name="Google Shape;540;p38"/>
+              <p:cNvCxnSpPr/>
+              <p:nvPr/>
+            </p:nvCxnSpPr>
+            <p:spPr>
+              <a:xfrm>
+                <a:off x="716550" y="2375173"/>
+                <a:ext cx="7697100" cy="0"/>
+              </a:xfrm>
+              <a:prstGeom prst="straightConnector1">
+                <a:avLst/>
+              </a:prstGeom>
+              <a:noFill/>
+              <a:ln w="28575" cap="flat" cmpd="sng">
+                <a:solidFill>
+                  <a:schemeClr val="dk1"/>
+                </a:solidFill>
+                <a:prstDash val="solid"/>
+                <a:round/>
+                <a:headEnd type="none" w="med" len="med"/>
+                <a:tailEnd type="none" w="med" len="med"/>
+              </a:ln>
+            </p:spPr>
+          </p:cxnSp>
+          <p:sp>
+            <p:nvSpPr>
+              <p:cNvPr id="541" name="Google Shape;541;p38"/>
+              <p:cNvSpPr/>
+              <p:nvPr/>
+            </p:nvSpPr>
+            <p:spPr>
+              <a:xfrm>
+                <a:off x="7471295" y="1893994"/>
+                <a:ext cx="140400" cy="140400"/>
+              </a:xfrm>
+              <a:prstGeom prst="ellipse">
+                <a:avLst/>
+              </a:prstGeom>
+              <a:solidFill>
+                <a:schemeClr val="lt2"/>
+              </a:solidFill>
+              <a:ln w="28575" cap="flat" cmpd="sng">
+                <a:solidFill>
+                  <a:schemeClr val="dk1"/>
+                </a:solidFill>
+                <a:prstDash val="solid"/>
+                <a:round/>
+                <a:headEnd type="none" w="sm" len="sm"/>
+                <a:tailEnd type="none" w="sm" len="sm"/>
+              </a:ln>
+              <a:effectLst>
+                <a:outerShdw dist="28575" dir="3600000" algn="bl" rotWithShape="0">
+                  <a:schemeClr val="dk1"/>
+                </a:outerShdw>
+              </a:effectLst>
+            </p:spPr>
+            <p:txBody>
+              <a:bodyPr spcFirstLastPara="1" wrap="square" lIns="91425" tIns="91425" rIns="91425" bIns="91425" anchor="ctr" anchorCtr="0">
+                <a:noAutofit/>
+              </a:bodyPr>
+              <a:lstStyle/>
+              <a:p>
+                <a:pPr marL="0" lvl="0" indent="0" algn="l" rtl="0">
+                  <a:spcBef>
+                    <a:spcPts val="0"/>
+                  </a:spcBef>
+                  <a:spcAft>
+                    <a:spcPts val="0"/>
+                  </a:spcAft>
+                  <a:buNone/>
+                </a:pPr>
+                <a:endParaRPr/>
+              </a:p>
+            </p:txBody>
+          </p:sp>
+          <p:sp>
+            <p:nvSpPr>
+              <p:cNvPr id="542" name="Google Shape;542;p38"/>
+              <p:cNvSpPr/>
+              <p:nvPr/>
+            </p:nvSpPr>
+            <p:spPr>
+              <a:xfrm>
+                <a:off x="7768543" y="1893994"/>
+                <a:ext cx="140400" cy="140400"/>
+              </a:xfrm>
+              <a:prstGeom prst="ellipse">
+                <a:avLst/>
+              </a:prstGeom>
+              <a:solidFill>
+                <a:schemeClr val="lt2"/>
+              </a:solidFill>
+              <a:ln w="28575" cap="flat" cmpd="sng">
+                <a:solidFill>
+                  <a:schemeClr val="dk1"/>
+                </a:solidFill>
+                <a:prstDash val="solid"/>
+                <a:round/>
+                <a:headEnd type="none" w="sm" len="sm"/>
+                <a:tailEnd type="none" w="sm" len="sm"/>
+              </a:ln>
+              <a:effectLst>
+                <a:outerShdw dist="28575" dir="3600000" algn="bl" rotWithShape="0">
+                  <a:schemeClr val="dk1"/>
+                </a:outerShdw>
+              </a:effectLst>
+            </p:spPr>
+            <p:txBody>
+              <a:bodyPr spcFirstLastPara="1" wrap="square" lIns="91425" tIns="91425" rIns="91425" bIns="91425" anchor="ctr" anchorCtr="0">
+                <a:noAutofit/>
+              </a:bodyPr>
+              <a:lstStyle/>
+              <a:p>
+                <a:pPr marL="0" lvl="0" indent="0" algn="l" rtl="0">
+                  <a:spcBef>
+                    <a:spcPts val="0"/>
+                  </a:spcBef>
+                  <a:spcAft>
+                    <a:spcPts val="0"/>
+                  </a:spcAft>
+                  <a:buNone/>
+                </a:pPr>
+                <a:endParaRPr/>
+              </a:p>
+            </p:txBody>
+          </p:sp>
+          <p:sp>
+            <p:nvSpPr>
+              <p:cNvPr id="543" name="Google Shape;543;p38"/>
+              <p:cNvSpPr/>
+              <p:nvPr/>
+            </p:nvSpPr>
+            <p:spPr>
+              <a:xfrm>
+                <a:off x="8057023" y="1893994"/>
+                <a:ext cx="140400" cy="140400"/>
+              </a:xfrm>
+              <a:prstGeom prst="ellipse">
+                <a:avLst/>
+              </a:prstGeom>
+              <a:solidFill>
+                <a:schemeClr val="accent1"/>
+              </a:solidFill>
+              <a:ln w="28575" cap="flat" cmpd="sng">
+                <a:solidFill>
+                  <a:schemeClr val="dk1"/>
+                </a:solidFill>
+                <a:prstDash val="solid"/>
+                <a:round/>
+                <a:headEnd type="none" w="sm" len="sm"/>
+                <a:tailEnd type="none" w="sm" len="sm"/>
+              </a:ln>
+              <a:effectLst>
+                <a:outerShdw dist="28575" dir="3600000" algn="bl" rotWithShape="0">
+                  <a:schemeClr val="dk1"/>
+                </a:outerShdw>
+              </a:effectLst>
+            </p:spPr>
+            <p:txBody>
+              <a:bodyPr spcFirstLastPara="1" wrap="square" lIns="91425" tIns="91425" rIns="91425" bIns="91425" anchor="ctr" anchorCtr="0">
+                <a:noAutofit/>
+              </a:bodyPr>
+              <a:lstStyle/>
+              <a:p>
+                <a:pPr marL="0" lvl="0" indent="0" algn="l" rtl="0">
+                  <a:spcBef>
+                    <a:spcPts val="0"/>
+                  </a:spcBef>
+                  <a:spcAft>
+                    <a:spcPts val="0"/>
+                  </a:spcAft>
+                  <a:buNone/>
+                </a:pPr>
+                <a:endParaRPr/>
+              </a:p>
+            </p:txBody>
+          </p:sp>
+        </p:grpSp>
+      </p:grpSp>
+      <p:grpSp>
+        <p:nvGrpSpPr>
+          <p:cNvPr id="545" name="Google Shape;545;p38"/>
+          <p:cNvGrpSpPr/>
+          <p:nvPr/>
+        </p:nvGrpSpPr>
+        <p:grpSpPr>
+          <a:xfrm>
+            <a:off x="303350" y="2424432"/>
+            <a:ext cx="1137900" cy="861417"/>
+            <a:chOff x="2333960" y="2049193"/>
+            <a:chExt cx="1137900" cy="861417"/>
+          </a:xfrm>
+        </p:grpSpPr>
+        <p:sp>
+          <p:nvSpPr>
+            <p:cNvPr id="546" name="Google Shape;546;p38"/>
+            <p:cNvSpPr/>
+            <p:nvPr/>
+          </p:nvSpPr>
+          <p:spPr>
+            <a:xfrm>
+              <a:off x="2333960" y="2049193"/>
+              <a:ext cx="539100" cy="630900"/>
+            </a:xfrm>
+            <a:prstGeom prst="roundRect">
+              <a:avLst>
+                <a:gd name="adj" fmla="val 6278"/>
+              </a:avLst>
+            </a:prstGeom>
+            <a:solidFill>
+              <a:schemeClr val="lt2"/>
+            </a:solidFill>
+            <a:ln w="28575" cap="flat" cmpd="sng">
+              <a:solidFill>
+                <a:schemeClr val="dk1"/>
+              </a:solidFill>
+              <a:prstDash val="solid"/>
+              <a:round/>
+              <a:headEnd type="none" w="sm" len="sm"/>
+              <a:tailEnd type="none" w="sm" len="sm"/>
+            </a:ln>
+            <a:effectLst>
+              <a:outerShdw blurRad="57150" dist="19050" dir="5400000" algn="bl" rotWithShape="0">
+                <a:schemeClr val="dk1">
+                  <a:alpha val="50000"/>
+                </a:schemeClr>
+              </a:outerShdw>
+            </a:effectLst>
+          </p:spPr>
+          <p:txBody>
+            <a:bodyPr spcFirstLastPara="1" wrap="square" lIns="91425" tIns="91425" rIns="91425" bIns="91425" anchor="ctr" anchorCtr="0">
+              <a:noAutofit/>
+            </a:bodyPr>
+            <a:lstStyle/>
+            <a:p>
+              <a:pPr marL="0" lvl="0" indent="0" algn="l" rtl="0">
+                <a:spcBef>
+                  <a:spcPts val="0"/>
+                </a:spcBef>
+                <a:spcAft>
+                  <a:spcPts val="0"/>
+                </a:spcAft>
+                <a:buNone/>
+              </a:pPr>
+              <a:endParaRPr/>
+            </a:p>
+          </p:txBody>
+        </p:sp>
+        <p:sp>
+          <p:nvSpPr>
+            <p:cNvPr id="547" name="Google Shape;547;p38"/>
+            <p:cNvSpPr/>
+            <p:nvPr/>
+          </p:nvSpPr>
+          <p:spPr>
+            <a:xfrm>
+              <a:off x="2333960" y="2175010"/>
+              <a:ext cx="1137900" cy="735600"/>
+            </a:xfrm>
+            <a:prstGeom prst="roundRect">
+              <a:avLst>
+                <a:gd name="adj" fmla="val 5762"/>
+              </a:avLst>
+            </a:prstGeom>
+            <a:solidFill>
+              <a:schemeClr val="lt2"/>
+            </a:solidFill>
+            <a:ln w="28575" cap="flat" cmpd="sng">
+              <a:solidFill>
+                <a:schemeClr val="dk1"/>
+              </a:solidFill>
+              <a:prstDash val="solid"/>
+              <a:round/>
+              <a:headEnd type="none" w="sm" len="sm"/>
+              <a:tailEnd type="none" w="sm" len="sm"/>
+            </a:ln>
+            <a:effectLst>
+              <a:outerShdw dist="57150" dir="2940000" algn="bl" rotWithShape="0">
+                <a:schemeClr val="dk1"/>
+              </a:outerShdw>
+            </a:effectLst>
+          </p:spPr>
+          <p:txBody>
+            <a:bodyPr spcFirstLastPara="1" wrap="square" lIns="91425" tIns="91425" rIns="91425" bIns="91425" anchor="ctr" anchorCtr="0">
+              <a:noAutofit/>
+            </a:bodyPr>
+            <a:lstStyle/>
+            <a:p>
+              <a:pPr marL="0" lvl="0" indent="0" algn="l" rtl="0">
+                <a:spcBef>
+                  <a:spcPts val="0"/>
+                </a:spcBef>
+                <a:spcAft>
+                  <a:spcPts val="0"/>
+                </a:spcAft>
+                <a:buNone/>
+              </a:pPr>
+              <a:endParaRPr/>
+            </a:p>
+          </p:txBody>
+        </p:sp>
+      </p:grpSp>
+      <p:grpSp>
+        <p:nvGrpSpPr>
+          <p:cNvPr id="548" name="Google Shape;548;p38"/>
+          <p:cNvGrpSpPr/>
+          <p:nvPr/>
+        </p:nvGrpSpPr>
+        <p:grpSpPr>
+          <a:xfrm>
+            <a:off x="4058525" y="130205"/>
+            <a:ext cx="1137900" cy="861417"/>
+            <a:chOff x="2333960" y="2049193"/>
+            <a:chExt cx="1137900" cy="861417"/>
+          </a:xfrm>
+        </p:grpSpPr>
+        <p:sp>
+          <p:nvSpPr>
+            <p:cNvPr id="549" name="Google Shape;549;p38"/>
+            <p:cNvSpPr/>
+            <p:nvPr/>
+          </p:nvSpPr>
+          <p:spPr>
+            <a:xfrm>
+              <a:off x="2333960" y="2049193"/>
+              <a:ext cx="539100" cy="630900"/>
+            </a:xfrm>
+            <a:prstGeom prst="roundRect">
+              <a:avLst>
+                <a:gd name="adj" fmla="val 6278"/>
+              </a:avLst>
+            </a:prstGeom>
+            <a:solidFill>
+              <a:schemeClr val="lt2"/>
+            </a:solidFill>
+            <a:ln w="28575" cap="flat" cmpd="sng">
+              <a:solidFill>
+                <a:schemeClr val="dk1"/>
+              </a:solidFill>
+              <a:prstDash val="solid"/>
+              <a:round/>
+              <a:headEnd type="none" w="sm" len="sm"/>
+              <a:tailEnd type="none" w="sm" len="sm"/>
+            </a:ln>
+            <a:effectLst>
+              <a:outerShdw blurRad="57150" dist="19050" dir="5400000" algn="bl" rotWithShape="0">
+                <a:schemeClr val="dk1">
+                  <a:alpha val="50000"/>
+                </a:schemeClr>
+              </a:outerShdw>
+            </a:effectLst>
+          </p:spPr>
+          <p:txBody>
+            <a:bodyPr spcFirstLastPara="1" wrap="square" lIns="91425" tIns="91425" rIns="91425" bIns="91425" anchor="ctr" anchorCtr="0">
+              <a:noAutofit/>
+            </a:bodyPr>
+            <a:lstStyle/>
+            <a:p>
+              <a:pPr marL="0" lvl="0" indent="0" algn="l" rtl="0">
+                <a:spcBef>
+                  <a:spcPts val="0"/>
+                </a:spcBef>
+                <a:spcAft>
+                  <a:spcPts val="0"/>
+                </a:spcAft>
+                <a:buNone/>
+              </a:pPr>
+              <a:endParaRPr/>
+            </a:p>
+          </p:txBody>
+        </p:sp>
+        <p:sp>
+          <p:nvSpPr>
+            <p:cNvPr id="550" name="Google Shape;550;p38"/>
+            <p:cNvSpPr/>
+            <p:nvPr/>
+          </p:nvSpPr>
+          <p:spPr>
+            <a:xfrm>
+              <a:off x="2333960" y="2175010"/>
+              <a:ext cx="1137900" cy="735600"/>
+            </a:xfrm>
+            <a:prstGeom prst="roundRect">
+              <a:avLst>
+                <a:gd name="adj" fmla="val 5762"/>
+              </a:avLst>
+            </a:prstGeom>
+            <a:solidFill>
+              <a:schemeClr val="lt2"/>
+            </a:solidFill>
+            <a:ln w="28575" cap="flat" cmpd="sng">
+              <a:solidFill>
+                <a:schemeClr val="dk1"/>
+              </a:solidFill>
+              <a:prstDash val="solid"/>
+              <a:round/>
+              <a:headEnd type="none" w="sm" len="sm"/>
+              <a:tailEnd type="none" w="sm" len="sm"/>
+            </a:ln>
+            <a:effectLst>
+              <a:outerShdw dist="57150" dir="2940000" algn="bl" rotWithShape="0">
+                <a:schemeClr val="dk1"/>
+              </a:outerShdw>
+            </a:effectLst>
+          </p:spPr>
+          <p:txBody>
+            <a:bodyPr spcFirstLastPara="1" wrap="square" lIns="91425" tIns="91425" rIns="91425" bIns="91425" anchor="ctr" anchorCtr="0">
+              <a:noAutofit/>
+            </a:bodyPr>
+            <a:lstStyle/>
+            <a:p>
+              <a:pPr marL="0" lvl="0" indent="0" algn="l" rtl="0">
+                <a:spcBef>
+                  <a:spcPts val="0"/>
+                </a:spcBef>
+                <a:spcAft>
+                  <a:spcPts val="0"/>
+                </a:spcAft>
+                <a:buNone/>
+              </a:pPr>
+              <a:endParaRPr/>
+            </a:p>
+          </p:txBody>
+        </p:sp>
+      </p:grpSp>
+      <p:sp>
+        <p:nvSpPr>
+          <p:cNvPr id="3" name="Заголовок 2">
+            <a:extLst>
+              <a:ext uri="{FF2B5EF4-FFF2-40B4-BE49-F238E27FC236}">
+                <a16:creationId xmlns:a16="http://schemas.microsoft.com/office/drawing/2014/main" xmlns="" id="{3787F1CB-A1A0-6E50-75AD-315D56C8BA99}"/>
+              </a:ext>
+            </a:extLst>
+          </p:cNvPr>
+          <p:cNvSpPr>
+            <a:spLocks noGrp="1"/>
+          </p:cNvSpPr>
+          <p:nvPr>
+            <p:ph type="title"/>
+          </p:nvPr>
+        </p:nvSpPr>
+        <p:spPr>
+          <a:xfrm>
+            <a:off x="817050" y="1196798"/>
+            <a:ext cx="5836234" cy="1117800"/>
+          </a:xfrm>
+        </p:spPr>
+        <p:txBody>
+          <a:bodyPr/>
+          <a:lstStyle/>
+          <a:p>
+            <a:r>
+              <a:rPr lang="en-US" sz="1600" dirty="0"/>
+              <a:t>Conclusion: in the process of doing this work, we learned how to clone a virtual machine, export a virtual machine, understand the differences between broad types of network connections, learn how to expand network folders, transfer audio files between OSes.</a:t>
+            </a:r>
+            <a:endParaRPr lang="aa-ET" sz="1600" dirty="0"/>
+          </a:p>
+        </p:txBody>
+      </p:sp>
+    </p:spTree>
   </p:cSld>
   <p:clrMapOvr>
     <a:masterClrMapping/>
